--- a/Docs/Presentazione.PPTX
+++ b/Docs/Presentazione.PPTX
@@ -134,7 +134,18 @@
   </p:defaultTextStyle>
   <p:extLst>
     <p:ext uri="{EFAFB233-063F-42B5-8137-9DF3F51BA10A}">
-      <p15:sldGuideLst xmlns:p15="http://schemas.microsoft.com/office/powerpoint/2012/main" xmlns=""/>
+      <p15:sldGuideLst xmlns:p15="http://schemas.microsoft.com/office/powerpoint/2012/main">
+        <p15:guide id="1" orient="horz" pos="2160">
+          <p15:clr>
+            <a:srgbClr val="A4A3A4"/>
+          </p15:clr>
+        </p15:guide>
+        <p15:guide id="2" pos="3840">
+          <p15:clr>
+            <a:srgbClr val="A4A3A4"/>
+          </p15:clr>
+        </p15:guide>
+      </p15:sldGuideLst>
     </p:ext>
   </p:extLst>
 </p:presentation>
@@ -885,7 +896,7 @@
           <a:p>
             <a:fld id="{3F960570-40D4-4251-9C9D-483363F27B24}" type="datetimeFigureOut">
               <a:rPr lang="it-IT" smtClean="0"/>
-              <a:t>10/05/2020</a:t>
+              <a:t>11/05/2020</a:t>
             </a:fld>
             <a:endParaRPr lang="it-IT"/>
           </a:p>
@@ -1136,7 +1147,7 @@
           <a:p>
             <a:fld id="{3F960570-40D4-4251-9C9D-483363F27B24}" type="datetimeFigureOut">
               <a:rPr lang="it-IT" smtClean="0"/>
-              <a:t>10/05/2020</a:t>
+              <a:t>11/05/2020</a:t>
             </a:fld>
             <a:endParaRPr lang="it-IT"/>
           </a:p>
@@ -1450,7 +1461,7 @@
           <a:p>
             <a:fld id="{3F960570-40D4-4251-9C9D-483363F27B24}" type="datetimeFigureOut">
               <a:rPr lang="it-IT" smtClean="0"/>
-              <a:t>10/05/2020</a:t>
+              <a:t>11/05/2020</a:t>
             </a:fld>
             <a:endParaRPr lang="it-IT"/>
           </a:p>
@@ -1783,7 +1794,7 @@
           <a:p>
             <a:fld id="{3F960570-40D4-4251-9C9D-483363F27B24}" type="datetimeFigureOut">
               <a:rPr lang="it-IT" smtClean="0"/>
-              <a:t>10/05/2020</a:t>
+              <a:t>11/05/2020</a:t>
             </a:fld>
             <a:endParaRPr lang="it-IT"/>
           </a:p>
@@ -2097,7 +2108,7 @@
           <a:p>
             <a:fld id="{3F960570-40D4-4251-9C9D-483363F27B24}" type="datetimeFigureOut">
               <a:rPr lang="it-IT" smtClean="0"/>
-              <a:t>10/05/2020</a:t>
+              <a:t>11/05/2020</a:t>
             </a:fld>
             <a:endParaRPr lang="it-IT"/>
           </a:p>
@@ -2490,7 +2501,7 @@
           <a:p>
             <a:fld id="{3F960570-40D4-4251-9C9D-483363F27B24}" type="datetimeFigureOut">
               <a:rPr lang="it-IT" smtClean="0"/>
-              <a:t>10/05/2020</a:t>
+              <a:t>11/05/2020</a:t>
             </a:fld>
             <a:endParaRPr lang="it-IT"/>
           </a:p>
@@ -2660,7 +2671,7 @@
           <a:p>
             <a:fld id="{3F960570-40D4-4251-9C9D-483363F27B24}" type="datetimeFigureOut">
               <a:rPr lang="it-IT" smtClean="0"/>
-              <a:t>10/05/2020</a:t>
+              <a:t>11/05/2020</a:t>
             </a:fld>
             <a:endParaRPr lang="it-IT"/>
           </a:p>
@@ -2840,7 +2851,7 @@
           <a:p>
             <a:fld id="{3F960570-40D4-4251-9C9D-483363F27B24}" type="datetimeFigureOut">
               <a:rPr lang="it-IT" smtClean="0"/>
-              <a:t>10/05/2020</a:t>
+              <a:t>11/05/2020</a:t>
             </a:fld>
             <a:endParaRPr lang="it-IT"/>
           </a:p>
@@ -3010,7 +3021,7 @@
           <a:p>
             <a:fld id="{3F960570-40D4-4251-9C9D-483363F27B24}" type="datetimeFigureOut">
               <a:rPr lang="it-IT" smtClean="0"/>
-              <a:t>10/05/2020</a:t>
+              <a:t>11/05/2020</a:t>
             </a:fld>
             <a:endParaRPr lang="it-IT"/>
           </a:p>
@@ -3257,7 +3268,7 @@
           <a:p>
             <a:fld id="{3F960570-40D4-4251-9C9D-483363F27B24}" type="datetimeFigureOut">
               <a:rPr lang="it-IT" smtClean="0"/>
-              <a:t>10/05/2020</a:t>
+              <a:t>11/05/2020</a:t>
             </a:fld>
             <a:endParaRPr lang="it-IT"/>
           </a:p>
@@ -3489,7 +3500,7 @@
           <a:p>
             <a:fld id="{3F960570-40D4-4251-9C9D-483363F27B24}" type="datetimeFigureOut">
               <a:rPr lang="it-IT" smtClean="0"/>
-              <a:t>10/05/2020</a:t>
+              <a:t>11/05/2020</a:t>
             </a:fld>
             <a:endParaRPr lang="it-IT"/>
           </a:p>
@@ -3863,7 +3874,7 @@
           <a:p>
             <a:fld id="{3F960570-40D4-4251-9C9D-483363F27B24}" type="datetimeFigureOut">
               <a:rPr lang="it-IT" smtClean="0"/>
-              <a:t>10/05/2020</a:t>
+              <a:t>11/05/2020</a:t>
             </a:fld>
             <a:endParaRPr lang="it-IT"/>
           </a:p>
@@ -3986,7 +3997,7 @@
           <a:p>
             <a:fld id="{3F960570-40D4-4251-9C9D-483363F27B24}" type="datetimeFigureOut">
               <a:rPr lang="it-IT" smtClean="0"/>
-              <a:t>10/05/2020</a:t>
+              <a:t>11/05/2020</a:t>
             </a:fld>
             <a:endParaRPr lang="it-IT"/>
           </a:p>
@@ -4081,7 +4092,7 @@
           <a:p>
             <a:fld id="{3F960570-40D4-4251-9C9D-483363F27B24}" type="datetimeFigureOut">
               <a:rPr lang="it-IT" smtClean="0"/>
-              <a:t>10/05/2020</a:t>
+              <a:t>11/05/2020</a:t>
             </a:fld>
             <a:endParaRPr lang="it-IT"/>
           </a:p>
@@ -4336,7 +4347,7 @@
           <a:p>
             <a:fld id="{3F960570-40D4-4251-9C9D-483363F27B24}" type="datetimeFigureOut">
               <a:rPr lang="it-IT" smtClean="0"/>
-              <a:t>10/05/2020</a:t>
+              <a:t>11/05/2020</a:t>
             </a:fld>
             <a:endParaRPr lang="it-IT"/>
           </a:p>
@@ -4641,7 +4652,7 @@
           <a:p>
             <a:fld id="{3F960570-40D4-4251-9C9D-483363F27B24}" type="datetimeFigureOut">
               <a:rPr lang="it-IT" smtClean="0"/>
-              <a:t>10/05/2020</a:t>
+              <a:t>11/05/2020</a:t>
             </a:fld>
             <a:endParaRPr lang="it-IT"/>
           </a:p>
@@ -5343,7 +5354,7 @@
           <a:p>
             <a:fld id="{3F960570-40D4-4251-9C9D-483363F27B24}" type="datetimeFigureOut">
               <a:rPr lang="it-IT" smtClean="0"/>
-              <a:t>10/05/2020</a:t>
+              <a:t>11/05/2020</a:t>
             </a:fld>
             <a:endParaRPr lang="it-IT"/>
           </a:p>
@@ -5968,71 +5979,21 @@
                 <a:latin typeface="Palatino Linotype"/>
                 <a:cs typeface="Arial" charset="0"/>
               </a:rPr>
-              <a:t>928995 </a:t>
-            </a:r>
-            <a:r>
-              <a:rPr lang="it-IT" altLang="it-IT" sz="1600" b="1" dirty="0" err="1" smtClean="0">
+              <a:t>928995 Racanati Amedeo </a:t>
+            </a:r>
+            <a:r>
+              <a:rPr lang="it-IT" sz="1600" dirty="0"/>
+              <a:t>928869 </a:t>
+            </a:r>
+            <a:r>
+              <a:rPr lang="it-IT" altLang="it-IT" sz="1600" b="1" dirty="0" smtClean="0">
                 <a:solidFill>
                   <a:prstClr val="black"/>
                 </a:solidFill>
                 <a:latin typeface="Palatino Linotype"/>
                 <a:cs typeface="Arial" charset="0"/>
               </a:rPr>
-              <a:t>Racanati</a:t>
-            </a:r>
-            <a:r>
-              <a:rPr lang="it-IT" altLang="it-IT" sz="1600" b="1" dirty="0" smtClean="0">
-                <a:solidFill>
-                  <a:prstClr val="black"/>
-                </a:solidFill>
-                <a:latin typeface="Palatino Linotype"/>
-                <a:cs typeface="Arial" charset="0"/>
-              </a:rPr>
-              <a:t> Amedeo </a:t>
-            </a:r>
-            <a:r>
-              <a:rPr lang="it-IT" sz="1600" dirty="0"/>
-              <a:t>928869 </a:t>
-            </a:r>
-            <a:r>
-              <a:rPr lang="it-IT" altLang="it-IT" sz="1600" b="1" dirty="0" err="1" smtClean="0">
-                <a:solidFill>
-                  <a:prstClr val="black"/>
-                </a:solidFill>
-                <a:latin typeface="Palatino Linotype"/>
-                <a:cs typeface="Arial" charset="0"/>
-              </a:rPr>
-              <a:t>Sansonetti</a:t>
-            </a:r>
-            <a:r>
-              <a:rPr lang="it-IT" altLang="it-IT" sz="1600" b="1" dirty="0" smtClean="0">
-                <a:solidFill>
-                  <a:prstClr val="black"/>
-                </a:solidFill>
-                <a:latin typeface="Palatino Linotype"/>
-                <a:cs typeface="Arial" charset="0"/>
-              </a:rPr>
-              <a:t> </a:t>
-            </a:r>
-            <a:r>
-              <a:rPr lang="it-IT" altLang="it-IT" sz="1600" b="1" dirty="0" smtClean="0">
-                <a:solidFill>
-                  <a:prstClr val="black"/>
-                </a:solidFill>
-                <a:latin typeface="Palatino Linotype"/>
-                <a:cs typeface="Arial" charset="0"/>
-              </a:rPr>
-              <a:t>Angelo </a:t>
-            </a:r>
-            <a:r>
-              <a:rPr lang="it-IT" altLang="it-IT" sz="1600" b="1" dirty="0" smtClean="0">
-                <a:solidFill>
-                  <a:prstClr val="black"/>
-                </a:solidFill>
-                <a:latin typeface="Palatino Linotype"/>
-                <a:cs typeface="Arial" charset="0"/>
-              </a:rPr>
-              <a:t>Pio</a:t>
+              <a:t>Sansonetti Angelo Pio</a:t>
             </a:r>
             <a:r>
               <a:rPr lang="it-IT" altLang="it-IT" sz="1600" dirty="0">
@@ -9584,25 +9545,6 @@
           </a:prstGeom>
         </p:spPr>
       </p:pic>
-      <p:sp>
-        <p:nvSpPr>
-          <p:cNvPr id="2" name="Segnaposto piè di pagina 1"/>
-          <p:cNvSpPr>
-            <a:spLocks noGrp="1"/>
-          </p:cNvSpPr>
-          <p:nvPr>
-            <p:ph type="ftr" sz="quarter" idx="11"/>
-          </p:nvPr>
-        </p:nvSpPr>
-        <p:spPr/>
-        <p:txBody>
-          <a:bodyPr/>
-          <a:lstStyle/>
-          <a:p>
-            <a:endParaRPr lang="it-IT" dirty="0"/>
-          </a:p>
-        </p:txBody>
-      </p:sp>
     </p:spTree>
     <p:extLst>
       <p:ext uri="{BB962C8B-B14F-4D97-AF65-F5344CB8AC3E}">
@@ -9742,29 +9684,6 @@
           </a:p>
         </p:txBody>
       </p:sp>
-      <p:sp>
-        <p:nvSpPr>
-          <p:cNvPr id="5" name="Segnaposto piè di pagina 4"/>
-          <p:cNvSpPr>
-            <a:spLocks noGrp="1"/>
-          </p:cNvSpPr>
-          <p:nvPr>
-            <p:ph type="ftr" sz="quarter" idx="11"/>
-          </p:nvPr>
-        </p:nvSpPr>
-        <p:spPr/>
-        <p:txBody>
-          <a:bodyPr/>
-          <a:lstStyle/>
-          <a:p>
-            <a:r>
-              <a:rPr lang="it-IT" smtClean="0"/>
-              <a:t>sdsadasd</a:t>
-            </a:r>
-            <a:endParaRPr lang="it-IT"/>
-          </a:p>
-        </p:txBody>
-      </p:sp>
     </p:spTree>
     <p:extLst>
       <p:ext uri="{BB962C8B-B14F-4D97-AF65-F5344CB8AC3E}">
@@ -9832,15 +9751,7 @@
             </a:r>
             <a:r>
               <a:rPr lang="it-IT" dirty="0"/>
-              <a:t>dei </a:t>
-            </a:r>
-            <a:r>
-              <a:rPr lang="it-IT" dirty="0" err="1"/>
-              <a:t>tweet</a:t>
-            </a:r>
-            <a:r>
-              <a:rPr lang="it-IT" dirty="0"/>
-              <a:t> di oltre il 50</a:t>
+              <a:t>dei tweet di oltre il 50</a:t>
             </a:r>
             <a:r>
               <a:rPr lang="it-IT" dirty="0" smtClean="0"/>
@@ -9881,15 +9792,7 @@
             </a:r>
             <a:r>
               <a:rPr lang="it-IT" dirty="0" smtClean="0"/>
-              <a:t>cluster in </a:t>
-            </a:r>
-            <a:r>
-              <a:rPr lang="it-IT" dirty="0" err="1" smtClean="0"/>
-              <a:t>mongodb</a:t>
-            </a:r>
-            <a:r>
-              <a:rPr lang="it-IT" dirty="0" smtClean="0"/>
-              <a:t> </a:t>
+              <a:t>cluster in mongodb </a:t>
             </a:r>
             <a:r>
               <a:rPr lang="it-IT" dirty="0"/>
@@ -9901,15 +9804,7 @@
             </a:r>
             <a:r>
               <a:rPr lang="it-IT" dirty="0"/>
-              <a:t>necessità di dover suddividere i dati nei 3 </a:t>
-            </a:r>
-            <a:r>
-              <a:rPr lang="it-IT" dirty="0" err="1"/>
-              <a:t>shard</a:t>
-            </a:r>
-            <a:r>
-              <a:rPr lang="it-IT" dirty="0"/>
-              <a:t>.</a:t>
+              <a:t>necessità di dover suddividere i dati nei 3 shard.</a:t>
             </a:r>
           </a:p>
         </p:txBody>
@@ -10033,34 +9928,13 @@
             </a:r>
             <a:r>
               <a:rPr lang="it-IT" sz="1400" dirty="0" smtClean="0"/>
-              <a:t>analisi </a:t>
-            </a:r>
-            <a:r>
-              <a:rPr lang="it-IT" sz="1400" dirty="0" err="1" smtClean="0"/>
-              <a:t>tweets</a:t>
-            </a:r>
-            <a:endParaRPr lang="it-IT" sz="1400" dirty="0" smtClean="0"/>
+              <a:t>analisi tweets</a:t>
+            </a:r>
           </a:p>
           <a:p>
             <a:r>
               <a:rPr lang="it-IT" sz="1400" dirty="0" smtClean="0"/>
-              <a:t>- </a:t>
-            </a:r>
-            <a:r>
-              <a:rPr lang="it-IT" sz="1400" dirty="0" err="1" smtClean="0"/>
-              <a:t>Primary</a:t>
-            </a:r>
-            <a:r>
-              <a:rPr lang="it-IT" sz="1400" dirty="0" smtClean="0"/>
-              <a:t> </a:t>
-            </a:r>
-            <a:r>
-              <a:rPr lang="it-IT" sz="1400" dirty="0" err="1" smtClean="0"/>
-              <a:t>node</a:t>
-            </a:r>
-            <a:r>
-              <a:rPr lang="it-IT" sz="1400" dirty="0" smtClean="0"/>
-              <a:t>:</a:t>
+              <a:t>- Primary node:</a:t>
             </a:r>
             <a:r>
               <a:rPr lang="it-IT" sz="1400" dirty="0"/>
@@ -10070,12 +9944,8 @@
               <a:rPr lang="it-IT" sz="1400" dirty="0"/>
             </a:br>
             <a:r>
-              <a:rPr lang="it-IT" sz="1400" dirty="0" err="1"/>
-              <a:t>Cpu</a:t>
-            </a:r>
-            <a:r>
               <a:rPr lang="it-IT" sz="1400" dirty="0"/>
-              <a:t> 33</a:t>
+              <a:t>Cpu 33</a:t>
             </a:r>
             <a:r>
               <a:rPr lang="it-IT" sz="1400" dirty="0" smtClean="0"/>
@@ -10097,33 +9967,13 @@
             </a:br>
             <a:r>
               <a:rPr lang="it-IT" sz="1400" dirty="0" smtClean="0"/>
-              <a:t>- </a:t>
-            </a:r>
-            <a:r>
-              <a:rPr lang="it-IT" sz="1400" dirty="0" err="1" smtClean="0"/>
-              <a:t>Secondary</a:t>
-            </a:r>
+              <a:t>- Secondary node:</a:t>
+            </a:r>
+          </a:p>
+          <a:p>
             <a:r>
               <a:rPr lang="it-IT" sz="1400" dirty="0" smtClean="0"/>
-              <a:t> </a:t>
-            </a:r>
-            <a:r>
-              <a:rPr lang="it-IT" sz="1400" dirty="0" err="1" smtClean="0"/>
-              <a:t>node</a:t>
-            </a:r>
-            <a:r>
-              <a:rPr lang="it-IT" sz="1400" dirty="0" smtClean="0"/>
-              <a:t>:</a:t>
-            </a:r>
-          </a:p>
-          <a:p>
-            <a:r>
-              <a:rPr lang="it-IT" sz="1400" dirty="0" err="1" smtClean="0"/>
-              <a:t>Cpu</a:t>
-            </a:r>
-            <a:r>
-              <a:rPr lang="it-IT" sz="1400" dirty="0" smtClean="0"/>
-              <a:t> 39%</a:t>
+              <a:t>Cpu 39%</a:t>
             </a:r>
           </a:p>
           <a:p>
@@ -10177,26 +10027,14 @@
             </a:r>
             <a:r>
               <a:rPr lang="it-IT" sz="1400" dirty="0" smtClean="0"/>
-              <a:t>nalisi </a:t>
-            </a:r>
-            <a:r>
-              <a:rPr lang="it-IT" sz="1400" dirty="0" err="1" smtClean="0"/>
-              <a:t>tweets</a:t>
+              <a:t>nalisi tweets</a:t>
             </a:r>
             <a:endParaRPr lang="it-IT" sz="1400" dirty="0"/>
           </a:p>
           <a:p>
             <a:r>
               <a:rPr lang="it-IT" sz="1400" dirty="0" smtClean="0"/>
-              <a:t>Con </a:t>
-            </a:r>
-            <a:r>
-              <a:rPr lang="it-IT" sz="1400" dirty="0" err="1" smtClean="0"/>
-              <a:t>cpu</a:t>
-            </a:r>
-            <a:r>
-              <a:rPr lang="it-IT" sz="1400" dirty="0" smtClean="0"/>
-              <a:t> </a:t>
+              <a:t>Con cpu </a:t>
             </a:r>
             <a:r>
               <a:rPr lang="it-IT" sz="1400" dirty="0"/>
@@ -10283,23 +10121,7 @@
           <a:p>
             <a:r>
               <a:rPr lang="it-IT" sz="1000" dirty="0" smtClean="0"/>
-              <a:t>*</a:t>
-            </a:r>
-            <a:r>
-              <a:rPr lang="it-IT" sz="1000" dirty="0" err="1" smtClean="0"/>
-              <a:t>Primary</a:t>
-            </a:r>
-            <a:r>
-              <a:rPr lang="it-IT" sz="1000" dirty="0" smtClean="0"/>
-              <a:t> </a:t>
-            </a:r>
-            <a:r>
-              <a:rPr lang="it-IT" sz="1000" dirty="0" err="1" smtClean="0"/>
-              <a:t>working</a:t>
-            </a:r>
-            <a:r>
-              <a:rPr lang="it-IT" sz="1000" dirty="0" smtClean="0"/>
-              <a:t> set, ossia l'insieme </a:t>
+              <a:t>*Primary working set, ossia l'insieme </a:t>
             </a:r>
             <a:r>
               <a:rPr lang="it-IT" sz="1000" dirty="0"/>
@@ -10323,6 +10145,13 @@
   <p:clrMapOvr>
     <a:masterClrMapping/>
   </p:clrMapOvr>
+  <p:timing>
+    <p:tnLst>
+      <p:par>
+        <p:cTn id="1" dur="indefinite" restart="never" nodeType="tmRoot"/>
+      </p:par>
+    </p:tnLst>
+  </p:timing>
 </p:sld>
 </file>
 
@@ -10451,7 +10280,7 @@
         </p:nvSpPr>
         <p:spPr>
           <a:xfrm>
-            <a:off x="0" y="2762146"/>
+            <a:off x="-2" y="1716576"/>
             <a:ext cx="3932809" cy="1320800"/>
           </a:xfrm>
         </p:spPr>
@@ -10466,28 +10295,12 @@
               <a:rPr lang="it-IT" dirty="0" smtClean="0"/>
               <a:t>Architettura</a:t>
             </a:r>
-            <a:r>
-              <a:rPr lang="it-IT" dirty="0" smtClean="0"/>
-              <a:t/>
-            </a:r>
             <a:br>
               <a:rPr lang="it-IT" dirty="0" smtClean="0"/>
             </a:br>
             <a:r>
               <a:rPr lang="it-IT" dirty="0" smtClean="0"/>
-              <a:t>degli </a:t>
-            </a:r>
-            <a:r>
-              <a:rPr lang="it-IT" dirty="0" err="1" smtClean="0"/>
-              <a:t>shard</a:t>
-            </a:r>
-            <a:r>
-              <a:rPr lang="it-IT" dirty="0" smtClean="0"/>
-              <a:t> in </a:t>
-            </a:r>
-            <a:r>
-              <a:rPr lang="it-IT" dirty="0" err="1" smtClean="0"/>
-              <a:t>MongoDB</a:t>
+              <a:t>degli shard in MongoDB</a:t>
             </a:r>
             <a:endParaRPr lang="it-IT" dirty="0"/>
           </a:p>
@@ -10523,6 +10336,36 @@
           </a:prstGeom>
         </p:spPr>
       </p:pic>
+      <p:sp>
+        <p:nvSpPr>
+          <p:cNvPr id="2" name="CasellaDiTesto 1"/>
+          <p:cNvSpPr txBox="1"/>
+          <p:nvPr/>
+        </p:nvSpPr>
+        <p:spPr>
+          <a:xfrm>
+            <a:off x="396909" y="3622545"/>
+            <a:ext cx="3402072" cy="1200329"/>
+          </a:xfrm>
+          <a:prstGeom prst="rect">
+            <a:avLst/>
+          </a:prstGeom>
+          <a:noFill/>
+        </p:spPr>
+        <p:txBody>
+          <a:bodyPr wrap="square" rtlCol="0">
+            <a:spAutoFit/>
+          </a:bodyPr>
+          <a:lstStyle/>
+          <a:p>
+            <a:r>
+              <a:rPr lang="it-IT" dirty="0" smtClean="0"/>
+              <a:t>La comunicazione tra i due host è gestista mediante richieste HTTP POST con formato di scambio dati JSON. 	</a:t>
+            </a:r>
+            <a:endParaRPr lang="it-IT" dirty="0"/>
+          </a:p>
+        </p:txBody>
+      </p:sp>
     </p:spTree>
     <p:extLst>
       <p:ext uri="{BB962C8B-B14F-4D97-AF65-F5344CB8AC3E}">
@@ -10585,11 +10428,7 @@
             <a:pPr algn="ctr"/>
             <a:r>
               <a:rPr lang="it-IT" dirty="0" smtClean="0"/>
-              <a:t>Pipeline di elaborazione delle mappe in </a:t>
-            </a:r>
-            <a:r>
-              <a:rPr lang="it-IT" dirty="0" err="1" smtClean="0"/>
-              <a:t>MongoDB</a:t>
+              <a:t>Pipeline di elaborazione delle mappe in MongoDB</a:t>
             </a:r>
             <a:endParaRPr lang="it-IT" dirty="0"/>
           </a:p>
@@ -10646,6 +10485,13 @@
   <p:clrMapOvr>
     <a:masterClrMapping/>
   </p:clrMapOvr>
+  <p:timing>
+    <p:tnLst>
+      <p:par>
+        <p:cTn id="1" dur="indefinite" restart="never" nodeType="tmRoot"/>
+      </p:par>
+    </p:tnLst>
+  </p:timing>
 </p:sld>
 </file>
 
@@ -10671,7 +10517,7 @@
           <p:cNvPr id="5" name="Titolo 1">
             <a:extLst>
               <a:ext uri="{FF2B5EF4-FFF2-40B4-BE49-F238E27FC236}">
-                <a16:creationId xmlns:a16="http://schemas.microsoft.com/office/drawing/2014/main" xmlns="" id="{7B0C3D97-6237-4821-A89A-70162D11EE48}"/>
+                <a16:creationId xmlns:a16="http://schemas.microsoft.com/office/drawing/2014/main" id="{7B0C3D97-6237-4821-A89A-70162D11EE48}"/>
               </a:ext>
             </a:extLst>
           </p:cNvPr>
@@ -10794,7 +10640,7 @@
           <p:cNvPr id="6" name="Segnaposto contenuto 2">
             <a:extLst>
               <a:ext uri="{FF2B5EF4-FFF2-40B4-BE49-F238E27FC236}">
-                <a16:creationId xmlns:a16="http://schemas.microsoft.com/office/drawing/2014/main" xmlns="" id="{058AAC17-44C7-46C9-846C-ACC9953C05A1}"/>
+                <a16:creationId xmlns:a16="http://schemas.microsoft.com/office/drawing/2014/main" id="{058AAC17-44C7-46C9-846C-ACC9953C05A1}"/>
               </a:ext>
             </a:extLst>
           </p:cNvPr>
@@ -11049,40 +10895,13 @@
               <a:buNone/>
             </a:pPr>
             <a:r>
-              <a:rPr lang="it-IT" sz="2900" b="1" i="1" dirty="0" err="1" smtClean="0">
+              <a:rPr lang="it-IT" sz="2900" b="1" i="1" dirty="0" smtClean="0">
                 <a:solidFill>
                   <a:prstClr val="black"/>
                 </a:solidFill>
                 <a:cs typeface="Times New Roman" panose="02020603050405020304" pitchFamily="18" charset="0"/>
               </a:rPr>
-              <a:t>Hashtag</a:t>
-            </a:r>
-            <a:r>
-              <a:rPr lang="it-IT" sz="2900" b="1" i="1" dirty="0" smtClean="0">
-                <a:solidFill>
-                  <a:prstClr val="black"/>
-                </a:solidFill>
-                <a:cs typeface="Times New Roman" panose="02020603050405020304" pitchFamily="18" charset="0"/>
-              </a:rPr>
-              <a:t> </a:t>
-            </a:r>
-            <a:r>
-              <a:rPr lang="it-IT" sz="2900" b="1" i="1" dirty="0" err="1" smtClean="0">
-                <a:solidFill>
-                  <a:prstClr val="black"/>
-                </a:solidFill>
-                <a:cs typeface="Times New Roman" panose="02020603050405020304" pitchFamily="18" charset="0"/>
-              </a:rPr>
-              <a:t>Map</a:t>
-            </a:r>
-            <a:r>
-              <a:rPr lang="it-IT" sz="2900" b="1" i="1" dirty="0" smtClean="0">
-                <a:solidFill>
-                  <a:prstClr val="black"/>
-                </a:solidFill>
-                <a:cs typeface="Times New Roman" panose="02020603050405020304" pitchFamily="18" charset="0"/>
-              </a:rPr>
-              <a:t>:</a:t>
+              <a:t>Hashtag Map:</a:t>
             </a:r>
           </a:p>
           <a:p>
@@ -11128,25 +10947,7 @@
                 </a:solidFill>
                 <a:cs typeface="Times New Roman" panose="02020603050405020304" pitchFamily="18" charset="0"/>
               </a:rPr>
-              <a:t>per ciascun sentimento viene creata una mappa, che a sua volta contiene tante mappe per ciascun </a:t>
-            </a:r>
-            <a:r>
-              <a:rPr lang="it-IT" sz="1900" dirty="0" err="1" smtClean="0">
-                <a:solidFill>
-                  <a:prstClr val="black"/>
-                </a:solidFill>
-                <a:cs typeface="Times New Roman" panose="02020603050405020304" pitchFamily="18" charset="0"/>
-              </a:rPr>
-              <a:t>hashtag</a:t>
-            </a:r>
-            <a:r>
-              <a:rPr lang="it-IT" sz="1900" dirty="0" smtClean="0">
-                <a:solidFill>
-                  <a:prstClr val="black"/>
-                </a:solidFill>
-                <a:cs typeface="Times New Roman" panose="02020603050405020304" pitchFamily="18" charset="0"/>
-              </a:rPr>
-              <a:t> con relative frequenze</a:t>
+              <a:t>per ciascun sentimento viene creata una mappa, che a sua volta contiene tante mappe per ciascun hashtag con relative frequenze</a:t>
             </a:r>
             <a:endParaRPr lang="it-IT" sz="1900" dirty="0">
               <a:solidFill>
@@ -11162,7 +10963,7 @@
           <p:cNvPr id="7" name="Segnaposto contenuto 3">
             <a:extLst>
               <a:ext uri="{FF2B5EF4-FFF2-40B4-BE49-F238E27FC236}">
-                <a16:creationId xmlns:a16="http://schemas.microsoft.com/office/drawing/2014/main" xmlns="" id="{68B22042-CC38-489D-A7E5-BCC033D653FC}"/>
+                <a16:creationId xmlns:a16="http://schemas.microsoft.com/office/drawing/2014/main" id="{68B22042-CC38-489D-A7E5-BCC033D653FC}"/>
               </a:ext>
             </a:extLst>
           </p:cNvPr>
@@ -11417,40 +11218,13 @@
               <a:buNone/>
             </a:pPr>
             <a:r>
-              <a:rPr lang="it-IT" sz="2900" b="1" i="1" dirty="0" err="1" smtClean="0">
+              <a:rPr lang="it-IT" sz="2900" b="1" i="1" dirty="0" smtClean="0">
                 <a:solidFill>
                   <a:prstClr val="black"/>
                 </a:solidFill>
                 <a:cs typeface="Times New Roman" panose="02020603050405020304" pitchFamily="18" charset="0"/>
               </a:rPr>
-              <a:t>Emoji</a:t>
-            </a:r>
-            <a:r>
-              <a:rPr lang="it-IT" sz="2900" b="1" i="1" dirty="0" smtClean="0">
-                <a:solidFill>
-                  <a:prstClr val="black"/>
-                </a:solidFill>
-                <a:cs typeface="Times New Roman" panose="02020603050405020304" pitchFamily="18" charset="0"/>
-              </a:rPr>
-              <a:t> </a:t>
-            </a:r>
-            <a:r>
-              <a:rPr lang="it-IT" sz="2900" b="1" i="1" dirty="0" err="1" smtClean="0">
-                <a:solidFill>
-                  <a:prstClr val="black"/>
-                </a:solidFill>
-                <a:cs typeface="Times New Roman" panose="02020603050405020304" pitchFamily="18" charset="0"/>
-              </a:rPr>
-              <a:t>Map</a:t>
-            </a:r>
-            <a:r>
-              <a:rPr lang="it-IT" sz="2900" b="1" i="1" dirty="0" smtClean="0">
-                <a:solidFill>
-                  <a:prstClr val="black"/>
-                </a:solidFill>
-                <a:cs typeface="Times New Roman" panose="02020603050405020304" pitchFamily="18" charset="0"/>
-              </a:rPr>
-              <a:t>:</a:t>
+              <a:t>Emoji Map:</a:t>
             </a:r>
           </a:p>
           <a:p>
@@ -11525,22 +11299,13 @@
               <a:t>ciascuna </a:t>
             </a:r>
             <a:r>
-              <a:rPr lang="it-IT" sz="1900" dirty="0" err="1">
+              <a:rPr lang="it-IT" sz="1900" dirty="0">
                 <a:solidFill>
                   <a:prstClr val="black"/>
                 </a:solidFill>
                 <a:cs typeface="Times New Roman" panose="02020603050405020304" pitchFamily="18" charset="0"/>
               </a:rPr>
-              <a:t>emoji</a:t>
-            </a:r>
-            <a:r>
-              <a:rPr lang="it-IT" sz="1900" dirty="0">
-                <a:solidFill>
-                  <a:prstClr val="black"/>
-                </a:solidFill>
-                <a:cs typeface="Times New Roman" panose="02020603050405020304" pitchFamily="18" charset="0"/>
-              </a:rPr>
-              <a:t> o emoticon</a:t>
+              <a:t>emoji o emoticon</a:t>
             </a:r>
             <a:r>
               <a:rPr lang="it-IT" sz="1900" dirty="0" smtClean="0">
@@ -11575,7 +11340,7 @@
           <p:cNvPr id="9" name="Segnaposto contenuto 2">
             <a:extLst>
               <a:ext uri="{FF2B5EF4-FFF2-40B4-BE49-F238E27FC236}">
-                <a16:creationId xmlns:a16="http://schemas.microsoft.com/office/drawing/2014/main" xmlns="" id="{058AAC17-44C7-46C9-846C-ACC9953C05A1}"/>
+                <a16:creationId xmlns:a16="http://schemas.microsoft.com/office/drawing/2014/main" id="{058AAC17-44C7-46C9-846C-ACC9953C05A1}"/>
               </a:ext>
             </a:extLst>
           </p:cNvPr>
@@ -11608,16 +11373,7 @@
                 </a:solidFill>
                 <a:cs typeface="Times New Roman" panose="02020603050405020304" pitchFamily="18" charset="0"/>
               </a:rPr>
-              <a:t>Word </a:t>
-            </a:r>
-            <a:r>
-              <a:rPr lang="it-IT" sz="2900" b="1" i="1" dirty="0" err="1" smtClean="0">
-                <a:solidFill>
-                  <a:prstClr val="black"/>
-                </a:solidFill>
-                <a:cs typeface="Times New Roman" panose="02020603050405020304" pitchFamily="18" charset="0"/>
-              </a:rPr>
-              <a:t>Map</a:t>
+              <a:t>Word Map</a:t>
             </a:r>
             <a:r>
               <a:rPr lang="it-IT" sz="2900" b="1" i="1" dirty="0">
@@ -11671,16 +11427,7 @@
                 </a:solidFill>
                 <a:cs typeface="Times New Roman" panose="02020603050405020304" pitchFamily="18" charset="0"/>
               </a:rPr>
-              <a:t>per ciascuna parola relativa ad un sentimento viene generata una mappa relativa alla frequenza nei </a:t>
-            </a:r>
-            <a:r>
-              <a:rPr lang="it-IT" sz="1900" dirty="0" err="1" smtClean="0">
-                <a:solidFill>
-                  <a:prstClr val="black"/>
-                </a:solidFill>
-                <a:cs typeface="Times New Roman" panose="02020603050405020304" pitchFamily="18" charset="0"/>
-              </a:rPr>
-              <a:t>tweet</a:t>
+              <a:t>per ciascuna parola relativa ad un sentimento viene generata una mappa relativa alla frequenza nei tweet</a:t>
             </a:r>
             <a:endParaRPr lang="it-IT" sz="1900" dirty="0">
               <a:solidFill>
@@ -11701,6 +11448,13 @@
   <p:clrMapOvr>
     <a:masterClrMapping/>
   </p:clrMapOvr>
+  <p:timing>
+    <p:tnLst>
+      <p:par>
+        <p:cTn id="1" dur="indefinite" restart="never" nodeType="tmRoot"/>
+      </p:par>
+    </p:tnLst>
+  </p:timing>
 </p:sld>
 </file>
 
@@ -11877,21 +11631,21 @@
                 <a:gridCol w="2230361">
                   <a:extLst>
                     <a:ext uri="{9D8B030D-6E8A-4147-A177-3AD203B41FA5}">
-                      <a16:colId xmlns:a16="http://schemas.microsoft.com/office/drawing/2014/main" xmlns="" val="2877867300"/>
+                      <a16:colId xmlns:a16="http://schemas.microsoft.com/office/drawing/2014/main" val="2877867300"/>
                     </a:ext>
                   </a:extLst>
                 </a:gridCol>
                 <a:gridCol w="2946400">
                   <a:extLst>
                     <a:ext uri="{9D8B030D-6E8A-4147-A177-3AD203B41FA5}">
-                      <a16:colId xmlns:a16="http://schemas.microsoft.com/office/drawing/2014/main" xmlns="" val="674584734"/>
+                      <a16:colId xmlns:a16="http://schemas.microsoft.com/office/drawing/2014/main" val="674584734"/>
                     </a:ext>
                   </a:extLst>
                 </a:gridCol>
                 <a:gridCol w="4151085">
                   <a:extLst>
                     <a:ext uri="{9D8B030D-6E8A-4147-A177-3AD203B41FA5}">
-                      <a16:colId xmlns:a16="http://schemas.microsoft.com/office/drawing/2014/main" xmlns="" val="2074233569"/>
+                      <a16:colId xmlns:a16="http://schemas.microsoft.com/office/drawing/2014/main" val="2074233569"/>
                     </a:ext>
                   </a:extLst>
                 </a:gridCol>
@@ -11944,7 +11698,7 @@
                 </a:tc>
                 <a:extLst>
                   <a:ext uri="{0D108BD9-81ED-4DB2-BD59-A6C34878D82A}">
-                    <a16:rowId xmlns:a16="http://schemas.microsoft.com/office/drawing/2014/main" xmlns="" val="359061708"/>
+                    <a16:rowId xmlns:a16="http://schemas.microsoft.com/office/drawing/2014/main" val="359061708"/>
                   </a:ext>
                 </a:extLst>
               </a:tr>
@@ -12007,7 +11761,7 @@
                 </a:tc>
                 <a:extLst>
                   <a:ext uri="{0D108BD9-81ED-4DB2-BD59-A6C34878D82A}">
-                    <a16:rowId xmlns:a16="http://schemas.microsoft.com/office/drawing/2014/main" xmlns="" val="2152449656"/>
+                    <a16:rowId xmlns:a16="http://schemas.microsoft.com/office/drawing/2014/main" val="2152449656"/>
                   </a:ext>
                 </a:extLst>
               </a:tr>
@@ -12070,7 +11824,7 @@
                 </a:tc>
                 <a:extLst>
                   <a:ext uri="{0D108BD9-81ED-4DB2-BD59-A6C34878D82A}">
-                    <a16:rowId xmlns:a16="http://schemas.microsoft.com/office/drawing/2014/main" xmlns="" val="1860423358"/>
+                    <a16:rowId xmlns:a16="http://schemas.microsoft.com/office/drawing/2014/main" val="1860423358"/>
                   </a:ext>
                 </a:extLst>
               </a:tr>
@@ -12133,7 +11887,7 @@
                 </a:tc>
                 <a:extLst>
                   <a:ext uri="{0D108BD9-81ED-4DB2-BD59-A6C34878D82A}">
-                    <a16:rowId xmlns:a16="http://schemas.microsoft.com/office/drawing/2014/main" xmlns="" val="686662235"/>
+                    <a16:rowId xmlns:a16="http://schemas.microsoft.com/office/drawing/2014/main" val="686662235"/>
                   </a:ext>
                 </a:extLst>
               </a:tr>
@@ -12189,7 +11943,7 @@
                 </a:tc>
                 <a:extLst>
                   <a:ext uri="{0D108BD9-81ED-4DB2-BD59-A6C34878D82A}">
-                    <a16:rowId xmlns:a16="http://schemas.microsoft.com/office/drawing/2014/main" xmlns="" val="2723784576"/>
+                    <a16:rowId xmlns:a16="http://schemas.microsoft.com/office/drawing/2014/main" val="2723784576"/>
                   </a:ext>
                 </a:extLst>
               </a:tr>
@@ -12245,7 +11999,7 @@
                 </a:tc>
                 <a:extLst>
                   <a:ext uri="{0D108BD9-81ED-4DB2-BD59-A6C34878D82A}">
-                    <a16:rowId xmlns:a16="http://schemas.microsoft.com/office/drawing/2014/main" xmlns="" val="2943680178"/>
+                    <a16:rowId xmlns:a16="http://schemas.microsoft.com/office/drawing/2014/main" val="2943680178"/>
                   </a:ext>
                 </a:extLst>
               </a:tr>
@@ -12301,7 +12055,7 @@
                 </a:tc>
                 <a:extLst>
                   <a:ext uri="{0D108BD9-81ED-4DB2-BD59-A6C34878D82A}">
-                    <a16:rowId xmlns:a16="http://schemas.microsoft.com/office/drawing/2014/main" xmlns="" val="460836306"/>
+                    <a16:rowId xmlns:a16="http://schemas.microsoft.com/office/drawing/2014/main" val="460836306"/>
                   </a:ext>
                 </a:extLst>
               </a:tr>
@@ -12353,7 +12107,7 @@
                 </a:tc>
                 <a:extLst>
                   <a:ext uri="{0D108BD9-81ED-4DB2-BD59-A6C34878D82A}">
-                    <a16:rowId xmlns:a16="http://schemas.microsoft.com/office/drawing/2014/main" xmlns="" val="2088053448"/>
+                    <a16:rowId xmlns:a16="http://schemas.microsoft.com/office/drawing/2014/main" val="2088053448"/>
                   </a:ext>
                 </a:extLst>
               </a:tr>
@@ -12405,7 +12159,7 @@
                 </a:tc>
                 <a:extLst>
                   <a:ext uri="{0D108BD9-81ED-4DB2-BD59-A6C34878D82A}">
-                    <a16:rowId xmlns:a16="http://schemas.microsoft.com/office/drawing/2014/main" xmlns="" val="4163736797"/>
+                    <a16:rowId xmlns:a16="http://schemas.microsoft.com/office/drawing/2014/main" val="4163736797"/>
                   </a:ext>
                 </a:extLst>
               </a:tr>
@@ -12774,7 +12528,7 @@
   <a:extraClrSchemeLst/>
   <a:extLst>
     <a:ext uri="{05A4C25C-085E-4340-85A3-A5531E510DB2}">
-      <thm15:themeFamily xmlns:thm15="http://schemas.microsoft.com/office/thememl/2012/main" xmlns="" name="Facet" id="{C0C680CD-088A-49FC-A102-D699147F32B2}" vid="{0B5AB586-D108-4FC1-8368-649FE654B894}"/>
+      <thm15:themeFamily xmlns:thm15="http://schemas.microsoft.com/office/thememl/2012/main" name="Facet" id="{C0C680CD-088A-49FC-A102-D699147F32B2}" vid="{0B5AB586-D108-4FC1-8368-649FE654B894}"/>
     </a:ext>
   </a:extLst>
 </a:theme>

--- a/Docs/Presentazione.PPTX
+++ b/Docs/Presentazione.PPTX
@@ -896,7 +896,7 @@
           <a:p>
             <a:fld id="{3F960570-40D4-4251-9C9D-483363F27B24}" type="datetimeFigureOut">
               <a:rPr lang="it-IT" smtClean="0"/>
-              <a:t>11/05/2020</a:t>
+              <a:t>12/05/2020</a:t>
             </a:fld>
             <a:endParaRPr lang="it-IT"/>
           </a:p>
@@ -1147,7 +1147,7 @@
           <a:p>
             <a:fld id="{3F960570-40D4-4251-9C9D-483363F27B24}" type="datetimeFigureOut">
               <a:rPr lang="it-IT" smtClean="0"/>
-              <a:t>11/05/2020</a:t>
+              <a:t>12/05/2020</a:t>
             </a:fld>
             <a:endParaRPr lang="it-IT"/>
           </a:p>
@@ -1461,7 +1461,7 @@
           <a:p>
             <a:fld id="{3F960570-40D4-4251-9C9D-483363F27B24}" type="datetimeFigureOut">
               <a:rPr lang="it-IT" smtClean="0"/>
-              <a:t>11/05/2020</a:t>
+              <a:t>12/05/2020</a:t>
             </a:fld>
             <a:endParaRPr lang="it-IT"/>
           </a:p>
@@ -1794,7 +1794,7 @@
           <a:p>
             <a:fld id="{3F960570-40D4-4251-9C9D-483363F27B24}" type="datetimeFigureOut">
               <a:rPr lang="it-IT" smtClean="0"/>
-              <a:t>11/05/2020</a:t>
+              <a:t>12/05/2020</a:t>
             </a:fld>
             <a:endParaRPr lang="it-IT"/>
           </a:p>
@@ -2108,7 +2108,7 @@
           <a:p>
             <a:fld id="{3F960570-40D4-4251-9C9D-483363F27B24}" type="datetimeFigureOut">
               <a:rPr lang="it-IT" smtClean="0"/>
-              <a:t>11/05/2020</a:t>
+              <a:t>12/05/2020</a:t>
             </a:fld>
             <a:endParaRPr lang="it-IT"/>
           </a:p>
@@ -2501,7 +2501,7 @@
           <a:p>
             <a:fld id="{3F960570-40D4-4251-9C9D-483363F27B24}" type="datetimeFigureOut">
               <a:rPr lang="it-IT" smtClean="0"/>
-              <a:t>11/05/2020</a:t>
+              <a:t>12/05/2020</a:t>
             </a:fld>
             <a:endParaRPr lang="it-IT"/>
           </a:p>
@@ -2671,7 +2671,7 @@
           <a:p>
             <a:fld id="{3F960570-40D4-4251-9C9D-483363F27B24}" type="datetimeFigureOut">
               <a:rPr lang="it-IT" smtClean="0"/>
-              <a:t>11/05/2020</a:t>
+              <a:t>12/05/2020</a:t>
             </a:fld>
             <a:endParaRPr lang="it-IT"/>
           </a:p>
@@ -2851,7 +2851,7 @@
           <a:p>
             <a:fld id="{3F960570-40D4-4251-9C9D-483363F27B24}" type="datetimeFigureOut">
               <a:rPr lang="it-IT" smtClean="0"/>
-              <a:t>11/05/2020</a:t>
+              <a:t>12/05/2020</a:t>
             </a:fld>
             <a:endParaRPr lang="it-IT"/>
           </a:p>
@@ -3021,7 +3021,7 @@
           <a:p>
             <a:fld id="{3F960570-40D4-4251-9C9D-483363F27B24}" type="datetimeFigureOut">
               <a:rPr lang="it-IT" smtClean="0"/>
-              <a:t>11/05/2020</a:t>
+              <a:t>12/05/2020</a:t>
             </a:fld>
             <a:endParaRPr lang="it-IT"/>
           </a:p>
@@ -3268,7 +3268,7 @@
           <a:p>
             <a:fld id="{3F960570-40D4-4251-9C9D-483363F27B24}" type="datetimeFigureOut">
               <a:rPr lang="it-IT" smtClean="0"/>
-              <a:t>11/05/2020</a:t>
+              <a:t>12/05/2020</a:t>
             </a:fld>
             <a:endParaRPr lang="it-IT"/>
           </a:p>
@@ -3500,7 +3500,7 @@
           <a:p>
             <a:fld id="{3F960570-40D4-4251-9C9D-483363F27B24}" type="datetimeFigureOut">
               <a:rPr lang="it-IT" smtClean="0"/>
-              <a:t>11/05/2020</a:t>
+              <a:t>12/05/2020</a:t>
             </a:fld>
             <a:endParaRPr lang="it-IT"/>
           </a:p>
@@ -3874,7 +3874,7 @@
           <a:p>
             <a:fld id="{3F960570-40D4-4251-9C9D-483363F27B24}" type="datetimeFigureOut">
               <a:rPr lang="it-IT" smtClean="0"/>
-              <a:t>11/05/2020</a:t>
+              <a:t>12/05/2020</a:t>
             </a:fld>
             <a:endParaRPr lang="it-IT"/>
           </a:p>
@@ -3997,7 +3997,7 @@
           <a:p>
             <a:fld id="{3F960570-40D4-4251-9C9D-483363F27B24}" type="datetimeFigureOut">
               <a:rPr lang="it-IT" smtClean="0"/>
-              <a:t>11/05/2020</a:t>
+              <a:t>12/05/2020</a:t>
             </a:fld>
             <a:endParaRPr lang="it-IT"/>
           </a:p>
@@ -4092,7 +4092,7 @@
           <a:p>
             <a:fld id="{3F960570-40D4-4251-9C9D-483363F27B24}" type="datetimeFigureOut">
               <a:rPr lang="it-IT" smtClean="0"/>
-              <a:t>11/05/2020</a:t>
+              <a:t>12/05/2020</a:t>
             </a:fld>
             <a:endParaRPr lang="it-IT"/>
           </a:p>
@@ -4347,7 +4347,7 @@
           <a:p>
             <a:fld id="{3F960570-40D4-4251-9C9D-483363F27B24}" type="datetimeFigureOut">
               <a:rPr lang="it-IT" smtClean="0"/>
-              <a:t>11/05/2020</a:t>
+              <a:t>12/05/2020</a:t>
             </a:fld>
             <a:endParaRPr lang="it-IT"/>
           </a:p>
@@ -4652,7 +4652,7 @@
           <a:p>
             <a:fld id="{3F960570-40D4-4251-9C9D-483363F27B24}" type="datetimeFigureOut">
               <a:rPr lang="it-IT" smtClean="0"/>
-              <a:t>11/05/2020</a:t>
+              <a:t>12/05/2020</a:t>
             </a:fld>
             <a:endParaRPr lang="it-IT"/>
           </a:p>
@@ -5354,7 +5354,7 @@
           <a:p>
             <a:fld id="{3F960570-40D4-4251-9C9D-483363F27B24}" type="datetimeFigureOut">
               <a:rPr lang="it-IT" smtClean="0"/>
-              <a:t>11/05/2020</a:t>
+              <a:t>12/05/2020</a:t>
             </a:fld>
             <a:endParaRPr lang="it-IT"/>
           </a:p>
@@ -10280,7 +10280,7 @@
         </p:nvSpPr>
         <p:spPr>
           <a:xfrm>
-            <a:off x="-2" y="1716576"/>
+            <a:off x="0" y="1026849"/>
             <a:ext cx="3932809" cy="1320800"/>
           </a:xfrm>
         </p:spPr>
@@ -10344,8 +10344,8 @@
         </p:nvSpPr>
         <p:spPr>
           <a:xfrm>
-            <a:off x="396909" y="3622545"/>
-            <a:ext cx="3402072" cy="1200329"/>
+            <a:off x="396909" y="2814715"/>
+            <a:ext cx="3402072" cy="2585323"/>
           </a:xfrm>
           <a:prstGeom prst="rect">
             <a:avLst/>
@@ -10360,7 +10360,25 @@
           <a:p>
             <a:r>
               <a:rPr lang="it-IT" dirty="0" smtClean="0"/>
-              <a:t>La comunicazione tra i due host è gestista mediante richieste HTTP POST con formato di scambio dati JSON. 	</a:t>
+              <a:t>La comunicazione tra i due host è gestista mediante richieste HTTP POST con formato di scambio dati JSON</a:t>
+            </a:r>
+            <a:r>
+              <a:rPr lang="it-IT" dirty="0" smtClean="0"/>
+              <a:t>.</a:t>
+            </a:r>
+          </a:p>
+          <a:p>
+            <a:r>
+              <a:rPr lang="it-IT" dirty="0" smtClean="0"/>
+              <a:t>All’interno di ogni host la comunicazione tra le varie componenti di sistema avviene in modo diretto ossia localhost</a:t>
+            </a:r>
+            <a:r>
+              <a:rPr lang="it-IT" dirty="0" smtClean="0"/>
+              <a:t> </a:t>
+            </a:r>
+            <a:r>
+              <a:rPr lang="it-IT" dirty="0" smtClean="0"/>
+              <a:t>	</a:t>
             </a:r>
             <a:endParaRPr lang="it-IT" dirty="0"/>
           </a:p>

--- a/Docs/Presentazione.PPTX
+++ b/Docs/Presentazione.PPTX
@@ -134,7 +134,7 @@
   </p:defaultTextStyle>
   <p:extLst>
     <p:ext uri="{EFAFB233-063F-42B5-8137-9DF3F51BA10A}">
-      <p15:sldGuideLst xmlns:p15="http://schemas.microsoft.com/office/powerpoint/2012/main" xmlns=""/>
+      <p15:sldGuideLst xmlns="" xmlns:p15="http://schemas.microsoft.com/office/powerpoint/2012/main"/>
     </p:ext>
   </p:extLst>
 </p:presentation>
@@ -885,7 +885,7 @@
           <a:p>
             <a:fld id="{3F960570-40D4-4251-9C9D-483363F27B24}" type="datetimeFigureOut">
               <a:rPr lang="it-IT" smtClean="0"/>
-              <a:t>10/05/2020</a:t>
+              <a:t>17/05/2020</a:t>
             </a:fld>
             <a:endParaRPr lang="it-IT"/>
           </a:p>
@@ -1136,7 +1136,7 @@
           <a:p>
             <a:fld id="{3F960570-40D4-4251-9C9D-483363F27B24}" type="datetimeFigureOut">
               <a:rPr lang="it-IT" smtClean="0"/>
-              <a:t>10/05/2020</a:t>
+              <a:t>17/05/2020</a:t>
             </a:fld>
             <a:endParaRPr lang="it-IT"/>
           </a:p>
@@ -1450,7 +1450,7 @@
           <a:p>
             <a:fld id="{3F960570-40D4-4251-9C9D-483363F27B24}" type="datetimeFigureOut">
               <a:rPr lang="it-IT" smtClean="0"/>
-              <a:t>10/05/2020</a:t>
+              <a:t>17/05/2020</a:t>
             </a:fld>
             <a:endParaRPr lang="it-IT"/>
           </a:p>
@@ -1783,7 +1783,7 @@
           <a:p>
             <a:fld id="{3F960570-40D4-4251-9C9D-483363F27B24}" type="datetimeFigureOut">
               <a:rPr lang="it-IT" smtClean="0"/>
-              <a:t>10/05/2020</a:t>
+              <a:t>17/05/2020</a:t>
             </a:fld>
             <a:endParaRPr lang="it-IT"/>
           </a:p>
@@ -2097,7 +2097,7 @@
           <a:p>
             <a:fld id="{3F960570-40D4-4251-9C9D-483363F27B24}" type="datetimeFigureOut">
               <a:rPr lang="it-IT" smtClean="0"/>
-              <a:t>10/05/2020</a:t>
+              <a:t>17/05/2020</a:t>
             </a:fld>
             <a:endParaRPr lang="it-IT"/>
           </a:p>
@@ -2490,7 +2490,7 @@
           <a:p>
             <a:fld id="{3F960570-40D4-4251-9C9D-483363F27B24}" type="datetimeFigureOut">
               <a:rPr lang="it-IT" smtClean="0"/>
-              <a:t>10/05/2020</a:t>
+              <a:t>17/05/2020</a:t>
             </a:fld>
             <a:endParaRPr lang="it-IT"/>
           </a:p>
@@ -2660,7 +2660,7 @@
           <a:p>
             <a:fld id="{3F960570-40D4-4251-9C9D-483363F27B24}" type="datetimeFigureOut">
               <a:rPr lang="it-IT" smtClean="0"/>
-              <a:t>10/05/2020</a:t>
+              <a:t>17/05/2020</a:t>
             </a:fld>
             <a:endParaRPr lang="it-IT"/>
           </a:p>
@@ -2840,7 +2840,7 @@
           <a:p>
             <a:fld id="{3F960570-40D4-4251-9C9D-483363F27B24}" type="datetimeFigureOut">
               <a:rPr lang="it-IT" smtClean="0"/>
-              <a:t>10/05/2020</a:t>
+              <a:t>17/05/2020</a:t>
             </a:fld>
             <a:endParaRPr lang="it-IT"/>
           </a:p>
@@ -3010,7 +3010,7 @@
           <a:p>
             <a:fld id="{3F960570-40D4-4251-9C9D-483363F27B24}" type="datetimeFigureOut">
               <a:rPr lang="it-IT" smtClean="0"/>
-              <a:t>10/05/2020</a:t>
+              <a:t>17/05/2020</a:t>
             </a:fld>
             <a:endParaRPr lang="it-IT"/>
           </a:p>
@@ -3257,7 +3257,7 @@
           <a:p>
             <a:fld id="{3F960570-40D4-4251-9C9D-483363F27B24}" type="datetimeFigureOut">
               <a:rPr lang="it-IT" smtClean="0"/>
-              <a:t>10/05/2020</a:t>
+              <a:t>17/05/2020</a:t>
             </a:fld>
             <a:endParaRPr lang="it-IT"/>
           </a:p>
@@ -3489,7 +3489,7 @@
           <a:p>
             <a:fld id="{3F960570-40D4-4251-9C9D-483363F27B24}" type="datetimeFigureOut">
               <a:rPr lang="it-IT" smtClean="0"/>
-              <a:t>10/05/2020</a:t>
+              <a:t>17/05/2020</a:t>
             </a:fld>
             <a:endParaRPr lang="it-IT"/>
           </a:p>
@@ -3863,7 +3863,7 @@
           <a:p>
             <a:fld id="{3F960570-40D4-4251-9C9D-483363F27B24}" type="datetimeFigureOut">
               <a:rPr lang="it-IT" smtClean="0"/>
-              <a:t>10/05/2020</a:t>
+              <a:t>17/05/2020</a:t>
             </a:fld>
             <a:endParaRPr lang="it-IT"/>
           </a:p>
@@ -3986,7 +3986,7 @@
           <a:p>
             <a:fld id="{3F960570-40D4-4251-9C9D-483363F27B24}" type="datetimeFigureOut">
               <a:rPr lang="it-IT" smtClean="0"/>
-              <a:t>10/05/2020</a:t>
+              <a:t>17/05/2020</a:t>
             </a:fld>
             <a:endParaRPr lang="it-IT"/>
           </a:p>
@@ -4081,7 +4081,7 @@
           <a:p>
             <a:fld id="{3F960570-40D4-4251-9C9D-483363F27B24}" type="datetimeFigureOut">
               <a:rPr lang="it-IT" smtClean="0"/>
-              <a:t>10/05/2020</a:t>
+              <a:t>17/05/2020</a:t>
             </a:fld>
             <a:endParaRPr lang="it-IT"/>
           </a:p>
@@ -4336,7 +4336,7 @@
           <a:p>
             <a:fld id="{3F960570-40D4-4251-9C9D-483363F27B24}" type="datetimeFigureOut">
               <a:rPr lang="it-IT" smtClean="0"/>
-              <a:t>10/05/2020</a:t>
+              <a:t>17/05/2020</a:t>
             </a:fld>
             <a:endParaRPr lang="it-IT"/>
           </a:p>
@@ -4641,7 +4641,7 @@
           <a:p>
             <a:fld id="{3F960570-40D4-4251-9C9D-483363F27B24}" type="datetimeFigureOut">
               <a:rPr lang="it-IT" smtClean="0"/>
-              <a:t>10/05/2020</a:t>
+              <a:t>17/05/2020</a:t>
             </a:fld>
             <a:endParaRPr lang="it-IT"/>
           </a:p>
@@ -5343,7 +5343,7 @@
           <a:p>
             <a:fld id="{3F960570-40D4-4251-9C9D-483363F27B24}" type="datetimeFigureOut">
               <a:rPr lang="it-IT" smtClean="0"/>
-              <a:t>10/05/2020</a:t>
+              <a:t>17/05/2020</a:t>
             </a:fld>
             <a:endParaRPr lang="it-IT"/>
           </a:p>
@@ -6012,27 +6012,7 @@
                 <a:latin typeface="Palatino Linotype"/>
                 <a:cs typeface="Arial" charset="0"/>
               </a:rPr>
-              <a:t> </a:t>
-            </a:r>
-            <a:r>
-              <a:rPr lang="it-IT" altLang="it-IT" sz="1600" b="1" dirty="0" smtClean="0">
-                <a:solidFill>
-                  <a:prstClr val="black"/>
-                </a:solidFill>
-                <a:latin typeface="Palatino Linotype"/>
-                <a:cs typeface="Arial" charset="0"/>
-              </a:rPr>
-              <a:t>Angelo </a:t>
-            </a:r>
-            <a:r>
-              <a:rPr lang="it-IT" altLang="it-IT" sz="1600" b="1" dirty="0" smtClean="0">
-                <a:solidFill>
-                  <a:prstClr val="black"/>
-                </a:solidFill>
-                <a:latin typeface="Palatino Linotype"/>
-                <a:cs typeface="Arial" charset="0"/>
-              </a:rPr>
-              <a:t>Pio</a:t>
+              <a:t> Angelo Pio</a:t>
             </a:r>
             <a:r>
               <a:rPr lang="it-IT" altLang="it-IT" sz="1600" dirty="0">
@@ -9548,7 +9528,17 @@
                 <a:ea typeface="+mj-ea"/>
                 <a:cs typeface="+mj-cs"/>
               </a:rPr>
-              <a:t>FREQUENZA DEI TERMINI CONTEGGIATI </a:t>
+              <a:t>FREQUENZA </a:t>
+            </a:r>
+            <a:r>
+              <a:rPr lang="it-IT" sz="4000" dirty="0" smtClean="0">
+                <a:solidFill>
+                  <a:srgbClr val="5FCBEF"/>
+                </a:solidFill>
+                <a:ea typeface="+mj-ea"/>
+                <a:cs typeface="+mj-cs"/>
+              </a:rPr>
+              <a:t>DEI TERMINI CONTEGGIATI </a:t>
             </a:r>
             <a:endParaRPr lang="it-IT" dirty="0"/>
           </a:p>
@@ -9730,13 +9720,42 @@
           <a:p>
             <a:r>
               <a:rPr lang="it-IT" dirty="0" smtClean="0"/>
-              <a:t>Il primo gruppo di colonne indica il rapporto tra tutte le parole conteggiate appartenenti a ciascuna risorsa con il totale delle parole conteggiate. Il secondo gruppo indica il rapporto tra le parole delle risorse conteggiate con il totale delle parole delle risorse.</a:t>
-            </a:r>
-          </a:p>
-          <a:p>
+              <a:t>Il primo gruppo di colonne indica </a:t>
+            </a:r>
             <a:r>
               <a:rPr lang="it-IT" dirty="0" smtClean="0"/>
-              <a:t>L’ultima colonna indica le nuove parole trovate non appartenenti a ciascuna risorsa.</a:t>
+              <a:t>quante delle parole conteggiate nei </a:t>
+            </a:r>
+            <a:r>
+              <a:rPr lang="it-IT" dirty="0" err="1" smtClean="0"/>
+              <a:t>tweet</a:t>
+            </a:r>
+            <a:r>
+              <a:rPr lang="it-IT" dirty="0" smtClean="0"/>
+              <a:t> sono presenti anche nelle risorse. </a:t>
+            </a:r>
+            <a:r>
+              <a:rPr lang="it-IT" dirty="0" smtClean="0"/>
+              <a:t>Il secondo gruppo </a:t>
+            </a:r>
+            <a:r>
+              <a:rPr lang="it-IT" dirty="0" smtClean="0"/>
+              <a:t>indica quante parole delle risorse sono state trovate anche nei nostri conteggi.</a:t>
+            </a:r>
+            <a:endParaRPr lang="it-IT" dirty="0" smtClean="0"/>
+          </a:p>
+          <a:p>
+            <a:r>
+              <a:rPr lang="it-IT" dirty="0" smtClean="0"/>
+              <a:t>L’ultima colonna indica le nuove parole trovate non appartenenti a </a:t>
+            </a:r>
+            <a:r>
+              <a:rPr lang="it-IT" dirty="0" smtClean="0"/>
+              <a:t>nessuna </a:t>
+            </a:r>
+            <a:r>
+              <a:rPr lang="it-IT" dirty="0" smtClean="0"/>
+              <a:t>risorsa.</a:t>
             </a:r>
             <a:endParaRPr lang="it-IT" dirty="0"/>
           </a:p>
@@ -9876,24 +9895,44 @@
               <a:rPr lang="it-IT" dirty="0"/>
             </a:br>
             <a:r>
+              <a:rPr lang="it-IT" dirty="0" smtClean="0"/>
+              <a:t>Inoltre </a:t>
+            </a:r>
+            <a:r>
               <a:rPr lang="it-IT" dirty="0"/>
-              <a:t>Da notare che la fase di inizializzazione per il </a:t>
+              <a:t>la fase di inizializzazione per il </a:t>
             </a:r>
             <a:r>
               <a:rPr lang="it-IT" dirty="0" smtClean="0"/>
-              <a:t>cluster in </a:t>
-            </a:r>
-            <a:r>
-              <a:rPr lang="it-IT" dirty="0" err="1" smtClean="0"/>
-              <a:t>mongodb</a:t>
+              <a:t>cluster </a:t>
+            </a:r>
+            <a:r>
+              <a:rPr lang="it-IT" dirty="0" smtClean="0"/>
+              <a:t>in</a:t>
             </a:r>
             <a:r>
               <a:rPr lang="it-IT" dirty="0" smtClean="0"/>
               <a:t> </a:t>
             </a:r>
             <a:r>
+              <a:rPr lang="it-IT" dirty="0" err="1" smtClean="0"/>
+              <a:t>MongoDB</a:t>
+            </a:r>
+            <a:r>
+              <a:rPr lang="it-IT" dirty="0" smtClean="0"/>
+              <a:t> </a:t>
+            </a:r>
+            <a:r>
               <a:rPr lang="it-IT" dirty="0"/>
-              <a:t>è risultata 4 volte più lenta, a causa </a:t>
+              <a:t>è risultata 4 volte più </a:t>
+            </a:r>
+            <a:r>
+              <a:rPr lang="it-IT" dirty="0" smtClean="0"/>
+              <a:t>lenta, </a:t>
+            </a:r>
+            <a:r>
+              <a:rPr lang="it-IT" dirty="0"/>
+              <a:t>a causa </a:t>
             </a:r>
             <a:r>
               <a:rPr lang="it-IT" dirty="0" smtClean="0"/>
@@ -10196,7 +10235,7 @@
             </a:r>
             <a:r>
               <a:rPr lang="it-IT" sz="1400" dirty="0" smtClean="0"/>
-              <a:t> </a:t>
+              <a:t> al </a:t>
             </a:r>
             <a:r>
               <a:rPr lang="it-IT" sz="1400" dirty="0"/>
@@ -10260,7 +10299,11 @@
             <a:pPr algn="ctr"/>
             <a:r>
               <a:rPr lang="it-IT" b="1" dirty="0" smtClean="0"/>
-              <a:t>COMPARAZIONE SOLUZIONI</a:t>
+              <a:t>COMPARAZIONE </a:t>
+            </a:r>
+            <a:r>
+              <a:rPr lang="it-IT" b="1" dirty="0" smtClean="0"/>
+              <a:t>PRESTAZIONI</a:t>
             </a:r>
             <a:endParaRPr lang="it-IT" sz="4800" dirty="0"/>
           </a:p>
@@ -10466,10 +10509,6 @@
               <a:rPr lang="it-IT" dirty="0" smtClean="0"/>
               <a:t>Architettura</a:t>
             </a:r>
-            <a:r>
-              <a:rPr lang="it-IT" dirty="0" smtClean="0"/>
-              <a:t/>
-            </a:r>
             <a:br>
               <a:rPr lang="it-IT" dirty="0" smtClean="0"/>
             </a:br>
@@ -10671,7 +10710,7 @@
           <p:cNvPr id="5" name="Titolo 1">
             <a:extLst>
               <a:ext uri="{FF2B5EF4-FFF2-40B4-BE49-F238E27FC236}">
-                <a16:creationId xmlns:a16="http://schemas.microsoft.com/office/drawing/2014/main" xmlns="" id="{7B0C3D97-6237-4821-A89A-70162D11EE48}"/>
+                <a16:creationId xmlns="" xmlns:a16="http://schemas.microsoft.com/office/drawing/2014/main" id="{7B0C3D97-6237-4821-A89A-70162D11EE48}"/>
               </a:ext>
             </a:extLst>
           </p:cNvPr>
@@ -10794,7 +10833,7 @@
           <p:cNvPr id="6" name="Segnaposto contenuto 2">
             <a:extLst>
               <a:ext uri="{FF2B5EF4-FFF2-40B4-BE49-F238E27FC236}">
-                <a16:creationId xmlns:a16="http://schemas.microsoft.com/office/drawing/2014/main" xmlns="" id="{058AAC17-44C7-46C9-846C-ACC9953C05A1}"/>
+                <a16:creationId xmlns="" xmlns:a16="http://schemas.microsoft.com/office/drawing/2014/main" id="{058AAC17-44C7-46C9-846C-ACC9953C05A1}"/>
               </a:ext>
             </a:extLst>
           </p:cNvPr>
@@ -11146,7 +11185,25 @@
                 </a:solidFill>
                 <a:cs typeface="Times New Roman" panose="02020603050405020304" pitchFamily="18" charset="0"/>
               </a:rPr>
-              <a:t> con relative frequenze</a:t>
+              <a:t> con </a:t>
+            </a:r>
+            <a:r>
+              <a:rPr lang="it-IT" sz="1900" dirty="0" smtClean="0">
+                <a:solidFill>
+                  <a:prstClr val="black"/>
+                </a:solidFill>
+                <a:cs typeface="Times New Roman" panose="02020603050405020304" pitchFamily="18" charset="0"/>
+              </a:rPr>
+              <a:t>le relative </a:t>
+            </a:r>
+            <a:r>
+              <a:rPr lang="it-IT" sz="1900" dirty="0" smtClean="0">
+                <a:solidFill>
+                  <a:prstClr val="black"/>
+                </a:solidFill>
+                <a:cs typeface="Times New Roman" panose="02020603050405020304" pitchFamily="18" charset="0"/>
+              </a:rPr>
+              <a:t>frequenze</a:t>
             </a:r>
             <a:endParaRPr lang="it-IT" sz="1900" dirty="0">
               <a:solidFill>
@@ -11162,7 +11219,7 @@
           <p:cNvPr id="7" name="Segnaposto contenuto 3">
             <a:extLst>
               <a:ext uri="{FF2B5EF4-FFF2-40B4-BE49-F238E27FC236}">
-                <a16:creationId xmlns:a16="http://schemas.microsoft.com/office/drawing/2014/main" xmlns="" id="{68B22042-CC38-489D-A7E5-BCC033D653FC}"/>
+                <a16:creationId xmlns="" xmlns:a16="http://schemas.microsoft.com/office/drawing/2014/main" id="{68B22042-CC38-489D-A7E5-BCC033D653FC}"/>
               </a:ext>
             </a:extLst>
           </p:cNvPr>
@@ -11552,13 +11609,22 @@
               <a:t> </a:t>
             </a:r>
             <a:r>
-              <a:rPr lang="it-IT" sz="1900" dirty="0">
+              <a:rPr lang="it-IT" sz="1900" dirty="0" smtClean="0">
                 <a:solidFill>
                   <a:prstClr val="black"/>
                 </a:solidFill>
                 <a:cs typeface="Times New Roman" panose="02020603050405020304" pitchFamily="18" charset="0"/>
               </a:rPr>
-              <a:t>con relative frequenze</a:t>
+              <a:t>con le </a:t>
+            </a:r>
+            <a:r>
+              <a:rPr lang="it-IT" sz="1900" dirty="0">
+                <a:solidFill>
+                  <a:prstClr val="black"/>
+                </a:solidFill>
+                <a:cs typeface="Times New Roman" panose="02020603050405020304" pitchFamily="18" charset="0"/>
+              </a:rPr>
+              <a:t>relative frequenze</a:t>
             </a:r>
           </a:p>
           <a:p>
@@ -11575,7 +11641,7 @@
           <p:cNvPr id="9" name="Segnaposto contenuto 2">
             <a:extLst>
               <a:ext uri="{FF2B5EF4-FFF2-40B4-BE49-F238E27FC236}">
-                <a16:creationId xmlns:a16="http://schemas.microsoft.com/office/drawing/2014/main" xmlns="" id="{058AAC17-44C7-46C9-846C-ACC9953C05A1}"/>
+                <a16:creationId xmlns="" xmlns:a16="http://schemas.microsoft.com/office/drawing/2014/main" id="{058AAC17-44C7-46C9-846C-ACC9953C05A1}"/>
               </a:ext>
             </a:extLst>
           </p:cNvPr>
@@ -11776,7 +11842,11 @@
             <a:pPr algn="ctr"/>
             <a:r>
               <a:rPr lang="it-IT" dirty="0" smtClean="0"/>
-              <a:t>Schema delle librerie utilizzate</a:t>
+              <a:t>Schema delle </a:t>
+            </a:r>
+            <a:r>
+              <a:rPr lang="it-IT" dirty="0" smtClean="0"/>
+              <a:t>classi implementate</a:t>
             </a:r>
             <a:endParaRPr lang="it-IT" dirty="0"/>
           </a:p>
@@ -11858,7 +11928,7 @@
           <p:nvPr>
             <p:extLst>
               <p:ext uri="{D42A27DB-BD31-4B8C-83A1-F6EECF244321}">
-                <p14:modId xmlns:p14="http://schemas.microsoft.com/office/powerpoint/2010/main" val="2179185739"/>
+                <p14:modId xmlns:p14="http://schemas.microsoft.com/office/powerpoint/2010/main" val="302924861"/>
               </p:ext>
             </p:extLst>
           </p:nvPr>
@@ -11877,21 +11947,21 @@
                 <a:gridCol w="2230361">
                   <a:extLst>
                     <a:ext uri="{9D8B030D-6E8A-4147-A177-3AD203B41FA5}">
-                      <a16:colId xmlns:a16="http://schemas.microsoft.com/office/drawing/2014/main" xmlns="" val="2877867300"/>
+                      <a16:colId xmlns="" xmlns:a16="http://schemas.microsoft.com/office/drawing/2014/main" val="2877867300"/>
                     </a:ext>
                   </a:extLst>
                 </a:gridCol>
                 <a:gridCol w="2946400">
                   <a:extLst>
                     <a:ext uri="{9D8B030D-6E8A-4147-A177-3AD203B41FA5}">
-                      <a16:colId xmlns:a16="http://schemas.microsoft.com/office/drawing/2014/main" xmlns="" val="674584734"/>
+                      <a16:colId xmlns="" xmlns:a16="http://schemas.microsoft.com/office/drawing/2014/main" val="674584734"/>
                     </a:ext>
                   </a:extLst>
                 </a:gridCol>
                 <a:gridCol w="4151085">
                   <a:extLst>
                     <a:ext uri="{9D8B030D-6E8A-4147-A177-3AD203B41FA5}">
-                      <a16:colId xmlns:a16="http://schemas.microsoft.com/office/drawing/2014/main" xmlns="" val="2074233569"/>
+                      <a16:colId xmlns="" xmlns:a16="http://schemas.microsoft.com/office/drawing/2014/main" val="2074233569"/>
                     </a:ext>
                   </a:extLst>
                 </a:gridCol>
@@ -11944,7 +12014,7 @@
                 </a:tc>
                 <a:extLst>
                   <a:ext uri="{0D108BD9-81ED-4DB2-BD59-A6C34878D82A}">
-                    <a16:rowId xmlns:a16="http://schemas.microsoft.com/office/drawing/2014/main" xmlns="" val="359061708"/>
+                    <a16:rowId xmlns="" xmlns:a16="http://schemas.microsoft.com/office/drawing/2014/main" val="359061708"/>
                   </a:ext>
                 </a:extLst>
               </a:tr>
@@ -12007,7 +12077,7 @@
                 </a:tc>
                 <a:extLst>
                   <a:ext uri="{0D108BD9-81ED-4DB2-BD59-A6C34878D82A}">
-                    <a16:rowId xmlns:a16="http://schemas.microsoft.com/office/drawing/2014/main" xmlns="" val="2152449656"/>
+                    <a16:rowId xmlns="" xmlns:a16="http://schemas.microsoft.com/office/drawing/2014/main" val="2152449656"/>
                   </a:ext>
                 </a:extLst>
               </a:tr>
@@ -12070,7 +12140,7 @@
                 </a:tc>
                 <a:extLst>
                   <a:ext uri="{0D108BD9-81ED-4DB2-BD59-A6C34878D82A}">
-                    <a16:rowId xmlns:a16="http://schemas.microsoft.com/office/drawing/2014/main" xmlns="" val="1860423358"/>
+                    <a16:rowId xmlns="" xmlns:a16="http://schemas.microsoft.com/office/drawing/2014/main" val="1860423358"/>
                   </a:ext>
                 </a:extLst>
               </a:tr>
@@ -12133,7 +12203,7 @@
                 </a:tc>
                 <a:extLst>
                   <a:ext uri="{0D108BD9-81ED-4DB2-BD59-A6C34878D82A}">
-                    <a16:rowId xmlns:a16="http://schemas.microsoft.com/office/drawing/2014/main" xmlns="" val="686662235"/>
+                    <a16:rowId xmlns="" xmlns:a16="http://schemas.microsoft.com/office/drawing/2014/main" val="686662235"/>
                   </a:ext>
                 </a:extLst>
               </a:tr>
@@ -12189,7 +12259,7 @@
                 </a:tc>
                 <a:extLst>
                   <a:ext uri="{0D108BD9-81ED-4DB2-BD59-A6C34878D82A}">
-                    <a16:rowId xmlns:a16="http://schemas.microsoft.com/office/drawing/2014/main" xmlns="" val="2723784576"/>
+                    <a16:rowId xmlns="" xmlns:a16="http://schemas.microsoft.com/office/drawing/2014/main" val="2723784576"/>
                   </a:ext>
                 </a:extLst>
               </a:tr>
@@ -12245,7 +12315,7 @@
                 </a:tc>
                 <a:extLst>
                   <a:ext uri="{0D108BD9-81ED-4DB2-BD59-A6C34878D82A}">
-                    <a16:rowId xmlns:a16="http://schemas.microsoft.com/office/drawing/2014/main" xmlns="" val="2943680178"/>
+                    <a16:rowId xmlns="" xmlns:a16="http://schemas.microsoft.com/office/drawing/2014/main" val="2943680178"/>
                   </a:ext>
                 </a:extLst>
               </a:tr>
@@ -12276,7 +12346,15 @@
                       </a:r>
                       <a:r>
                         <a:rPr lang="it-IT" baseline="0" dirty="0" smtClean="0"/>
-                        <a:t> distribuita degli shard</a:t>
+                        <a:t> </a:t>
+                      </a:r>
+                      <a:r>
+                        <a:rPr lang="it-IT" baseline="0" dirty="0" smtClean="0"/>
+                        <a:t>concorrente degli </a:t>
+                      </a:r>
+                      <a:r>
+                        <a:rPr lang="it-IT" baseline="0" dirty="0" smtClean="0"/>
+                        <a:t>shard</a:t>
                       </a:r>
                       <a:endParaRPr lang="it-IT" dirty="0"/>
                     </a:p>
@@ -12301,7 +12379,7 @@
                 </a:tc>
                 <a:extLst>
                   <a:ext uri="{0D108BD9-81ED-4DB2-BD59-A6C34878D82A}">
-                    <a16:rowId xmlns:a16="http://schemas.microsoft.com/office/drawing/2014/main" xmlns="" val="460836306"/>
+                    <a16:rowId xmlns="" xmlns:a16="http://schemas.microsoft.com/office/drawing/2014/main" val="460836306"/>
                   </a:ext>
                 </a:extLst>
               </a:tr>
@@ -12353,7 +12431,7 @@
                 </a:tc>
                 <a:extLst>
                   <a:ext uri="{0D108BD9-81ED-4DB2-BD59-A6C34878D82A}">
-                    <a16:rowId xmlns:a16="http://schemas.microsoft.com/office/drawing/2014/main" xmlns="" val="2088053448"/>
+                    <a16:rowId xmlns="" xmlns:a16="http://schemas.microsoft.com/office/drawing/2014/main" val="2088053448"/>
                   </a:ext>
                 </a:extLst>
               </a:tr>
@@ -12405,7 +12483,7 @@
                 </a:tc>
                 <a:extLst>
                   <a:ext uri="{0D108BD9-81ED-4DB2-BD59-A6C34878D82A}">
-                    <a16:rowId xmlns:a16="http://schemas.microsoft.com/office/drawing/2014/main" xmlns="" val="4163736797"/>
+                    <a16:rowId xmlns="" xmlns:a16="http://schemas.microsoft.com/office/drawing/2014/main" val="4163736797"/>
                   </a:ext>
                 </a:extLst>
               </a:tr>
@@ -12774,7 +12852,7 @@
   <a:extraClrSchemeLst/>
   <a:extLst>
     <a:ext uri="{05A4C25C-085E-4340-85A3-A5531E510DB2}">
-      <thm15:themeFamily xmlns:thm15="http://schemas.microsoft.com/office/thememl/2012/main" xmlns="" name="Facet" id="{C0C680CD-088A-49FC-A102-D699147F32B2}" vid="{0B5AB586-D108-4FC1-8368-649FE654B894}"/>
+      <thm15:themeFamily xmlns="" xmlns:thm15="http://schemas.microsoft.com/office/thememl/2012/main" name="Facet" id="{C0C680CD-088A-49FC-A102-D699147F32B2}" vid="{0B5AB586-D108-4FC1-8368-649FE654B894}"/>
     </a:ext>
   </a:extLst>
 </a:theme>

--- a/Docs/Presentazione.PPTX
+++ b/Docs/Presentazione.PPTX
@@ -134,7 +134,7 @@
   </p:defaultTextStyle>
   <p:extLst>
     <p:ext uri="{EFAFB233-063F-42B5-8137-9DF3F51BA10A}">
-      <p15:sldGuideLst xmlns:p15="http://schemas.microsoft.com/office/powerpoint/2012/main">
+      <p15:sldGuideLst xmlns:p15="http://schemas.microsoft.com/office/powerpoint/2012/main" xmlns="">
         <p15:guide id="1" orient="horz" pos="2160">
           <p15:clr>
             <a:srgbClr val="A4A3A4"/>
@@ -896,7 +896,7 @@
           <a:p>
             <a:fld id="{3F960570-40D4-4251-9C9D-483363F27B24}" type="datetimeFigureOut">
               <a:rPr lang="it-IT" smtClean="0"/>
-              <a:t>12/05/2020</a:t>
+              <a:t>17/05/2020</a:t>
             </a:fld>
             <a:endParaRPr lang="it-IT"/>
           </a:p>
@@ -1147,7 +1147,7 @@
           <a:p>
             <a:fld id="{3F960570-40D4-4251-9C9D-483363F27B24}" type="datetimeFigureOut">
               <a:rPr lang="it-IT" smtClean="0"/>
-              <a:t>12/05/2020</a:t>
+              <a:t>17/05/2020</a:t>
             </a:fld>
             <a:endParaRPr lang="it-IT"/>
           </a:p>
@@ -1461,7 +1461,7 @@
           <a:p>
             <a:fld id="{3F960570-40D4-4251-9C9D-483363F27B24}" type="datetimeFigureOut">
               <a:rPr lang="it-IT" smtClean="0"/>
-              <a:t>12/05/2020</a:t>
+              <a:t>17/05/2020</a:t>
             </a:fld>
             <a:endParaRPr lang="it-IT"/>
           </a:p>
@@ -1794,7 +1794,7 @@
           <a:p>
             <a:fld id="{3F960570-40D4-4251-9C9D-483363F27B24}" type="datetimeFigureOut">
               <a:rPr lang="it-IT" smtClean="0"/>
-              <a:t>12/05/2020</a:t>
+              <a:t>17/05/2020</a:t>
             </a:fld>
             <a:endParaRPr lang="it-IT"/>
           </a:p>
@@ -2108,7 +2108,7 @@
           <a:p>
             <a:fld id="{3F960570-40D4-4251-9C9D-483363F27B24}" type="datetimeFigureOut">
               <a:rPr lang="it-IT" smtClean="0"/>
-              <a:t>12/05/2020</a:t>
+              <a:t>17/05/2020</a:t>
             </a:fld>
             <a:endParaRPr lang="it-IT"/>
           </a:p>
@@ -2501,7 +2501,7 @@
           <a:p>
             <a:fld id="{3F960570-40D4-4251-9C9D-483363F27B24}" type="datetimeFigureOut">
               <a:rPr lang="it-IT" smtClean="0"/>
-              <a:t>12/05/2020</a:t>
+              <a:t>17/05/2020</a:t>
             </a:fld>
             <a:endParaRPr lang="it-IT"/>
           </a:p>
@@ -2671,7 +2671,7 @@
           <a:p>
             <a:fld id="{3F960570-40D4-4251-9C9D-483363F27B24}" type="datetimeFigureOut">
               <a:rPr lang="it-IT" smtClean="0"/>
-              <a:t>12/05/2020</a:t>
+              <a:t>17/05/2020</a:t>
             </a:fld>
             <a:endParaRPr lang="it-IT"/>
           </a:p>
@@ -2851,7 +2851,7 @@
           <a:p>
             <a:fld id="{3F960570-40D4-4251-9C9D-483363F27B24}" type="datetimeFigureOut">
               <a:rPr lang="it-IT" smtClean="0"/>
-              <a:t>12/05/2020</a:t>
+              <a:t>17/05/2020</a:t>
             </a:fld>
             <a:endParaRPr lang="it-IT"/>
           </a:p>
@@ -3021,7 +3021,7 @@
           <a:p>
             <a:fld id="{3F960570-40D4-4251-9C9D-483363F27B24}" type="datetimeFigureOut">
               <a:rPr lang="it-IT" smtClean="0"/>
-              <a:t>12/05/2020</a:t>
+              <a:t>17/05/2020</a:t>
             </a:fld>
             <a:endParaRPr lang="it-IT"/>
           </a:p>
@@ -3268,7 +3268,7 @@
           <a:p>
             <a:fld id="{3F960570-40D4-4251-9C9D-483363F27B24}" type="datetimeFigureOut">
               <a:rPr lang="it-IT" smtClean="0"/>
-              <a:t>12/05/2020</a:t>
+              <a:t>17/05/2020</a:t>
             </a:fld>
             <a:endParaRPr lang="it-IT"/>
           </a:p>
@@ -3500,7 +3500,7 @@
           <a:p>
             <a:fld id="{3F960570-40D4-4251-9C9D-483363F27B24}" type="datetimeFigureOut">
               <a:rPr lang="it-IT" smtClean="0"/>
-              <a:t>12/05/2020</a:t>
+              <a:t>17/05/2020</a:t>
             </a:fld>
             <a:endParaRPr lang="it-IT"/>
           </a:p>
@@ -3874,7 +3874,7 @@
           <a:p>
             <a:fld id="{3F960570-40D4-4251-9C9D-483363F27B24}" type="datetimeFigureOut">
               <a:rPr lang="it-IT" smtClean="0"/>
-              <a:t>12/05/2020</a:t>
+              <a:t>17/05/2020</a:t>
             </a:fld>
             <a:endParaRPr lang="it-IT"/>
           </a:p>
@@ -3997,7 +3997,7 @@
           <a:p>
             <a:fld id="{3F960570-40D4-4251-9C9D-483363F27B24}" type="datetimeFigureOut">
               <a:rPr lang="it-IT" smtClean="0"/>
-              <a:t>12/05/2020</a:t>
+              <a:t>17/05/2020</a:t>
             </a:fld>
             <a:endParaRPr lang="it-IT"/>
           </a:p>
@@ -4092,7 +4092,7 @@
           <a:p>
             <a:fld id="{3F960570-40D4-4251-9C9D-483363F27B24}" type="datetimeFigureOut">
               <a:rPr lang="it-IT" smtClean="0"/>
-              <a:t>12/05/2020</a:t>
+              <a:t>17/05/2020</a:t>
             </a:fld>
             <a:endParaRPr lang="it-IT"/>
           </a:p>
@@ -4347,7 +4347,7 @@
           <a:p>
             <a:fld id="{3F960570-40D4-4251-9C9D-483363F27B24}" type="datetimeFigureOut">
               <a:rPr lang="it-IT" smtClean="0"/>
-              <a:t>12/05/2020</a:t>
+              <a:t>17/05/2020</a:t>
             </a:fld>
             <a:endParaRPr lang="it-IT"/>
           </a:p>
@@ -4652,7 +4652,7 @@
           <a:p>
             <a:fld id="{3F960570-40D4-4251-9C9D-483363F27B24}" type="datetimeFigureOut">
               <a:rPr lang="it-IT" smtClean="0"/>
-              <a:t>12/05/2020</a:t>
+              <a:t>17/05/2020</a:t>
             </a:fld>
             <a:endParaRPr lang="it-IT"/>
           </a:p>
@@ -5354,7 +5354,7 @@
           <a:p>
             <a:fld id="{3F960570-40D4-4251-9C9D-483363F27B24}" type="datetimeFigureOut">
               <a:rPr lang="it-IT" smtClean="0"/>
-              <a:t>12/05/2020</a:t>
+              <a:t>17/05/2020</a:t>
             </a:fld>
             <a:endParaRPr lang="it-IT"/>
           </a:p>
@@ -9672,13 +9672,26 @@
           <a:p>
             <a:r>
               <a:rPr lang="it-IT" dirty="0" smtClean="0"/>
-              <a:t>Il primo gruppo di colonne indica il rapporto tra tutte le parole conteggiate appartenenti a ciascuna risorsa con il totale delle parole conteggiate. Il secondo gruppo indica il rapporto tra le parole delle risorse conteggiate con il totale delle parole delle risorse.</a:t>
-            </a:r>
-          </a:p>
-          <a:p>
+              <a:t>Il primo gruppo di colonne indica </a:t>
+            </a:r>
             <a:r>
               <a:rPr lang="it-IT" dirty="0" smtClean="0"/>
-              <a:t>L’ultima colonna indica le nuove parole trovate non appartenenti a ciascuna risorsa.</a:t>
+              <a:t>quante delle parole conteggiate sono presenti anche nelle risorse. Il secondo gruppo indica quante parole delle risorse sono state trovate anche nei nostri conteggi.</a:t>
+            </a:r>
+            <a:endParaRPr lang="it-IT" dirty="0" smtClean="0"/>
+          </a:p>
+          <a:p>
+            <a:r>
+              <a:rPr lang="it-IT" dirty="0" smtClean="0"/>
+              <a:t>L’ultima colonna indica le nuove parole trovate non appartenenti a </a:t>
+            </a:r>
+            <a:r>
+              <a:rPr lang="it-IT" dirty="0" smtClean="0"/>
+              <a:t>nessuna risorsa</a:t>
+            </a:r>
+            <a:r>
+              <a:rPr lang="it-IT" dirty="0" smtClean="0"/>
+              <a:t>.</a:t>
             </a:r>
             <a:endParaRPr lang="it-IT" dirty="0"/>
           </a:p>
@@ -9787,8 +9800,12 @@
               <a:rPr lang="it-IT" dirty="0"/>
             </a:br>
             <a:r>
+              <a:rPr lang="it-IT" smtClean="0"/>
+              <a:t>Inoltre </a:t>
+            </a:r>
+            <a:r>
               <a:rPr lang="it-IT" dirty="0"/>
-              <a:t>Da notare che la fase di inizializzazione per il </a:t>
+              <a:t>la fase di inizializzazione per il </a:t>
             </a:r>
             <a:r>
               <a:rPr lang="it-IT" dirty="0" smtClean="0"/>
@@ -10034,7 +10051,15 @@
           <a:p>
             <a:r>
               <a:rPr lang="it-IT" sz="1400" dirty="0" smtClean="0"/>
-              <a:t>Con cpu </a:t>
+              <a:t>Con </a:t>
+            </a:r>
+            <a:r>
+              <a:rPr lang="it-IT" sz="1400" dirty="0" err="1" smtClean="0"/>
+              <a:t>cpu</a:t>
+            </a:r>
+            <a:r>
+              <a:rPr lang="it-IT" sz="1400" dirty="0" smtClean="0"/>
+              <a:t> al </a:t>
             </a:r>
             <a:r>
               <a:rPr lang="it-IT" sz="1400" dirty="0"/>
@@ -10098,7 +10123,11 @@
             <a:pPr algn="ctr"/>
             <a:r>
               <a:rPr lang="it-IT" b="1" dirty="0" smtClean="0"/>
-              <a:t>COMPARAZIONE SOLUZIONI</a:t>
+              <a:t>COMPARAZIONE </a:t>
+            </a:r>
+            <a:r>
+              <a:rPr lang="it-IT" b="1" dirty="0" smtClean="0"/>
+              <a:t>PRESTAZIONI</a:t>
             </a:r>
             <a:endParaRPr lang="it-IT" sz="4800" dirty="0"/>
           </a:p>
@@ -10345,7 +10374,7 @@
         <p:spPr>
           <a:xfrm>
             <a:off x="396909" y="2814715"/>
-            <a:ext cx="3402072" cy="2585323"/>
+            <a:ext cx="3402072" cy="2031325"/>
           </a:xfrm>
           <a:prstGeom prst="rect">
             <a:avLst/>
@@ -10360,7 +10389,23 @@
           <a:p>
             <a:r>
               <a:rPr lang="it-IT" dirty="0" smtClean="0"/>
-              <a:t>La comunicazione tra i due host è gestista mediante richieste HTTP POST con formato di scambio dati JSON</a:t>
+              <a:t>La comunicazione tra i due host è </a:t>
+            </a:r>
+            <a:r>
+              <a:rPr lang="it-IT" dirty="0" smtClean="0"/>
+              <a:t>gestita </a:t>
+            </a:r>
+            <a:r>
+              <a:rPr lang="it-IT" dirty="0" smtClean="0"/>
+              <a:t>mediante richieste HTTP POST con </a:t>
+            </a:r>
+            <a:r>
+              <a:rPr lang="it-IT" dirty="0" smtClean="0"/>
+              <a:t>dati codificati in </a:t>
+            </a:r>
+            <a:r>
+              <a:rPr lang="it-IT" dirty="0" smtClean="0"/>
+              <a:t>JSON</a:t>
             </a:r>
             <a:r>
               <a:rPr lang="it-IT" dirty="0" smtClean="0"/>
@@ -10370,11 +10415,23 @@
           <a:p>
             <a:r>
               <a:rPr lang="it-IT" dirty="0" smtClean="0"/>
-              <a:t>All’interno di ogni host la comunicazione tra le varie componenti di sistema avviene in modo diretto ossia localhost</a:t>
+              <a:t>Ogni </a:t>
+            </a:r>
+            <a:r>
+              <a:rPr lang="it-IT" dirty="0" err="1" smtClean="0"/>
+              <a:t>host</a:t>
             </a:r>
             <a:r>
               <a:rPr lang="it-IT" dirty="0" smtClean="0"/>
-              <a:t> </a:t>
+              <a:t> comunica direttamente col proprio </a:t>
+            </a:r>
+            <a:r>
+              <a:rPr lang="it-IT" dirty="0" err="1" smtClean="0"/>
+              <a:t>shard</a:t>
+            </a:r>
+            <a:r>
+              <a:rPr lang="it-IT" dirty="0" smtClean="0"/>
+              <a:t> in locale</a:t>
             </a:r>
             <a:r>
               <a:rPr lang="it-IT" dirty="0" smtClean="0"/>
@@ -10535,7 +10592,7 @@
           <p:cNvPr id="5" name="Titolo 1">
             <a:extLst>
               <a:ext uri="{FF2B5EF4-FFF2-40B4-BE49-F238E27FC236}">
-                <a16:creationId xmlns:a16="http://schemas.microsoft.com/office/drawing/2014/main" id="{7B0C3D97-6237-4821-A89A-70162D11EE48}"/>
+                <a16:creationId xmlns:a16="http://schemas.microsoft.com/office/drawing/2014/main" xmlns="" id="{7B0C3D97-6237-4821-A89A-70162D11EE48}"/>
               </a:ext>
             </a:extLst>
           </p:cNvPr>
@@ -10658,7 +10715,7 @@
           <p:cNvPr id="6" name="Segnaposto contenuto 2">
             <a:extLst>
               <a:ext uri="{FF2B5EF4-FFF2-40B4-BE49-F238E27FC236}">
-                <a16:creationId xmlns:a16="http://schemas.microsoft.com/office/drawing/2014/main" id="{058AAC17-44C7-46C9-846C-ACC9953C05A1}"/>
+                <a16:creationId xmlns:a16="http://schemas.microsoft.com/office/drawing/2014/main" xmlns="" id="{058AAC17-44C7-46C9-846C-ACC9953C05A1}"/>
               </a:ext>
             </a:extLst>
           </p:cNvPr>
@@ -10965,7 +11022,43 @@
                 </a:solidFill>
                 <a:cs typeface="Times New Roman" panose="02020603050405020304" pitchFamily="18" charset="0"/>
               </a:rPr>
-              <a:t>per ciascun sentimento viene creata una mappa, che a sua volta contiene tante mappe per ciascun hashtag con relative frequenze</a:t>
+              <a:t>per ciascun sentimento viene creata una mappa, che a sua volta contiene tante mappe per ciascun </a:t>
+            </a:r>
+            <a:r>
+              <a:rPr lang="it-IT" sz="1900" dirty="0" err="1" smtClean="0">
+                <a:solidFill>
+                  <a:prstClr val="black"/>
+                </a:solidFill>
+                <a:cs typeface="Times New Roman" panose="02020603050405020304" pitchFamily="18" charset="0"/>
+              </a:rPr>
+              <a:t>hashtag</a:t>
+            </a:r>
+            <a:r>
+              <a:rPr lang="it-IT" sz="1900" dirty="0" smtClean="0">
+                <a:solidFill>
+                  <a:prstClr val="black"/>
+                </a:solidFill>
+                <a:cs typeface="Times New Roman" panose="02020603050405020304" pitchFamily="18" charset="0"/>
+              </a:rPr>
+              <a:t> </a:t>
+            </a:r>
+            <a:r>
+              <a:rPr lang="it-IT" sz="1900" dirty="0" smtClean="0">
+                <a:solidFill>
+                  <a:prstClr val="black"/>
+                </a:solidFill>
+                <a:cs typeface="Times New Roman" panose="02020603050405020304" pitchFamily="18" charset="0"/>
+              </a:rPr>
+              <a:t>con le </a:t>
+            </a:r>
+            <a:r>
+              <a:rPr lang="it-IT" sz="1900" dirty="0" smtClean="0">
+                <a:solidFill>
+                  <a:prstClr val="black"/>
+                </a:solidFill>
+                <a:cs typeface="Times New Roman" panose="02020603050405020304" pitchFamily="18" charset="0"/>
+              </a:rPr>
+              <a:t>relative frequenze</a:t>
             </a:r>
             <a:endParaRPr lang="it-IT" sz="1900" dirty="0">
               <a:solidFill>
@@ -10981,7 +11074,7 @@
           <p:cNvPr id="7" name="Segnaposto contenuto 3">
             <a:extLst>
               <a:ext uri="{FF2B5EF4-FFF2-40B4-BE49-F238E27FC236}">
-                <a16:creationId xmlns:a16="http://schemas.microsoft.com/office/drawing/2014/main" id="{68B22042-CC38-489D-A7E5-BCC033D653FC}"/>
+                <a16:creationId xmlns:a16="http://schemas.microsoft.com/office/drawing/2014/main" xmlns="" id="{68B22042-CC38-489D-A7E5-BCC033D653FC}"/>
               </a:ext>
             </a:extLst>
           </p:cNvPr>
@@ -11335,13 +11428,22 @@
               <a:t> </a:t>
             </a:r>
             <a:r>
-              <a:rPr lang="it-IT" sz="1900" dirty="0">
+              <a:rPr lang="it-IT" sz="1900" dirty="0" smtClean="0">
                 <a:solidFill>
                   <a:prstClr val="black"/>
                 </a:solidFill>
                 <a:cs typeface="Times New Roman" panose="02020603050405020304" pitchFamily="18" charset="0"/>
               </a:rPr>
-              <a:t>con relative frequenze</a:t>
+              <a:t>con le </a:t>
+            </a:r>
+            <a:r>
+              <a:rPr lang="it-IT" sz="1900" dirty="0">
+                <a:solidFill>
+                  <a:prstClr val="black"/>
+                </a:solidFill>
+                <a:cs typeface="Times New Roman" panose="02020603050405020304" pitchFamily="18" charset="0"/>
+              </a:rPr>
+              <a:t>relative frequenze</a:t>
             </a:r>
           </a:p>
           <a:p>
@@ -11358,7 +11460,7 @@
           <p:cNvPr id="9" name="Segnaposto contenuto 2">
             <a:extLst>
               <a:ext uri="{FF2B5EF4-FFF2-40B4-BE49-F238E27FC236}">
-                <a16:creationId xmlns:a16="http://schemas.microsoft.com/office/drawing/2014/main" id="{058AAC17-44C7-46C9-846C-ACC9953C05A1}"/>
+                <a16:creationId xmlns:a16="http://schemas.microsoft.com/office/drawing/2014/main" xmlns="" id="{058AAC17-44C7-46C9-846C-ACC9953C05A1}"/>
               </a:ext>
             </a:extLst>
           </p:cNvPr>
@@ -11548,7 +11650,11 @@
             <a:pPr algn="ctr"/>
             <a:r>
               <a:rPr lang="it-IT" dirty="0" smtClean="0"/>
-              <a:t>Schema delle librerie utilizzate</a:t>
+              <a:t>Schema delle </a:t>
+            </a:r>
+            <a:r>
+              <a:rPr lang="it-IT" dirty="0" smtClean="0"/>
+              <a:t>classi implementate</a:t>
             </a:r>
             <a:endParaRPr lang="it-IT" dirty="0"/>
           </a:p>
@@ -11649,21 +11755,21 @@
                 <a:gridCol w="2230361">
                   <a:extLst>
                     <a:ext uri="{9D8B030D-6E8A-4147-A177-3AD203B41FA5}">
-                      <a16:colId xmlns:a16="http://schemas.microsoft.com/office/drawing/2014/main" val="2877867300"/>
+                      <a16:colId xmlns:a16="http://schemas.microsoft.com/office/drawing/2014/main" xmlns="" val="2877867300"/>
                     </a:ext>
                   </a:extLst>
                 </a:gridCol>
                 <a:gridCol w="2946400">
                   <a:extLst>
                     <a:ext uri="{9D8B030D-6E8A-4147-A177-3AD203B41FA5}">
-                      <a16:colId xmlns:a16="http://schemas.microsoft.com/office/drawing/2014/main" val="674584734"/>
+                      <a16:colId xmlns:a16="http://schemas.microsoft.com/office/drawing/2014/main" xmlns="" val="674584734"/>
                     </a:ext>
                   </a:extLst>
                 </a:gridCol>
                 <a:gridCol w="4151085">
                   <a:extLst>
                     <a:ext uri="{9D8B030D-6E8A-4147-A177-3AD203B41FA5}">
-                      <a16:colId xmlns:a16="http://schemas.microsoft.com/office/drawing/2014/main" val="2074233569"/>
+                      <a16:colId xmlns:a16="http://schemas.microsoft.com/office/drawing/2014/main" xmlns="" val="2074233569"/>
                     </a:ext>
                   </a:extLst>
                 </a:gridCol>
@@ -11716,7 +11822,7 @@
                 </a:tc>
                 <a:extLst>
                   <a:ext uri="{0D108BD9-81ED-4DB2-BD59-A6C34878D82A}">
-                    <a16:rowId xmlns:a16="http://schemas.microsoft.com/office/drawing/2014/main" val="359061708"/>
+                    <a16:rowId xmlns:a16="http://schemas.microsoft.com/office/drawing/2014/main" xmlns="" val="359061708"/>
                   </a:ext>
                 </a:extLst>
               </a:tr>
@@ -11779,7 +11885,7 @@
                 </a:tc>
                 <a:extLst>
                   <a:ext uri="{0D108BD9-81ED-4DB2-BD59-A6C34878D82A}">
-                    <a16:rowId xmlns:a16="http://schemas.microsoft.com/office/drawing/2014/main" val="2152449656"/>
+                    <a16:rowId xmlns:a16="http://schemas.microsoft.com/office/drawing/2014/main" xmlns="" val="2152449656"/>
                   </a:ext>
                 </a:extLst>
               </a:tr>
@@ -11842,7 +11948,7 @@
                 </a:tc>
                 <a:extLst>
                   <a:ext uri="{0D108BD9-81ED-4DB2-BD59-A6C34878D82A}">
-                    <a16:rowId xmlns:a16="http://schemas.microsoft.com/office/drawing/2014/main" val="1860423358"/>
+                    <a16:rowId xmlns:a16="http://schemas.microsoft.com/office/drawing/2014/main" xmlns="" val="1860423358"/>
                   </a:ext>
                 </a:extLst>
               </a:tr>
@@ -11905,7 +12011,7 @@
                 </a:tc>
                 <a:extLst>
                   <a:ext uri="{0D108BD9-81ED-4DB2-BD59-A6C34878D82A}">
-                    <a16:rowId xmlns:a16="http://schemas.microsoft.com/office/drawing/2014/main" val="686662235"/>
+                    <a16:rowId xmlns:a16="http://schemas.microsoft.com/office/drawing/2014/main" xmlns="" val="686662235"/>
                   </a:ext>
                 </a:extLst>
               </a:tr>
@@ -11961,7 +12067,7 @@
                 </a:tc>
                 <a:extLst>
                   <a:ext uri="{0D108BD9-81ED-4DB2-BD59-A6C34878D82A}">
-                    <a16:rowId xmlns:a16="http://schemas.microsoft.com/office/drawing/2014/main" val="2723784576"/>
+                    <a16:rowId xmlns:a16="http://schemas.microsoft.com/office/drawing/2014/main" xmlns="" val="2723784576"/>
                   </a:ext>
                 </a:extLst>
               </a:tr>
@@ -12017,7 +12123,7 @@
                 </a:tc>
                 <a:extLst>
                   <a:ext uri="{0D108BD9-81ED-4DB2-BD59-A6C34878D82A}">
-                    <a16:rowId xmlns:a16="http://schemas.microsoft.com/office/drawing/2014/main" val="2943680178"/>
+                    <a16:rowId xmlns:a16="http://schemas.microsoft.com/office/drawing/2014/main" xmlns="" val="2943680178"/>
                   </a:ext>
                 </a:extLst>
               </a:tr>
@@ -12073,7 +12179,7 @@
                 </a:tc>
                 <a:extLst>
                   <a:ext uri="{0D108BD9-81ED-4DB2-BD59-A6C34878D82A}">
-                    <a16:rowId xmlns:a16="http://schemas.microsoft.com/office/drawing/2014/main" val="460836306"/>
+                    <a16:rowId xmlns:a16="http://schemas.microsoft.com/office/drawing/2014/main" xmlns="" val="460836306"/>
                   </a:ext>
                 </a:extLst>
               </a:tr>
@@ -12125,7 +12231,7 @@
                 </a:tc>
                 <a:extLst>
                   <a:ext uri="{0D108BD9-81ED-4DB2-BD59-A6C34878D82A}">
-                    <a16:rowId xmlns:a16="http://schemas.microsoft.com/office/drawing/2014/main" val="2088053448"/>
+                    <a16:rowId xmlns:a16="http://schemas.microsoft.com/office/drawing/2014/main" xmlns="" val="2088053448"/>
                   </a:ext>
                 </a:extLst>
               </a:tr>
@@ -12177,7 +12283,7 @@
                 </a:tc>
                 <a:extLst>
                   <a:ext uri="{0D108BD9-81ED-4DB2-BD59-A6C34878D82A}">
-                    <a16:rowId xmlns:a16="http://schemas.microsoft.com/office/drawing/2014/main" val="4163736797"/>
+                    <a16:rowId xmlns:a16="http://schemas.microsoft.com/office/drawing/2014/main" xmlns="" val="4163736797"/>
                   </a:ext>
                 </a:extLst>
               </a:tr>
@@ -12546,7 +12652,7 @@
   <a:extraClrSchemeLst/>
   <a:extLst>
     <a:ext uri="{05A4C25C-085E-4340-85A3-A5531E510DB2}">
-      <thm15:themeFamily xmlns:thm15="http://schemas.microsoft.com/office/thememl/2012/main" name="Facet" id="{C0C680CD-088A-49FC-A102-D699147F32B2}" vid="{0B5AB586-D108-4FC1-8368-649FE654B894}"/>
+      <thm15:themeFamily xmlns:thm15="http://schemas.microsoft.com/office/thememl/2012/main" xmlns="" name="Facet" id="{C0C680CD-088A-49FC-A102-D699147F32B2}" vid="{0B5AB586-D108-4FC1-8368-649FE654B894}"/>
     </a:ext>
   </a:extLst>
 </a:theme>

--- a/Docs/Presentazione.PPTX
+++ b/Docs/Presentazione.PPTX
@@ -6,34 +6,35 @@
   </p:sldMasterIdLst>
   <p:sldIdLst>
     <p:sldId id="256" r:id="rId2"/>
-    <p:sldId id="259" r:id="rId3"/>
-    <p:sldId id="257" r:id="rId4"/>
-    <p:sldId id="258" r:id="rId5"/>
-    <p:sldId id="294" r:id="rId6"/>
-    <p:sldId id="293" r:id="rId7"/>
-    <p:sldId id="260" r:id="rId8"/>
-    <p:sldId id="289" r:id="rId9"/>
-    <p:sldId id="270" r:id="rId10"/>
-    <p:sldId id="261" r:id="rId11"/>
-    <p:sldId id="271" r:id="rId12"/>
-    <p:sldId id="273" r:id="rId13"/>
-    <p:sldId id="272" r:id="rId14"/>
-    <p:sldId id="275" r:id="rId15"/>
-    <p:sldId id="274" r:id="rId16"/>
-    <p:sldId id="278" r:id="rId17"/>
-    <p:sldId id="277" r:id="rId18"/>
-    <p:sldId id="276" r:id="rId19"/>
-    <p:sldId id="282" r:id="rId20"/>
-    <p:sldId id="281" r:id="rId21"/>
-    <p:sldId id="280" r:id="rId22"/>
-    <p:sldId id="279" r:id="rId23"/>
-    <p:sldId id="283" r:id="rId24"/>
-    <p:sldId id="284" r:id="rId25"/>
-    <p:sldId id="285" r:id="rId26"/>
-    <p:sldId id="287" r:id="rId27"/>
-    <p:sldId id="290" r:id="rId28"/>
-    <p:sldId id="291" r:id="rId29"/>
-    <p:sldId id="292" r:id="rId30"/>
+    <p:sldId id="295" r:id="rId3"/>
+    <p:sldId id="259" r:id="rId4"/>
+    <p:sldId id="257" r:id="rId5"/>
+    <p:sldId id="258" r:id="rId6"/>
+    <p:sldId id="294" r:id="rId7"/>
+    <p:sldId id="293" r:id="rId8"/>
+    <p:sldId id="260" r:id="rId9"/>
+    <p:sldId id="289" r:id="rId10"/>
+    <p:sldId id="270" r:id="rId11"/>
+    <p:sldId id="261" r:id="rId12"/>
+    <p:sldId id="271" r:id="rId13"/>
+    <p:sldId id="273" r:id="rId14"/>
+    <p:sldId id="272" r:id="rId15"/>
+    <p:sldId id="275" r:id="rId16"/>
+    <p:sldId id="274" r:id="rId17"/>
+    <p:sldId id="278" r:id="rId18"/>
+    <p:sldId id="277" r:id="rId19"/>
+    <p:sldId id="276" r:id="rId20"/>
+    <p:sldId id="282" r:id="rId21"/>
+    <p:sldId id="281" r:id="rId22"/>
+    <p:sldId id="280" r:id="rId23"/>
+    <p:sldId id="279" r:id="rId24"/>
+    <p:sldId id="283" r:id="rId25"/>
+    <p:sldId id="284" r:id="rId26"/>
+    <p:sldId id="285" r:id="rId27"/>
+    <p:sldId id="287" r:id="rId28"/>
+    <p:sldId id="290" r:id="rId29"/>
+    <p:sldId id="291" r:id="rId30"/>
+    <p:sldId id="292" r:id="rId31"/>
   </p:sldIdLst>
   <p:sldSz cx="12192000" cy="6858000"/>
   <p:notesSz cx="6858000" cy="9144000"/>
@@ -134,7 +135,7 @@
   </p:defaultTextStyle>
   <p:extLst>
     <p:ext uri="{EFAFB233-063F-42B5-8137-9DF3F51BA10A}">
-      <p15:sldGuideLst xmlns:p15="http://schemas.microsoft.com/office/powerpoint/2012/main" xmlns="">
+      <p15:sldGuideLst xmlns="" xmlns:p15="http://schemas.microsoft.com/office/powerpoint/2012/main">
         <p15:guide id="1" orient="horz" pos="2160">
           <p15:clr>
             <a:srgbClr val="A4A3A4"/>
@@ -896,7 +897,7 @@
           <a:p>
             <a:fld id="{3F960570-40D4-4251-9C9D-483363F27B24}" type="datetimeFigureOut">
               <a:rPr lang="it-IT" smtClean="0"/>
-              <a:t>17/05/2020</a:t>
+              <a:t>16/06/2020</a:t>
             </a:fld>
             <a:endParaRPr lang="it-IT"/>
           </a:p>
@@ -1147,7 +1148,7 @@
           <a:p>
             <a:fld id="{3F960570-40D4-4251-9C9D-483363F27B24}" type="datetimeFigureOut">
               <a:rPr lang="it-IT" smtClean="0"/>
-              <a:t>17/05/2020</a:t>
+              <a:t>16/06/2020</a:t>
             </a:fld>
             <a:endParaRPr lang="it-IT"/>
           </a:p>
@@ -1461,7 +1462,7 @@
           <a:p>
             <a:fld id="{3F960570-40D4-4251-9C9D-483363F27B24}" type="datetimeFigureOut">
               <a:rPr lang="it-IT" smtClean="0"/>
-              <a:t>17/05/2020</a:t>
+              <a:t>16/06/2020</a:t>
             </a:fld>
             <a:endParaRPr lang="it-IT"/>
           </a:p>
@@ -1794,7 +1795,7 @@
           <a:p>
             <a:fld id="{3F960570-40D4-4251-9C9D-483363F27B24}" type="datetimeFigureOut">
               <a:rPr lang="it-IT" smtClean="0"/>
-              <a:t>17/05/2020</a:t>
+              <a:t>16/06/2020</a:t>
             </a:fld>
             <a:endParaRPr lang="it-IT"/>
           </a:p>
@@ -2108,7 +2109,7 @@
           <a:p>
             <a:fld id="{3F960570-40D4-4251-9C9D-483363F27B24}" type="datetimeFigureOut">
               <a:rPr lang="it-IT" smtClean="0"/>
-              <a:t>17/05/2020</a:t>
+              <a:t>16/06/2020</a:t>
             </a:fld>
             <a:endParaRPr lang="it-IT"/>
           </a:p>
@@ -2501,7 +2502,7 @@
           <a:p>
             <a:fld id="{3F960570-40D4-4251-9C9D-483363F27B24}" type="datetimeFigureOut">
               <a:rPr lang="it-IT" smtClean="0"/>
-              <a:t>17/05/2020</a:t>
+              <a:t>16/06/2020</a:t>
             </a:fld>
             <a:endParaRPr lang="it-IT"/>
           </a:p>
@@ -2671,7 +2672,7 @@
           <a:p>
             <a:fld id="{3F960570-40D4-4251-9C9D-483363F27B24}" type="datetimeFigureOut">
               <a:rPr lang="it-IT" smtClean="0"/>
-              <a:t>17/05/2020</a:t>
+              <a:t>16/06/2020</a:t>
             </a:fld>
             <a:endParaRPr lang="it-IT"/>
           </a:p>
@@ -2851,7 +2852,7 @@
           <a:p>
             <a:fld id="{3F960570-40D4-4251-9C9D-483363F27B24}" type="datetimeFigureOut">
               <a:rPr lang="it-IT" smtClean="0"/>
-              <a:t>17/05/2020</a:t>
+              <a:t>16/06/2020</a:t>
             </a:fld>
             <a:endParaRPr lang="it-IT"/>
           </a:p>
@@ -3021,7 +3022,7 @@
           <a:p>
             <a:fld id="{3F960570-40D4-4251-9C9D-483363F27B24}" type="datetimeFigureOut">
               <a:rPr lang="it-IT" smtClean="0"/>
-              <a:t>17/05/2020</a:t>
+              <a:t>16/06/2020</a:t>
             </a:fld>
             <a:endParaRPr lang="it-IT"/>
           </a:p>
@@ -3268,7 +3269,7 @@
           <a:p>
             <a:fld id="{3F960570-40D4-4251-9C9D-483363F27B24}" type="datetimeFigureOut">
               <a:rPr lang="it-IT" smtClean="0"/>
-              <a:t>17/05/2020</a:t>
+              <a:t>16/06/2020</a:t>
             </a:fld>
             <a:endParaRPr lang="it-IT"/>
           </a:p>
@@ -3500,7 +3501,7 @@
           <a:p>
             <a:fld id="{3F960570-40D4-4251-9C9D-483363F27B24}" type="datetimeFigureOut">
               <a:rPr lang="it-IT" smtClean="0"/>
-              <a:t>17/05/2020</a:t>
+              <a:t>16/06/2020</a:t>
             </a:fld>
             <a:endParaRPr lang="it-IT"/>
           </a:p>
@@ -3874,7 +3875,7 @@
           <a:p>
             <a:fld id="{3F960570-40D4-4251-9C9D-483363F27B24}" type="datetimeFigureOut">
               <a:rPr lang="it-IT" smtClean="0"/>
-              <a:t>17/05/2020</a:t>
+              <a:t>16/06/2020</a:t>
             </a:fld>
             <a:endParaRPr lang="it-IT"/>
           </a:p>
@@ -3997,7 +3998,7 @@
           <a:p>
             <a:fld id="{3F960570-40D4-4251-9C9D-483363F27B24}" type="datetimeFigureOut">
               <a:rPr lang="it-IT" smtClean="0"/>
-              <a:t>17/05/2020</a:t>
+              <a:t>16/06/2020</a:t>
             </a:fld>
             <a:endParaRPr lang="it-IT"/>
           </a:p>
@@ -4092,7 +4093,7 @@
           <a:p>
             <a:fld id="{3F960570-40D4-4251-9C9D-483363F27B24}" type="datetimeFigureOut">
               <a:rPr lang="it-IT" smtClean="0"/>
-              <a:t>17/05/2020</a:t>
+              <a:t>16/06/2020</a:t>
             </a:fld>
             <a:endParaRPr lang="it-IT"/>
           </a:p>
@@ -4347,7 +4348,7 @@
           <a:p>
             <a:fld id="{3F960570-40D4-4251-9C9D-483363F27B24}" type="datetimeFigureOut">
               <a:rPr lang="it-IT" smtClean="0"/>
-              <a:t>17/05/2020</a:t>
+              <a:t>16/06/2020</a:t>
             </a:fld>
             <a:endParaRPr lang="it-IT"/>
           </a:p>
@@ -4652,7 +4653,7 @@
           <a:p>
             <a:fld id="{3F960570-40D4-4251-9C9D-483363F27B24}" type="datetimeFigureOut">
               <a:rPr lang="it-IT" smtClean="0"/>
-              <a:t>17/05/2020</a:t>
+              <a:t>16/06/2020</a:t>
             </a:fld>
             <a:endParaRPr lang="it-IT"/>
           </a:p>
@@ -5354,7 +5355,7 @@
           <a:p>
             <a:fld id="{3F960570-40D4-4251-9C9D-483363F27B24}" type="datetimeFigureOut">
               <a:rPr lang="it-IT" smtClean="0"/>
-              <a:t>17/05/2020</a:t>
+              <a:t>16/06/2020</a:t>
             </a:fld>
             <a:endParaRPr lang="it-IT"/>
           </a:p>
@@ -6426,6 +6427,66 @@
 </file>
 
 <file path=ppt/slides/slide10.xml><?xml version="1.0" encoding="utf-8"?>
+<p:sld xmlns:a="http://schemas.openxmlformats.org/drawingml/2006/main" xmlns:r="http://schemas.openxmlformats.org/officeDocument/2006/relationships" xmlns:p="http://schemas.openxmlformats.org/presentationml/2006/main">
+  <p:cSld>
+    <p:spTree>
+      <p:nvGrpSpPr>
+        <p:cNvPr id="1" name=""/>
+        <p:cNvGrpSpPr/>
+        <p:nvPr/>
+      </p:nvGrpSpPr>
+      <p:grpSpPr>
+        <a:xfrm>
+          <a:off x="0" y="0"/>
+          <a:ext cx="0" cy="0"/>
+          <a:chOff x="0" y="0"/>
+          <a:chExt cx="0" cy="0"/>
+        </a:xfrm>
+      </p:grpSpPr>
+      <p:sp>
+        <p:nvSpPr>
+          <p:cNvPr id="2" name="Titolo 1"/>
+          <p:cNvSpPr>
+            <a:spLocks noGrp="1"/>
+          </p:cNvSpPr>
+          <p:nvPr>
+            <p:ph type="ctrTitle"/>
+          </p:nvPr>
+        </p:nvSpPr>
+        <p:spPr/>
+        <p:txBody>
+          <a:bodyPr/>
+          <a:lstStyle/>
+          <a:p>
+            <a:r>
+              <a:rPr lang="it-IT" dirty="0" smtClean="0"/>
+              <a:t>Word cloud dei tweet</a:t>
+            </a:r>
+            <a:endParaRPr lang="it-IT" dirty="0"/>
+          </a:p>
+        </p:txBody>
+      </p:sp>
+    </p:spTree>
+    <p:extLst>
+      <p:ext uri="{BB962C8B-B14F-4D97-AF65-F5344CB8AC3E}">
+        <p14:creationId xmlns:p14="http://schemas.microsoft.com/office/powerpoint/2010/main" val="1869857399"/>
+      </p:ext>
+    </p:extLst>
+  </p:cSld>
+  <p:clrMapOvr>
+    <a:masterClrMapping/>
+  </p:clrMapOvr>
+  <p:timing>
+    <p:tnLst>
+      <p:par>
+        <p:cTn id="1" dur="indefinite" restart="never" nodeType="tmRoot"/>
+      </p:par>
+    </p:tnLst>
+  </p:timing>
+</p:sld>
+</file>
+
+<file path=ppt/slides/slide11.xml><?xml version="1.0" encoding="utf-8"?>
 <p:sld xmlns:a="http://schemas.openxmlformats.org/drawingml/2006/main" xmlns:r="http://schemas.openxmlformats.org/officeDocument/2006/relationships" xmlns:p="http://schemas.openxmlformats.org/presentationml/2006/main" showMasterSp="0">
   <p:cSld>
     <p:spTree>
@@ -6682,7 +6743,7 @@
 </p:sld>
 </file>
 
-<file path=ppt/slides/slide11.xml><?xml version="1.0" encoding="utf-8"?>
+<file path=ppt/slides/slide12.xml><?xml version="1.0" encoding="utf-8"?>
 <p:sld xmlns:a="http://schemas.openxmlformats.org/drawingml/2006/main" xmlns:r="http://schemas.openxmlformats.org/officeDocument/2006/relationships" xmlns:p="http://schemas.openxmlformats.org/presentationml/2006/main" showMasterSp="0">
   <p:cSld>
     <p:spTree>
@@ -6936,7 +6997,7 @@
 </p:sld>
 </file>
 
-<file path=ppt/slides/slide12.xml><?xml version="1.0" encoding="utf-8"?>
+<file path=ppt/slides/slide13.xml><?xml version="1.0" encoding="utf-8"?>
 <p:sld xmlns:a="http://schemas.openxmlformats.org/drawingml/2006/main" xmlns:r="http://schemas.openxmlformats.org/officeDocument/2006/relationships" xmlns:p="http://schemas.openxmlformats.org/presentationml/2006/main" showMasterSp="0">
   <p:cSld>
     <p:spTree>
@@ -7179,7 +7240,7 @@
 </p:sld>
 </file>
 
-<file path=ppt/slides/slide13.xml><?xml version="1.0" encoding="utf-8"?>
+<file path=ppt/slides/slide14.xml><?xml version="1.0" encoding="utf-8"?>
 <p:sld xmlns:a="http://schemas.openxmlformats.org/drawingml/2006/main" xmlns:r="http://schemas.openxmlformats.org/officeDocument/2006/relationships" xmlns:p="http://schemas.openxmlformats.org/presentationml/2006/main" showMasterSp="0">
   <p:cSld>
     <p:spTree>
@@ -7454,7 +7515,7 @@
 </p:sld>
 </file>
 
-<file path=ppt/slides/slide14.xml><?xml version="1.0" encoding="utf-8"?>
+<file path=ppt/slides/slide15.xml><?xml version="1.0" encoding="utf-8"?>
 <p:sld xmlns:a="http://schemas.openxmlformats.org/drawingml/2006/main" xmlns:r="http://schemas.openxmlformats.org/officeDocument/2006/relationships" xmlns:p="http://schemas.openxmlformats.org/presentationml/2006/main" showMasterSp="0">
   <p:cSld>
     <p:spTree>
@@ -7746,7 +7807,7 @@
 </p:sld>
 </file>
 
-<file path=ppt/slides/slide15.xml><?xml version="1.0" encoding="utf-8"?>
+<file path=ppt/slides/slide16.xml><?xml version="1.0" encoding="utf-8"?>
 <p:sld xmlns:a="http://schemas.openxmlformats.org/drawingml/2006/main" xmlns:r="http://schemas.openxmlformats.org/officeDocument/2006/relationships" xmlns:p="http://schemas.openxmlformats.org/presentationml/2006/main" showMasterSp="0">
   <p:cSld>
     <p:spTree>
@@ -8008,7 +8069,7 @@
 </p:sld>
 </file>
 
-<file path=ppt/slides/slide16.xml><?xml version="1.0" encoding="utf-8"?>
+<file path=ppt/slides/slide17.xml><?xml version="1.0" encoding="utf-8"?>
 <p:sld xmlns:a="http://schemas.openxmlformats.org/drawingml/2006/main" xmlns:r="http://schemas.openxmlformats.org/officeDocument/2006/relationships" xmlns:p="http://schemas.openxmlformats.org/presentationml/2006/main" showMasterSp="0">
   <p:cSld>
     <p:spTree>
@@ -8240,7 +8301,7 @@
 </p:sld>
 </file>
 
-<file path=ppt/slides/slide17.xml><?xml version="1.0" encoding="utf-8"?>
+<file path=ppt/slides/slide18.xml><?xml version="1.0" encoding="utf-8"?>
 <p:sld xmlns:a="http://schemas.openxmlformats.org/drawingml/2006/main" xmlns:r="http://schemas.openxmlformats.org/officeDocument/2006/relationships" xmlns:p="http://schemas.openxmlformats.org/presentationml/2006/main" showMasterSp="0">
   <p:cSld>
     <p:spTree>
@@ -8497,7 +8558,7 @@
 </p:sld>
 </file>
 
-<file path=ppt/slides/slide18.xml><?xml version="1.0" encoding="utf-8"?>
+<file path=ppt/slides/slide19.xml><?xml version="1.0" encoding="utf-8"?>
 <p:sld xmlns:a="http://schemas.openxmlformats.org/drawingml/2006/main" xmlns:r="http://schemas.openxmlformats.org/officeDocument/2006/relationships" xmlns:p="http://schemas.openxmlformats.org/presentationml/2006/main" showMasterSp="0">
   <p:cSld>
     <p:spTree>
@@ -8601,7 +8662,307 @@
 </p:sld>
 </file>
 
-<file path=ppt/slides/slide19.xml><?xml version="1.0" encoding="utf-8"?>
+<file path=ppt/slides/slide2.xml><?xml version="1.0" encoding="utf-8"?>
+<p:sld xmlns:a="http://schemas.openxmlformats.org/drawingml/2006/main" xmlns:r="http://schemas.openxmlformats.org/officeDocument/2006/relationships" xmlns:p="http://schemas.openxmlformats.org/presentationml/2006/main">
+  <p:cSld>
+    <p:spTree>
+      <p:nvGrpSpPr>
+        <p:cNvPr id="1" name=""/>
+        <p:cNvGrpSpPr/>
+        <p:nvPr/>
+      </p:nvGrpSpPr>
+      <p:grpSpPr>
+        <a:xfrm>
+          <a:off x="0" y="0"/>
+          <a:ext cx="0" cy="0"/>
+          <a:chOff x="0" y="0"/>
+          <a:chExt cx="0" cy="0"/>
+        </a:xfrm>
+      </p:grpSpPr>
+      <p:sp>
+        <p:nvSpPr>
+          <p:cNvPr id="4" name="Titolo 1"/>
+          <p:cNvSpPr>
+            <a:spLocks noGrp="1"/>
+          </p:cNvSpPr>
+          <p:nvPr>
+            <p:ph type="title"/>
+          </p:nvPr>
+        </p:nvSpPr>
+        <p:spPr>
+          <a:xfrm>
+            <a:off x="0" y="156762"/>
+            <a:ext cx="12192000" cy="1320800"/>
+          </a:xfrm>
+        </p:spPr>
+        <p:txBody>
+          <a:bodyPr/>
+          <a:lstStyle/>
+          <a:p>
+            <a:pPr algn="ctr"/>
+            <a:r>
+              <a:rPr lang="it-IT" dirty="0" smtClean="0"/>
+              <a:t>Obiettivi del progetto</a:t>
+            </a:r>
+            <a:endParaRPr lang="it-IT" dirty="0"/>
+          </a:p>
+        </p:txBody>
+      </p:sp>
+      <p:sp>
+        <p:nvSpPr>
+          <p:cNvPr id="2" name="Rettangolo 1"/>
+          <p:cNvSpPr/>
+          <p:nvPr/>
+        </p:nvSpPr>
+        <p:spPr>
+          <a:xfrm>
+            <a:off x="212162" y="1595838"/>
+            <a:ext cx="9379491" cy="4401205"/>
+          </a:xfrm>
+          <a:prstGeom prst="rect">
+            <a:avLst/>
+          </a:prstGeom>
+        </p:spPr>
+        <p:txBody>
+          <a:bodyPr wrap="none">
+            <a:spAutoFit/>
+          </a:bodyPr>
+          <a:lstStyle/>
+          <a:p>
+            <a:pPr marL="285750" indent="-285750">
+              <a:buFont typeface="Arial" panose="020B0604020202020204" pitchFamily="34" charset="0"/>
+              <a:buChar char="•"/>
+            </a:pPr>
+            <a:r>
+              <a:rPr lang="it-IT" sz="2800" dirty="0" smtClean="0">
+                <a:solidFill>
+                  <a:prstClr val="black"/>
+                </a:solidFill>
+                <a:cs typeface="Times New Roman" panose="02020603050405020304" pitchFamily="18" charset="0"/>
+              </a:rPr>
+              <a:t>Analisi dei </a:t>
+            </a:r>
+            <a:r>
+              <a:rPr lang="it-IT" sz="2800" dirty="0" err="1" smtClean="0">
+                <a:solidFill>
+                  <a:prstClr val="black"/>
+                </a:solidFill>
+                <a:cs typeface="Times New Roman" panose="02020603050405020304" pitchFamily="18" charset="0"/>
+              </a:rPr>
+              <a:t>tweet</a:t>
+            </a:r>
+            <a:r>
+              <a:rPr lang="it-IT" sz="2800" dirty="0" smtClean="0">
+                <a:solidFill>
+                  <a:prstClr val="black"/>
+                </a:solidFill>
+                <a:cs typeface="Times New Roman" panose="02020603050405020304" pitchFamily="18" charset="0"/>
+              </a:rPr>
+              <a:t> con relativo conteggio di parole, </a:t>
+            </a:r>
+            <a:br>
+              <a:rPr lang="it-IT" sz="2800" dirty="0" smtClean="0">
+                <a:solidFill>
+                  <a:prstClr val="black"/>
+                </a:solidFill>
+                <a:cs typeface="Times New Roman" panose="02020603050405020304" pitchFamily="18" charset="0"/>
+              </a:rPr>
+            </a:br>
+            <a:r>
+              <a:rPr lang="it-IT" sz="2800" dirty="0" err="1" smtClean="0">
+                <a:solidFill>
+                  <a:prstClr val="black"/>
+                </a:solidFill>
+                <a:cs typeface="Times New Roman" panose="02020603050405020304" pitchFamily="18" charset="0"/>
+              </a:rPr>
+              <a:t>hashtag</a:t>
+            </a:r>
+            <a:r>
+              <a:rPr lang="it-IT" sz="2800" dirty="0" smtClean="0">
+                <a:solidFill>
+                  <a:prstClr val="black"/>
+                </a:solidFill>
+                <a:cs typeface="Times New Roman" panose="02020603050405020304" pitchFamily="18" charset="0"/>
+              </a:rPr>
+              <a:t> ed emoticon</a:t>
+            </a:r>
+          </a:p>
+          <a:p>
+            <a:pPr marL="285750" indent="-285750">
+              <a:buFont typeface="Arial" panose="020B0604020202020204" pitchFamily="34" charset="0"/>
+              <a:buChar char="•"/>
+            </a:pPr>
+            <a:endParaRPr lang="it-IT" sz="2800" dirty="0">
+              <a:solidFill>
+                <a:prstClr val="black"/>
+              </a:solidFill>
+              <a:cs typeface="Times New Roman" panose="02020603050405020304" pitchFamily="18" charset="0"/>
+            </a:endParaRPr>
+          </a:p>
+          <a:p>
+            <a:pPr marL="285750" indent="-285750">
+              <a:buFont typeface="Arial" panose="020B0604020202020204" pitchFamily="34" charset="0"/>
+              <a:buChar char="•"/>
+            </a:pPr>
+            <a:r>
+              <a:rPr lang="it-IT" sz="2800" dirty="0" smtClean="0">
+                <a:solidFill>
+                  <a:prstClr val="black"/>
+                </a:solidFill>
+                <a:cs typeface="Times New Roman" panose="02020603050405020304" pitchFamily="18" charset="0"/>
+              </a:rPr>
+              <a:t>Generazione word </a:t>
+            </a:r>
+            <a:r>
+              <a:rPr lang="it-IT" sz="2800" dirty="0" err="1" smtClean="0">
+                <a:solidFill>
+                  <a:prstClr val="black"/>
+                </a:solidFill>
+                <a:cs typeface="Times New Roman" panose="02020603050405020304" pitchFamily="18" charset="0"/>
+              </a:rPr>
+              <a:t>cloud</a:t>
+            </a:r>
+            <a:endParaRPr lang="it-IT" sz="2800" dirty="0" smtClean="0">
+              <a:solidFill>
+                <a:prstClr val="black"/>
+              </a:solidFill>
+              <a:cs typeface="Times New Roman" panose="02020603050405020304" pitchFamily="18" charset="0"/>
+            </a:endParaRPr>
+          </a:p>
+          <a:p>
+            <a:pPr marL="285750" indent="-285750">
+              <a:buFont typeface="Arial" panose="020B0604020202020204" pitchFamily="34" charset="0"/>
+              <a:buChar char="•"/>
+            </a:pPr>
+            <a:endParaRPr lang="it-IT" sz="2800" dirty="0" smtClean="0">
+              <a:solidFill>
+                <a:prstClr val="black"/>
+              </a:solidFill>
+              <a:cs typeface="Times New Roman" panose="02020603050405020304" pitchFamily="18" charset="0"/>
+            </a:endParaRPr>
+          </a:p>
+          <a:p>
+            <a:pPr marL="285750" indent="-285750">
+              <a:buFont typeface="Arial" panose="020B0604020202020204" pitchFamily="34" charset="0"/>
+              <a:buChar char="•"/>
+            </a:pPr>
+            <a:r>
+              <a:rPr lang="it-IT" sz="2800" dirty="0" smtClean="0">
+                <a:solidFill>
+                  <a:prstClr val="black"/>
+                </a:solidFill>
+                <a:cs typeface="Times New Roman" panose="02020603050405020304" pitchFamily="18" charset="0"/>
+              </a:rPr>
+              <a:t>Comparazione dei risultati con le risorse lessicali</a:t>
+            </a:r>
+          </a:p>
+          <a:p>
+            <a:pPr marL="285750" indent="-285750">
+              <a:buFont typeface="Arial" panose="020B0604020202020204" pitchFamily="34" charset="0"/>
+              <a:buChar char="•"/>
+            </a:pPr>
+            <a:endParaRPr lang="it-IT" sz="2800" dirty="0" smtClean="0">
+              <a:solidFill>
+                <a:prstClr val="black"/>
+              </a:solidFill>
+              <a:cs typeface="Times New Roman" panose="02020603050405020304" pitchFamily="18" charset="0"/>
+            </a:endParaRPr>
+          </a:p>
+          <a:p>
+            <a:pPr marL="285750" indent="-285750">
+              <a:buFont typeface="Arial" panose="020B0604020202020204" pitchFamily="34" charset="0"/>
+              <a:buChar char="•"/>
+            </a:pPr>
+            <a:r>
+              <a:rPr lang="it-IT" sz="2800" dirty="0" smtClean="0">
+                <a:solidFill>
+                  <a:prstClr val="black"/>
+                </a:solidFill>
+                <a:cs typeface="Times New Roman" panose="02020603050405020304" pitchFamily="18" charset="0"/>
+              </a:rPr>
+              <a:t>Comparazione delle prestazioni tra </a:t>
+            </a:r>
+            <a:r>
+              <a:rPr lang="it-IT" sz="2800" dirty="0" err="1" smtClean="0">
+                <a:solidFill>
+                  <a:prstClr val="black"/>
+                </a:solidFill>
+                <a:cs typeface="Times New Roman" panose="02020603050405020304" pitchFamily="18" charset="0"/>
+              </a:rPr>
+              <a:t>MariaDB</a:t>
+            </a:r>
+            <a:r>
+              <a:rPr lang="it-IT" sz="2800" dirty="0" smtClean="0">
+                <a:solidFill>
+                  <a:prstClr val="black"/>
+                </a:solidFill>
+                <a:cs typeface="Times New Roman" panose="02020603050405020304" pitchFamily="18" charset="0"/>
+              </a:rPr>
+              <a:t> e </a:t>
+            </a:r>
+            <a:r>
+              <a:rPr lang="it-IT" sz="2800" dirty="0" err="1" smtClean="0">
+                <a:solidFill>
+                  <a:prstClr val="black"/>
+                </a:solidFill>
+                <a:cs typeface="Times New Roman" panose="02020603050405020304" pitchFamily="18" charset="0"/>
+              </a:rPr>
+              <a:t>MongoDB</a:t>
+            </a:r>
+            <a:endParaRPr lang="it-IT" sz="2800" dirty="0" smtClean="0">
+              <a:solidFill>
+                <a:prstClr val="black"/>
+              </a:solidFill>
+              <a:cs typeface="Times New Roman" panose="02020603050405020304" pitchFamily="18" charset="0"/>
+            </a:endParaRPr>
+          </a:p>
+          <a:p>
+            <a:pPr marL="285750" indent="-285750">
+              <a:buFont typeface="Arial" panose="020B0604020202020204" pitchFamily="34" charset="0"/>
+              <a:buChar char="•"/>
+            </a:pPr>
+            <a:endParaRPr lang="it-IT" sz="2800" dirty="0" smtClean="0">
+              <a:solidFill>
+                <a:prstClr val="black"/>
+              </a:solidFill>
+              <a:cs typeface="Times New Roman" panose="02020603050405020304" pitchFamily="18" charset="0"/>
+            </a:endParaRPr>
+          </a:p>
+          <a:p>
+            <a:pPr marL="285750" indent="-285750">
+              <a:buFont typeface="Arial" panose="020B0604020202020204" pitchFamily="34" charset="0"/>
+              <a:buChar char="•"/>
+            </a:pPr>
+            <a:endParaRPr lang="it-IT" sz="2800" dirty="0">
+              <a:solidFill>
+                <a:prstClr val="black"/>
+              </a:solidFill>
+              <a:cs typeface="Times New Roman" panose="02020603050405020304" pitchFamily="18" charset="0"/>
+            </a:endParaRPr>
+          </a:p>
+        </p:txBody>
+      </p:sp>
+    </p:spTree>
+    <p:extLst>
+      <p:ext uri="{BB962C8B-B14F-4D97-AF65-F5344CB8AC3E}">
+        <p14:creationId xmlns:p14="http://schemas.microsoft.com/office/powerpoint/2010/main" val="1925642353"/>
+      </p:ext>
+    </p:extLst>
+  </p:cSld>
+  <p:clrMapOvr>
+    <a:masterClrMapping/>
+  </p:clrMapOvr>
+  <p:timing>
+    <p:tnLst>
+      <p:par>
+        <p:cTn id="1" dur="indefinite" restart="never" nodeType="tmRoot"/>
+      </p:par>
+    </p:tnLst>
+  </p:timing>
+</p:sld>
+</file>
+
+<file path=ppt/slides/slide20.xml><?xml version="1.0" encoding="utf-8"?>
 <p:sld xmlns:a="http://schemas.openxmlformats.org/drawingml/2006/main" xmlns:r="http://schemas.openxmlformats.org/officeDocument/2006/relationships" xmlns:p="http://schemas.openxmlformats.org/presentationml/2006/main" showMasterSp="0">
   <p:cSld>
     <p:spTree>
@@ -8705,7 +9066,939 @@
 </p:sld>
 </file>
 
-<file path=ppt/slides/slide2.xml><?xml version="1.0" encoding="utf-8"?>
+<file path=ppt/slides/slide21.xml><?xml version="1.0" encoding="utf-8"?>
+<p:sld xmlns:a="http://schemas.openxmlformats.org/drawingml/2006/main" xmlns:r="http://schemas.openxmlformats.org/officeDocument/2006/relationships" xmlns:p="http://schemas.openxmlformats.org/presentationml/2006/main" showMasterSp="0">
+  <p:cSld>
+    <p:spTree>
+      <p:nvGrpSpPr>
+        <p:cNvPr id="1" name=""/>
+        <p:cNvGrpSpPr/>
+        <p:nvPr/>
+      </p:nvGrpSpPr>
+      <p:grpSpPr>
+        <a:xfrm>
+          <a:off x="0" y="0"/>
+          <a:ext cx="0" cy="0"/>
+          <a:chOff x="0" y="0"/>
+          <a:chExt cx="0" cy="0"/>
+        </a:xfrm>
+      </p:grpSpPr>
+      <p:sp>
+        <p:nvSpPr>
+          <p:cNvPr id="6" name="CasellaDiTesto 5"/>
+          <p:cNvSpPr txBox="1"/>
+          <p:nvPr/>
+        </p:nvSpPr>
+        <p:spPr>
+          <a:xfrm>
+            <a:off x="3875964" y="232012"/>
+            <a:ext cx="4162567" cy="923330"/>
+          </a:xfrm>
+          <a:prstGeom prst="rect">
+            <a:avLst/>
+          </a:prstGeom>
+          <a:noFill/>
+        </p:spPr>
+        <p:txBody>
+          <a:bodyPr wrap="square" rtlCol="0">
+            <a:spAutoFit/>
+          </a:bodyPr>
+          <a:lstStyle/>
+          <a:p>
+            <a:pPr algn="ctr"/>
+            <a:r>
+              <a:rPr lang="it-IT" sz="5400" dirty="0" smtClean="0">
+                <a:solidFill>
+                  <a:srgbClr val="5FCBEF"/>
+                </a:solidFill>
+                <a:ea typeface="+mj-ea"/>
+                <a:cs typeface="+mj-cs"/>
+              </a:rPr>
+              <a:t>Disgust</a:t>
+            </a:r>
+            <a:endParaRPr lang="it-IT" dirty="0"/>
+          </a:p>
+        </p:txBody>
+      </p:sp>
+      <p:pic>
+        <p:nvPicPr>
+          <p:cNvPr id="2" name="Immagine 1"/>
+          <p:cNvPicPr>
+            <a:picLocks noChangeAspect="1"/>
+          </p:cNvPicPr>
+          <p:nvPr/>
+        </p:nvPicPr>
+        <p:blipFill>
+          <a:blip r:embed="rId2">
+            <a:extLst>
+              <a:ext uri="{28A0092B-C50C-407E-A947-70E740481C1C}">
+                <a14:useLocalDpi xmlns:a14="http://schemas.microsoft.com/office/drawing/2010/main" val="0"/>
+              </a:ext>
+            </a:extLst>
+          </a:blip>
+          <a:stretch>
+            <a:fillRect/>
+          </a:stretch>
+        </p:blipFill>
+        <p:spPr>
+          <a:xfrm>
+            <a:off x="2250135" y="1155342"/>
+            <a:ext cx="7414224" cy="5538788"/>
+          </a:xfrm>
+          <a:prstGeom prst="rect">
+            <a:avLst/>
+          </a:prstGeom>
+        </p:spPr>
+      </p:pic>
+    </p:spTree>
+    <p:extLst>
+      <p:ext uri="{BB962C8B-B14F-4D97-AF65-F5344CB8AC3E}">
+        <p14:creationId xmlns:p14="http://schemas.microsoft.com/office/powerpoint/2010/main" val="1864712968"/>
+      </p:ext>
+    </p:extLst>
+  </p:cSld>
+  <p:clrMapOvr>
+    <a:masterClrMapping/>
+  </p:clrMapOvr>
+  <p:timing>
+    <p:tnLst>
+      <p:par>
+        <p:cTn id="1" dur="indefinite" restart="never" nodeType="tmRoot"/>
+      </p:par>
+    </p:tnLst>
+  </p:timing>
+</p:sld>
+</file>
+
+<file path=ppt/slides/slide22.xml><?xml version="1.0" encoding="utf-8"?>
+<p:sld xmlns:a="http://schemas.openxmlformats.org/drawingml/2006/main" xmlns:r="http://schemas.openxmlformats.org/officeDocument/2006/relationships" xmlns:p="http://schemas.openxmlformats.org/presentationml/2006/main" showMasterSp="0">
+  <p:cSld>
+    <p:spTree>
+      <p:nvGrpSpPr>
+        <p:cNvPr id="1" name=""/>
+        <p:cNvGrpSpPr/>
+        <p:nvPr/>
+      </p:nvGrpSpPr>
+      <p:grpSpPr>
+        <a:xfrm>
+          <a:off x="0" y="0"/>
+          <a:ext cx="0" cy="0"/>
+          <a:chOff x="0" y="0"/>
+          <a:chExt cx="0" cy="0"/>
+        </a:xfrm>
+      </p:grpSpPr>
+      <p:sp>
+        <p:nvSpPr>
+          <p:cNvPr id="6" name="CasellaDiTesto 5"/>
+          <p:cNvSpPr txBox="1"/>
+          <p:nvPr/>
+        </p:nvSpPr>
+        <p:spPr>
+          <a:xfrm>
+            <a:off x="3875964" y="232012"/>
+            <a:ext cx="4162567" cy="923330"/>
+          </a:xfrm>
+          <a:prstGeom prst="rect">
+            <a:avLst/>
+          </a:prstGeom>
+          <a:noFill/>
+        </p:spPr>
+        <p:txBody>
+          <a:bodyPr wrap="square" rtlCol="0">
+            <a:spAutoFit/>
+          </a:bodyPr>
+          <a:lstStyle/>
+          <a:p>
+            <a:pPr algn="ctr"/>
+            <a:r>
+              <a:rPr lang="it-IT" sz="5400" dirty="0" smtClean="0">
+                <a:solidFill>
+                  <a:srgbClr val="5FCBEF"/>
+                </a:solidFill>
+                <a:ea typeface="+mj-ea"/>
+                <a:cs typeface="+mj-cs"/>
+              </a:rPr>
+              <a:t>Fear</a:t>
+            </a:r>
+            <a:endParaRPr lang="it-IT" dirty="0"/>
+          </a:p>
+        </p:txBody>
+      </p:sp>
+      <p:pic>
+        <p:nvPicPr>
+          <p:cNvPr id="2" name="Immagine 1"/>
+          <p:cNvPicPr>
+            <a:picLocks noChangeAspect="1"/>
+          </p:cNvPicPr>
+          <p:nvPr/>
+        </p:nvPicPr>
+        <p:blipFill>
+          <a:blip r:embed="rId2">
+            <a:extLst>
+              <a:ext uri="{28A0092B-C50C-407E-A947-70E740481C1C}">
+                <a14:useLocalDpi xmlns:a14="http://schemas.microsoft.com/office/drawing/2010/main" val="0"/>
+              </a:ext>
+            </a:extLst>
+          </a:blip>
+          <a:stretch>
+            <a:fillRect/>
+          </a:stretch>
+        </p:blipFill>
+        <p:spPr>
+          <a:xfrm>
+            <a:off x="2241001" y="1155342"/>
+            <a:ext cx="7432492" cy="5552435"/>
+          </a:xfrm>
+          <a:prstGeom prst="rect">
+            <a:avLst/>
+          </a:prstGeom>
+        </p:spPr>
+      </p:pic>
+    </p:spTree>
+    <p:extLst>
+      <p:ext uri="{BB962C8B-B14F-4D97-AF65-F5344CB8AC3E}">
+        <p14:creationId xmlns:p14="http://schemas.microsoft.com/office/powerpoint/2010/main" val="530569833"/>
+      </p:ext>
+    </p:extLst>
+  </p:cSld>
+  <p:clrMapOvr>
+    <a:masterClrMapping/>
+  </p:clrMapOvr>
+  <p:timing>
+    <p:tnLst>
+      <p:par>
+        <p:cTn id="1" dur="indefinite" restart="never" nodeType="tmRoot"/>
+      </p:par>
+    </p:tnLst>
+  </p:timing>
+</p:sld>
+</file>
+
+<file path=ppt/slides/slide23.xml><?xml version="1.0" encoding="utf-8"?>
+<p:sld xmlns:a="http://schemas.openxmlformats.org/drawingml/2006/main" xmlns:r="http://schemas.openxmlformats.org/officeDocument/2006/relationships" xmlns:p="http://schemas.openxmlformats.org/presentationml/2006/main" showMasterSp="0">
+  <p:cSld>
+    <p:spTree>
+      <p:nvGrpSpPr>
+        <p:cNvPr id="1" name=""/>
+        <p:cNvGrpSpPr/>
+        <p:nvPr/>
+      </p:nvGrpSpPr>
+      <p:grpSpPr>
+        <a:xfrm>
+          <a:off x="0" y="0"/>
+          <a:ext cx="0" cy="0"/>
+          <a:chOff x="0" y="0"/>
+          <a:chExt cx="0" cy="0"/>
+        </a:xfrm>
+      </p:grpSpPr>
+      <p:sp>
+        <p:nvSpPr>
+          <p:cNvPr id="6" name="CasellaDiTesto 5"/>
+          <p:cNvSpPr txBox="1"/>
+          <p:nvPr/>
+        </p:nvSpPr>
+        <p:spPr>
+          <a:xfrm>
+            <a:off x="3875964" y="232012"/>
+            <a:ext cx="4162567" cy="923330"/>
+          </a:xfrm>
+          <a:prstGeom prst="rect">
+            <a:avLst/>
+          </a:prstGeom>
+          <a:noFill/>
+        </p:spPr>
+        <p:txBody>
+          <a:bodyPr wrap="square" rtlCol="0">
+            <a:spAutoFit/>
+          </a:bodyPr>
+          <a:lstStyle/>
+          <a:p>
+            <a:pPr algn="ctr"/>
+            <a:r>
+              <a:rPr lang="it-IT" sz="5400" dirty="0" smtClean="0">
+                <a:solidFill>
+                  <a:srgbClr val="5FCBEF"/>
+                </a:solidFill>
+                <a:ea typeface="+mj-ea"/>
+                <a:cs typeface="+mj-cs"/>
+              </a:rPr>
+              <a:t>Anticipation</a:t>
+            </a:r>
+            <a:endParaRPr lang="it-IT" dirty="0"/>
+          </a:p>
+        </p:txBody>
+      </p:sp>
+      <p:pic>
+        <p:nvPicPr>
+          <p:cNvPr id="2" name="Immagine 1"/>
+          <p:cNvPicPr>
+            <a:picLocks noChangeAspect="1"/>
+          </p:cNvPicPr>
+          <p:nvPr/>
+        </p:nvPicPr>
+        <p:blipFill>
+          <a:blip r:embed="rId2">
+            <a:extLst>
+              <a:ext uri="{28A0092B-C50C-407E-A947-70E740481C1C}">
+                <a14:useLocalDpi xmlns:a14="http://schemas.microsoft.com/office/drawing/2010/main" val="0"/>
+              </a:ext>
+            </a:extLst>
+          </a:blip>
+          <a:stretch>
+            <a:fillRect/>
+          </a:stretch>
+        </p:blipFill>
+        <p:spPr>
+          <a:xfrm>
+            <a:off x="2218099" y="1155342"/>
+            <a:ext cx="7485459" cy="5592004"/>
+          </a:xfrm>
+          <a:prstGeom prst="rect">
+            <a:avLst/>
+          </a:prstGeom>
+        </p:spPr>
+      </p:pic>
+    </p:spTree>
+    <p:extLst>
+      <p:ext uri="{BB962C8B-B14F-4D97-AF65-F5344CB8AC3E}">
+        <p14:creationId xmlns:p14="http://schemas.microsoft.com/office/powerpoint/2010/main" val="3594345315"/>
+      </p:ext>
+    </p:extLst>
+  </p:cSld>
+  <p:clrMapOvr>
+    <a:masterClrMapping/>
+  </p:clrMapOvr>
+  <p:timing>
+    <p:tnLst>
+      <p:par>
+        <p:cTn id="1" dur="indefinite" restart="never" nodeType="tmRoot"/>
+      </p:par>
+    </p:tnLst>
+  </p:timing>
+</p:sld>
+</file>
+
+<file path=ppt/slides/slide24.xml><?xml version="1.0" encoding="utf-8"?>
+<p:sld xmlns:a="http://schemas.openxmlformats.org/drawingml/2006/main" xmlns:r="http://schemas.openxmlformats.org/officeDocument/2006/relationships" xmlns:p="http://schemas.openxmlformats.org/presentationml/2006/main" showMasterSp="0">
+  <p:cSld>
+    <p:spTree>
+      <p:nvGrpSpPr>
+        <p:cNvPr id="1" name=""/>
+        <p:cNvGrpSpPr/>
+        <p:nvPr/>
+      </p:nvGrpSpPr>
+      <p:grpSpPr>
+        <a:xfrm>
+          <a:off x="0" y="0"/>
+          <a:ext cx="0" cy="0"/>
+          <a:chOff x="0" y="0"/>
+          <a:chExt cx="0" cy="0"/>
+        </a:xfrm>
+      </p:grpSpPr>
+      <p:sp>
+        <p:nvSpPr>
+          <p:cNvPr id="6" name="CasellaDiTesto 5"/>
+          <p:cNvSpPr txBox="1"/>
+          <p:nvPr/>
+        </p:nvSpPr>
+        <p:spPr>
+          <a:xfrm>
+            <a:off x="3875964" y="232012"/>
+            <a:ext cx="4162567" cy="923330"/>
+          </a:xfrm>
+          <a:prstGeom prst="rect">
+            <a:avLst/>
+          </a:prstGeom>
+          <a:noFill/>
+        </p:spPr>
+        <p:txBody>
+          <a:bodyPr wrap="square" rtlCol="0">
+            <a:spAutoFit/>
+          </a:bodyPr>
+          <a:lstStyle/>
+          <a:p>
+            <a:pPr algn="ctr"/>
+            <a:r>
+              <a:rPr lang="it-IT" sz="5400" dirty="0" smtClean="0">
+                <a:solidFill>
+                  <a:srgbClr val="5FCBEF"/>
+                </a:solidFill>
+                <a:ea typeface="+mj-ea"/>
+                <a:cs typeface="+mj-cs"/>
+              </a:rPr>
+              <a:t>Sadness</a:t>
+            </a:r>
+            <a:endParaRPr lang="it-IT" dirty="0"/>
+          </a:p>
+        </p:txBody>
+      </p:sp>
+      <p:pic>
+        <p:nvPicPr>
+          <p:cNvPr id="3" name="Immagine 2"/>
+          <p:cNvPicPr>
+            <a:picLocks noChangeAspect="1"/>
+          </p:cNvPicPr>
+          <p:nvPr/>
+        </p:nvPicPr>
+        <p:blipFill>
+          <a:blip r:embed="rId2">
+            <a:extLst>
+              <a:ext uri="{28A0092B-C50C-407E-A947-70E740481C1C}">
+                <a14:useLocalDpi xmlns:a14="http://schemas.microsoft.com/office/drawing/2010/main" val="0"/>
+              </a:ext>
+            </a:extLst>
+          </a:blip>
+          <a:stretch>
+            <a:fillRect/>
+          </a:stretch>
+        </p:blipFill>
+        <p:spPr>
+          <a:xfrm>
+            <a:off x="2076515" y="1155342"/>
+            <a:ext cx="7761463" cy="5798192"/>
+          </a:xfrm>
+          <a:prstGeom prst="rect">
+            <a:avLst/>
+          </a:prstGeom>
+        </p:spPr>
+      </p:pic>
+    </p:spTree>
+    <p:extLst>
+      <p:ext uri="{BB962C8B-B14F-4D97-AF65-F5344CB8AC3E}">
+        <p14:creationId xmlns:p14="http://schemas.microsoft.com/office/powerpoint/2010/main" val="3442325161"/>
+      </p:ext>
+    </p:extLst>
+  </p:cSld>
+  <p:clrMapOvr>
+    <a:masterClrMapping/>
+  </p:clrMapOvr>
+  <p:timing>
+    <p:tnLst>
+      <p:par>
+        <p:cTn id="1" dur="indefinite" restart="never" nodeType="tmRoot"/>
+      </p:par>
+    </p:tnLst>
+  </p:timing>
+</p:sld>
+</file>
+
+<file path=ppt/slides/slide25.xml><?xml version="1.0" encoding="utf-8"?>
+<p:sld xmlns:a="http://schemas.openxmlformats.org/drawingml/2006/main" xmlns:r="http://schemas.openxmlformats.org/officeDocument/2006/relationships" xmlns:p="http://schemas.openxmlformats.org/presentationml/2006/main" showMasterSp="0">
+  <p:cSld>
+    <p:spTree>
+      <p:nvGrpSpPr>
+        <p:cNvPr id="1" name=""/>
+        <p:cNvGrpSpPr/>
+        <p:nvPr/>
+      </p:nvGrpSpPr>
+      <p:grpSpPr>
+        <a:xfrm>
+          <a:off x="0" y="0"/>
+          <a:ext cx="0" cy="0"/>
+          <a:chOff x="0" y="0"/>
+          <a:chExt cx="0" cy="0"/>
+        </a:xfrm>
+      </p:grpSpPr>
+      <p:sp>
+        <p:nvSpPr>
+          <p:cNvPr id="6" name="CasellaDiTesto 5"/>
+          <p:cNvSpPr txBox="1"/>
+          <p:nvPr/>
+        </p:nvSpPr>
+        <p:spPr>
+          <a:xfrm>
+            <a:off x="3875964" y="232012"/>
+            <a:ext cx="4162567" cy="923330"/>
+          </a:xfrm>
+          <a:prstGeom prst="rect">
+            <a:avLst/>
+          </a:prstGeom>
+          <a:noFill/>
+        </p:spPr>
+        <p:txBody>
+          <a:bodyPr wrap="square" rtlCol="0">
+            <a:spAutoFit/>
+          </a:bodyPr>
+          <a:lstStyle/>
+          <a:p>
+            <a:pPr algn="ctr"/>
+            <a:r>
+              <a:rPr lang="it-IT" sz="5400" dirty="0" smtClean="0">
+                <a:solidFill>
+                  <a:srgbClr val="5FCBEF"/>
+                </a:solidFill>
+                <a:ea typeface="+mj-ea"/>
+                <a:cs typeface="+mj-cs"/>
+              </a:rPr>
+              <a:t>Surprise</a:t>
+            </a:r>
+            <a:endParaRPr lang="it-IT" dirty="0"/>
+          </a:p>
+        </p:txBody>
+      </p:sp>
+      <p:pic>
+        <p:nvPicPr>
+          <p:cNvPr id="2" name="Immagine 1"/>
+          <p:cNvPicPr>
+            <a:picLocks noChangeAspect="1"/>
+          </p:cNvPicPr>
+          <p:nvPr/>
+        </p:nvPicPr>
+        <p:blipFill>
+          <a:blip r:embed="rId2">
+            <a:extLst>
+              <a:ext uri="{28A0092B-C50C-407E-A947-70E740481C1C}">
+                <a14:useLocalDpi xmlns:a14="http://schemas.microsoft.com/office/drawing/2010/main" val="0"/>
+              </a:ext>
+            </a:extLst>
+          </a:blip>
+          <a:stretch>
+            <a:fillRect/>
+          </a:stretch>
+        </p:blipFill>
+        <p:spPr>
+          <a:xfrm>
+            <a:off x="2140456" y="1155342"/>
+            <a:ext cx="7633581" cy="5702658"/>
+          </a:xfrm>
+          <a:prstGeom prst="rect">
+            <a:avLst/>
+          </a:prstGeom>
+        </p:spPr>
+      </p:pic>
+    </p:spTree>
+    <p:extLst>
+      <p:ext uri="{BB962C8B-B14F-4D97-AF65-F5344CB8AC3E}">
+        <p14:creationId xmlns:p14="http://schemas.microsoft.com/office/powerpoint/2010/main" val="2760601342"/>
+      </p:ext>
+    </p:extLst>
+  </p:cSld>
+  <p:clrMapOvr>
+    <a:masterClrMapping/>
+  </p:clrMapOvr>
+  <p:timing>
+    <p:tnLst>
+      <p:par>
+        <p:cTn id="1" dur="indefinite" restart="never" nodeType="tmRoot"/>
+      </p:par>
+    </p:tnLst>
+  </p:timing>
+</p:sld>
+</file>
+
+<file path=ppt/slides/slide26.xml><?xml version="1.0" encoding="utf-8"?>
+<p:sld xmlns:a="http://schemas.openxmlformats.org/drawingml/2006/main" xmlns:r="http://schemas.openxmlformats.org/officeDocument/2006/relationships" xmlns:p="http://schemas.openxmlformats.org/presentationml/2006/main" showMasterSp="0">
+  <p:cSld>
+    <p:spTree>
+      <p:nvGrpSpPr>
+        <p:cNvPr id="1" name=""/>
+        <p:cNvGrpSpPr/>
+        <p:nvPr/>
+      </p:nvGrpSpPr>
+      <p:grpSpPr>
+        <a:xfrm>
+          <a:off x="0" y="0"/>
+          <a:ext cx="0" cy="0"/>
+          <a:chOff x="0" y="0"/>
+          <a:chExt cx="0" cy="0"/>
+        </a:xfrm>
+      </p:grpSpPr>
+      <p:sp>
+        <p:nvSpPr>
+          <p:cNvPr id="6" name="CasellaDiTesto 5"/>
+          <p:cNvSpPr txBox="1"/>
+          <p:nvPr/>
+        </p:nvSpPr>
+        <p:spPr>
+          <a:xfrm>
+            <a:off x="3875964" y="232012"/>
+            <a:ext cx="4162567" cy="923330"/>
+          </a:xfrm>
+          <a:prstGeom prst="rect">
+            <a:avLst/>
+          </a:prstGeom>
+          <a:noFill/>
+        </p:spPr>
+        <p:txBody>
+          <a:bodyPr wrap="square" rtlCol="0">
+            <a:spAutoFit/>
+          </a:bodyPr>
+          <a:lstStyle/>
+          <a:p>
+            <a:pPr algn="ctr"/>
+            <a:r>
+              <a:rPr lang="it-IT" sz="5400" dirty="0" smtClean="0">
+                <a:solidFill>
+                  <a:srgbClr val="5FCBEF"/>
+                </a:solidFill>
+                <a:ea typeface="+mj-ea"/>
+                <a:cs typeface="+mj-cs"/>
+              </a:rPr>
+              <a:t>Trust</a:t>
+            </a:r>
+            <a:endParaRPr lang="it-IT" dirty="0"/>
+          </a:p>
+        </p:txBody>
+      </p:sp>
+      <p:pic>
+        <p:nvPicPr>
+          <p:cNvPr id="3" name="Immagine 2"/>
+          <p:cNvPicPr>
+            <a:picLocks noChangeAspect="1"/>
+          </p:cNvPicPr>
+          <p:nvPr/>
+        </p:nvPicPr>
+        <p:blipFill>
+          <a:blip r:embed="rId2">
+            <a:extLst>
+              <a:ext uri="{28A0092B-C50C-407E-A947-70E740481C1C}">
+                <a14:useLocalDpi xmlns:a14="http://schemas.microsoft.com/office/drawing/2010/main" val="0"/>
+              </a:ext>
+            </a:extLst>
+          </a:blip>
+          <a:stretch>
+            <a:fillRect/>
+          </a:stretch>
+        </p:blipFill>
+        <p:spPr>
+          <a:xfrm>
+            <a:off x="2254637" y="1155342"/>
+            <a:ext cx="7405219" cy="5532061"/>
+          </a:xfrm>
+          <a:prstGeom prst="rect">
+            <a:avLst/>
+          </a:prstGeom>
+        </p:spPr>
+      </p:pic>
+    </p:spTree>
+    <p:extLst>
+      <p:ext uri="{BB962C8B-B14F-4D97-AF65-F5344CB8AC3E}">
+        <p14:creationId xmlns:p14="http://schemas.microsoft.com/office/powerpoint/2010/main" val="2822923756"/>
+      </p:ext>
+    </p:extLst>
+  </p:cSld>
+  <p:clrMapOvr>
+    <a:masterClrMapping/>
+  </p:clrMapOvr>
+  <p:timing>
+    <p:tnLst>
+      <p:par>
+        <p:cTn id="1" dur="indefinite" restart="never" nodeType="tmRoot"/>
+      </p:par>
+    </p:tnLst>
+  </p:timing>
+</p:sld>
+</file>
+
+<file path=ppt/slides/slide27.xml><?xml version="1.0" encoding="utf-8"?>
+<p:sld xmlns:a="http://schemas.openxmlformats.org/drawingml/2006/main" xmlns:r="http://schemas.openxmlformats.org/officeDocument/2006/relationships" xmlns:p="http://schemas.openxmlformats.org/presentationml/2006/main">
+  <p:cSld>
+    <p:spTree>
+      <p:nvGrpSpPr>
+        <p:cNvPr id="1" name=""/>
+        <p:cNvGrpSpPr/>
+        <p:nvPr/>
+      </p:nvGrpSpPr>
+      <p:grpSpPr>
+        <a:xfrm>
+          <a:off x="0" y="0"/>
+          <a:ext cx="0" cy="0"/>
+          <a:chOff x="0" y="0"/>
+          <a:chExt cx="0" cy="0"/>
+        </a:xfrm>
+      </p:grpSpPr>
+      <p:sp>
+        <p:nvSpPr>
+          <p:cNvPr id="2" name="Titolo 1"/>
+          <p:cNvSpPr>
+            <a:spLocks noGrp="1"/>
+          </p:cNvSpPr>
+          <p:nvPr>
+            <p:ph type="title"/>
+          </p:nvPr>
+        </p:nvSpPr>
+        <p:spPr>
+          <a:xfrm>
+            <a:off x="2369658" y="3343703"/>
+            <a:ext cx="5245793" cy="610540"/>
+          </a:xfrm>
+        </p:spPr>
+        <p:txBody>
+          <a:bodyPr>
+            <a:normAutofit fontScale="90000"/>
+          </a:bodyPr>
+          <a:lstStyle/>
+          <a:p>
+            <a:r>
+              <a:rPr lang="it-IT" dirty="0" smtClean="0"/>
+              <a:t>STATISTICHE REALIZZATE</a:t>
+            </a:r>
+            <a:endParaRPr lang="it-IT" dirty="0"/>
+          </a:p>
+        </p:txBody>
+      </p:sp>
+    </p:spTree>
+    <p:extLst>
+      <p:ext uri="{BB962C8B-B14F-4D97-AF65-F5344CB8AC3E}">
+        <p14:creationId xmlns:p14="http://schemas.microsoft.com/office/powerpoint/2010/main" val="1163050008"/>
+      </p:ext>
+    </p:extLst>
+  </p:cSld>
+  <p:clrMapOvr>
+    <a:masterClrMapping/>
+  </p:clrMapOvr>
+  <p:timing>
+    <p:tnLst>
+      <p:par>
+        <p:cTn id="1" dur="indefinite" restart="never" nodeType="tmRoot"/>
+      </p:par>
+    </p:tnLst>
+  </p:timing>
+</p:sld>
+</file>
+
+<file path=ppt/slides/slide28.xml><?xml version="1.0" encoding="utf-8"?>
+<p:sld xmlns:a="http://schemas.openxmlformats.org/drawingml/2006/main" xmlns:r="http://schemas.openxmlformats.org/officeDocument/2006/relationships" xmlns:p="http://schemas.openxmlformats.org/presentationml/2006/main">
+  <p:cSld>
+    <p:spTree>
+      <p:nvGrpSpPr>
+        <p:cNvPr id="1" name=""/>
+        <p:cNvGrpSpPr/>
+        <p:nvPr/>
+      </p:nvGrpSpPr>
+      <p:grpSpPr>
+        <a:xfrm>
+          <a:off x="0" y="0"/>
+          <a:ext cx="0" cy="0"/>
+          <a:chOff x="0" y="0"/>
+          <a:chExt cx="0" cy="0"/>
+        </a:xfrm>
+      </p:grpSpPr>
+      <p:sp>
+        <p:nvSpPr>
+          <p:cNvPr id="6" name="Rettangolo 5"/>
+          <p:cNvSpPr/>
+          <p:nvPr/>
+        </p:nvSpPr>
+        <p:spPr>
+          <a:xfrm>
+            <a:off x="564108" y="269741"/>
+            <a:ext cx="9262280" cy="707886"/>
+          </a:xfrm>
+          <a:prstGeom prst="rect">
+            <a:avLst/>
+          </a:prstGeom>
+        </p:spPr>
+        <p:txBody>
+          <a:bodyPr wrap="square">
+            <a:spAutoFit/>
+          </a:bodyPr>
+          <a:lstStyle/>
+          <a:p>
+            <a:r>
+              <a:rPr lang="it-IT" sz="4000" dirty="0" smtClean="0">
+                <a:solidFill>
+                  <a:srgbClr val="5FCBEF"/>
+                </a:solidFill>
+                <a:ea typeface="+mj-ea"/>
+                <a:cs typeface="+mj-cs"/>
+              </a:rPr>
+              <a:t>FREQUENZA DEI TERMINI CONTEGGIATI </a:t>
+            </a:r>
+            <a:endParaRPr lang="it-IT" dirty="0"/>
+          </a:p>
+        </p:txBody>
+      </p:sp>
+      <p:pic>
+        <p:nvPicPr>
+          <p:cNvPr id="8" name="Immagine 7"/>
+          <p:cNvPicPr>
+            <a:picLocks noChangeAspect="1"/>
+          </p:cNvPicPr>
+          <p:nvPr/>
+        </p:nvPicPr>
+        <p:blipFill>
+          <a:blip r:embed="rId2">
+            <a:extLst>
+              <a:ext uri="{28A0092B-C50C-407E-A947-70E740481C1C}">
+                <a14:useLocalDpi xmlns:a14="http://schemas.microsoft.com/office/drawing/2010/main" val="0"/>
+              </a:ext>
+            </a:extLst>
+          </a:blip>
+          <a:stretch>
+            <a:fillRect/>
+          </a:stretch>
+        </p:blipFill>
+        <p:spPr>
+          <a:xfrm>
+            <a:off x="245659" y="1123322"/>
+            <a:ext cx="8952932" cy="4548796"/>
+          </a:xfrm>
+          <a:prstGeom prst="rect">
+            <a:avLst/>
+          </a:prstGeom>
+        </p:spPr>
+      </p:pic>
+    </p:spTree>
+    <p:extLst>
+      <p:ext uri="{BB962C8B-B14F-4D97-AF65-F5344CB8AC3E}">
+        <p14:creationId xmlns:p14="http://schemas.microsoft.com/office/powerpoint/2010/main" val="1361150822"/>
+      </p:ext>
+    </p:extLst>
+  </p:cSld>
+  <p:clrMapOvr>
+    <a:masterClrMapping/>
+  </p:clrMapOvr>
+  <p:timing>
+    <p:tnLst>
+      <p:par>
+        <p:cTn id="1" dur="indefinite" restart="never" nodeType="tmRoot"/>
+      </p:par>
+    </p:tnLst>
+  </p:timing>
+</p:sld>
+</file>
+
+<file path=ppt/slides/slide29.xml><?xml version="1.0" encoding="utf-8"?>
+<p:sld xmlns:a="http://schemas.openxmlformats.org/drawingml/2006/main" xmlns:r="http://schemas.openxmlformats.org/officeDocument/2006/relationships" xmlns:p="http://schemas.openxmlformats.org/presentationml/2006/main">
+  <p:cSld>
+    <p:spTree>
+      <p:nvGrpSpPr>
+        <p:cNvPr id="1" name=""/>
+        <p:cNvGrpSpPr/>
+        <p:nvPr/>
+      </p:nvGrpSpPr>
+      <p:grpSpPr>
+        <a:xfrm>
+          <a:off x="0" y="0"/>
+          <a:ext cx="0" cy="0"/>
+          <a:chOff x="0" y="0"/>
+          <a:chExt cx="0" cy="0"/>
+        </a:xfrm>
+      </p:grpSpPr>
+      <p:sp>
+        <p:nvSpPr>
+          <p:cNvPr id="2" name="Titolo 1"/>
+          <p:cNvSpPr>
+            <a:spLocks noGrp="1"/>
+          </p:cNvSpPr>
+          <p:nvPr>
+            <p:ph type="title"/>
+          </p:nvPr>
+        </p:nvSpPr>
+        <p:spPr>
+          <a:xfrm>
+            <a:off x="1673621" y="145576"/>
+            <a:ext cx="8596668" cy="1287439"/>
+          </a:xfrm>
+        </p:spPr>
+        <p:txBody>
+          <a:bodyPr>
+            <a:normAutofit/>
+          </a:bodyPr>
+          <a:lstStyle/>
+          <a:p>
+            <a:pPr algn="ctr"/>
+            <a:r>
+              <a:rPr lang="it-IT" b="1" dirty="0" smtClean="0"/>
+              <a:t>USO DELLE RISORSE LESSICALI</a:t>
+            </a:r>
+            <a:endParaRPr lang="it-IT" sz="4800" dirty="0"/>
+          </a:p>
+        </p:txBody>
+      </p:sp>
+      <p:pic>
+        <p:nvPicPr>
+          <p:cNvPr id="4" name="Immagine 3"/>
+          <p:cNvPicPr>
+            <a:picLocks noChangeAspect="1"/>
+          </p:cNvPicPr>
+          <p:nvPr/>
+        </p:nvPicPr>
+        <p:blipFill rotWithShape="1">
+          <a:blip r:embed="rId2">
+            <a:extLst>
+              <a:ext uri="{28A0092B-C50C-407E-A947-70E740481C1C}">
+                <a14:useLocalDpi xmlns:a14="http://schemas.microsoft.com/office/drawing/2010/main" val="0"/>
+              </a:ext>
+            </a:extLst>
+          </a:blip>
+          <a:srcRect l="578" r="161"/>
+          <a:stretch/>
+        </p:blipFill>
+        <p:spPr>
+          <a:xfrm>
+            <a:off x="1345363" y="1156363"/>
+            <a:ext cx="9253181" cy="2552700"/>
+          </a:xfrm>
+          <a:prstGeom prst="rect">
+            <a:avLst/>
+          </a:prstGeom>
+        </p:spPr>
+      </p:pic>
+      <p:sp>
+        <p:nvSpPr>
+          <p:cNvPr id="3" name="CasellaDiTesto 2"/>
+          <p:cNvSpPr txBox="1"/>
+          <p:nvPr/>
+        </p:nvSpPr>
+        <p:spPr>
+          <a:xfrm>
+            <a:off x="1154624" y="4215539"/>
+            <a:ext cx="10066149" cy="1754326"/>
+          </a:xfrm>
+          <a:prstGeom prst="rect">
+            <a:avLst/>
+          </a:prstGeom>
+          <a:noFill/>
+        </p:spPr>
+        <p:txBody>
+          <a:bodyPr wrap="square" rtlCol="0">
+            <a:spAutoFit/>
+          </a:bodyPr>
+          <a:lstStyle/>
+          <a:p>
+            <a:r>
+              <a:rPr lang="it-IT" dirty="0" smtClean="0"/>
+              <a:t>Analizzando grafico precedente, si è deciso di scartare le parole che hanno avuto una occorrenza inferiore a 10.</a:t>
+            </a:r>
+          </a:p>
+          <a:p>
+            <a:r>
+              <a:rPr lang="it-IT" dirty="0" smtClean="0"/>
+              <a:t>Il primo gruppo di colonne indica quante delle parole conteggiate sono presenti anche nelle risorse. Il secondo gruppo indica quante parole delle risorse sono state trovate anche nei nostri conteggi.</a:t>
+            </a:r>
+          </a:p>
+          <a:p>
+            <a:r>
+              <a:rPr lang="it-IT" dirty="0" smtClean="0"/>
+              <a:t>L’ultima colonna indica le nuove parole trovate non appartenenti a nessuna risorsa.</a:t>
+            </a:r>
+            <a:endParaRPr lang="it-IT" dirty="0"/>
+          </a:p>
+        </p:txBody>
+      </p:sp>
+    </p:spTree>
+    <p:extLst>
+      <p:ext uri="{BB962C8B-B14F-4D97-AF65-F5344CB8AC3E}">
+        <p14:creationId xmlns:p14="http://schemas.microsoft.com/office/powerpoint/2010/main" val="2810953764"/>
+      </p:ext>
+    </p:extLst>
+  </p:cSld>
+  <p:clrMapOvr>
+    <a:masterClrMapping/>
+  </p:clrMapOvr>
+  <p:timing>
+    <p:tnLst>
+      <p:par>
+        <p:cTn id="1" dur="indefinite" restart="never" nodeType="tmRoot"/>
+      </p:par>
+    </p:tnLst>
+  </p:timing>
+</p:sld>
+</file>
+
+<file path=ppt/slides/slide3.xml><?xml version="1.0" encoding="utf-8"?>
 <p:sld xmlns:a="http://schemas.openxmlformats.org/drawingml/2006/main" xmlns:r="http://schemas.openxmlformats.org/officeDocument/2006/relationships" xmlns:p="http://schemas.openxmlformats.org/presentationml/2006/main" showMasterSp="0">
   <p:cSld>
     <p:spTree>
@@ -8772,631 +10065,7 @@
 </p:sld>
 </file>
 
-<file path=ppt/slides/slide20.xml><?xml version="1.0" encoding="utf-8"?>
-<p:sld xmlns:a="http://schemas.openxmlformats.org/drawingml/2006/main" xmlns:r="http://schemas.openxmlformats.org/officeDocument/2006/relationships" xmlns:p="http://schemas.openxmlformats.org/presentationml/2006/main" showMasterSp="0">
-  <p:cSld>
-    <p:spTree>
-      <p:nvGrpSpPr>
-        <p:cNvPr id="1" name=""/>
-        <p:cNvGrpSpPr/>
-        <p:nvPr/>
-      </p:nvGrpSpPr>
-      <p:grpSpPr>
-        <a:xfrm>
-          <a:off x="0" y="0"/>
-          <a:ext cx="0" cy="0"/>
-          <a:chOff x="0" y="0"/>
-          <a:chExt cx="0" cy="0"/>
-        </a:xfrm>
-      </p:grpSpPr>
-      <p:sp>
-        <p:nvSpPr>
-          <p:cNvPr id="6" name="CasellaDiTesto 5"/>
-          <p:cNvSpPr txBox="1"/>
-          <p:nvPr/>
-        </p:nvSpPr>
-        <p:spPr>
-          <a:xfrm>
-            <a:off x="3875964" y="232012"/>
-            <a:ext cx="4162567" cy="923330"/>
-          </a:xfrm>
-          <a:prstGeom prst="rect">
-            <a:avLst/>
-          </a:prstGeom>
-          <a:noFill/>
-        </p:spPr>
-        <p:txBody>
-          <a:bodyPr wrap="square" rtlCol="0">
-            <a:spAutoFit/>
-          </a:bodyPr>
-          <a:lstStyle/>
-          <a:p>
-            <a:pPr algn="ctr"/>
-            <a:r>
-              <a:rPr lang="it-IT" sz="5400" dirty="0" smtClean="0">
-                <a:solidFill>
-                  <a:srgbClr val="5FCBEF"/>
-                </a:solidFill>
-                <a:ea typeface="+mj-ea"/>
-                <a:cs typeface="+mj-cs"/>
-              </a:rPr>
-              <a:t>Disgust</a:t>
-            </a:r>
-            <a:endParaRPr lang="it-IT" dirty="0"/>
-          </a:p>
-        </p:txBody>
-      </p:sp>
-      <p:pic>
-        <p:nvPicPr>
-          <p:cNvPr id="2" name="Immagine 1"/>
-          <p:cNvPicPr>
-            <a:picLocks noChangeAspect="1"/>
-          </p:cNvPicPr>
-          <p:nvPr/>
-        </p:nvPicPr>
-        <p:blipFill>
-          <a:blip r:embed="rId2">
-            <a:extLst>
-              <a:ext uri="{28A0092B-C50C-407E-A947-70E740481C1C}">
-                <a14:useLocalDpi xmlns:a14="http://schemas.microsoft.com/office/drawing/2010/main" val="0"/>
-              </a:ext>
-            </a:extLst>
-          </a:blip>
-          <a:stretch>
-            <a:fillRect/>
-          </a:stretch>
-        </p:blipFill>
-        <p:spPr>
-          <a:xfrm>
-            <a:off x="2250135" y="1155342"/>
-            <a:ext cx="7414224" cy="5538788"/>
-          </a:xfrm>
-          <a:prstGeom prst="rect">
-            <a:avLst/>
-          </a:prstGeom>
-        </p:spPr>
-      </p:pic>
-    </p:spTree>
-    <p:extLst>
-      <p:ext uri="{BB962C8B-B14F-4D97-AF65-F5344CB8AC3E}">
-        <p14:creationId xmlns:p14="http://schemas.microsoft.com/office/powerpoint/2010/main" val="1864712968"/>
-      </p:ext>
-    </p:extLst>
-  </p:cSld>
-  <p:clrMapOvr>
-    <a:masterClrMapping/>
-  </p:clrMapOvr>
-  <p:timing>
-    <p:tnLst>
-      <p:par>
-        <p:cTn id="1" dur="indefinite" restart="never" nodeType="tmRoot"/>
-      </p:par>
-    </p:tnLst>
-  </p:timing>
-</p:sld>
-</file>
-
-<file path=ppt/slides/slide21.xml><?xml version="1.0" encoding="utf-8"?>
-<p:sld xmlns:a="http://schemas.openxmlformats.org/drawingml/2006/main" xmlns:r="http://schemas.openxmlformats.org/officeDocument/2006/relationships" xmlns:p="http://schemas.openxmlformats.org/presentationml/2006/main" showMasterSp="0">
-  <p:cSld>
-    <p:spTree>
-      <p:nvGrpSpPr>
-        <p:cNvPr id="1" name=""/>
-        <p:cNvGrpSpPr/>
-        <p:nvPr/>
-      </p:nvGrpSpPr>
-      <p:grpSpPr>
-        <a:xfrm>
-          <a:off x="0" y="0"/>
-          <a:ext cx="0" cy="0"/>
-          <a:chOff x="0" y="0"/>
-          <a:chExt cx="0" cy="0"/>
-        </a:xfrm>
-      </p:grpSpPr>
-      <p:sp>
-        <p:nvSpPr>
-          <p:cNvPr id="6" name="CasellaDiTesto 5"/>
-          <p:cNvSpPr txBox="1"/>
-          <p:nvPr/>
-        </p:nvSpPr>
-        <p:spPr>
-          <a:xfrm>
-            <a:off x="3875964" y="232012"/>
-            <a:ext cx="4162567" cy="923330"/>
-          </a:xfrm>
-          <a:prstGeom prst="rect">
-            <a:avLst/>
-          </a:prstGeom>
-          <a:noFill/>
-        </p:spPr>
-        <p:txBody>
-          <a:bodyPr wrap="square" rtlCol="0">
-            <a:spAutoFit/>
-          </a:bodyPr>
-          <a:lstStyle/>
-          <a:p>
-            <a:pPr algn="ctr"/>
-            <a:r>
-              <a:rPr lang="it-IT" sz="5400" dirty="0" smtClean="0">
-                <a:solidFill>
-                  <a:srgbClr val="5FCBEF"/>
-                </a:solidFill>
-                <a:ea typeface="+mj-ea"/>
-                <a:cs typeface="+mj-cs"/>
-              </a:rPr>
-              <a:t>Fear</a:t>
-            </a:r>
-            <a:endParaRPr lang="it-IT" dirty="0"/>
-          </a:p>
-        </p:txBody>
-      </p:sp>
-      <p:pic>
-        <p:nvPicPr>
-          <p:cNvPr id="2" name="Immagine 1"/>
-          <p:cNvPicPr>
-            <a:picLocks noChangeAspect="1"/>
-          </p:cNvPicPr>
-          <p:nvPr/>
-        </p:nvPicPr>
-        <p:blipFill>
-          <a:blip r:embed="rId2">
-            <a:extLst>
-              <a:ext uri="{28A0092B-C50C-407E-A947-70E740481C1C}">
-                <a14:useLocalDpi xmlns:a14="http://schemas.microsoft.com/office/drawing/2010/main" val="0"/>
-              </a:ext>
-            </a:extLst>
-          </a:blip>
-          <a:stretch>
-            <a:fillRect/>
-          </a:stretch>
-        </p:blipFill>
-        <p:spPr>
-          <a:xfrm>
-            <a:off x="2241001" y="1155342"/>
-            <a:ext cx="7432492" cy="5552435"/>
-          </a:xfrm>
-          <a:prstGeom prst="rect">
-            <a:avLst/>
-          </a:prstGeom>
-        </p:spPr>
-      </p:pic>
-    </p:spTree>
-    <p:extLst>
-      <p:ext uri="{BB962C8B-B14F-4D97-AF65-F5344CB8AC3E}">
-        <p14:creationId xmlns:p14="http://schemas.microsoft.com/office/powerpoint/2010/main" val="530569833"/>
-      </p:ext>
-    </p:extLst>
-  </p:cSld>
-  <p:clrMapOvr>
-    <a:masterClrMapping/>
-  </p:clrMapOvr>
-  <p:timing>
-    <p:tnLst>
-      <p:par>
-        <p:cTn id="1" dur="indefinite" restart="never" nodeType="tmRoot"/>
-      </p:par>
-    </p:tnLst>
-  </p:timing>
-</p:sld>
-</file>
-
-<file path=ppt/slides/slide22.xml><?xml version="1.0" encoding="utf-8"?>
-<p:sld xmlns:a="http://schemas.openxmlformats.org/drawingml/2006/main" xmlns:r="http://schemas.openxmlformats.org/officeDocument/2006/relationships" xmlns:p="http://schemas.openxmlformats.org/presentationml/2006/main" showMasterSp="0">
-  <p:cSld>
-    <p:spTree>
-      <p:nvGrpSpPr>
-        <p:cNvPr id="1" name=""/>
-        <p:cNvGrpSpPr/>
-        <p:nvPr/>
-      </p:nvGrpSpPr>
-      <p:grpSpPr>
-        <a:xfrm>
-          <a:off x="0" y="0"/>
-          <a:ext cx="0" cy="0"/>
-          <a:chOff x="0" y="0"/>
-          <a:chExt cx="0" cy="0"/>
-        </a:xfrm>
-      </p:grpSpPr>
-      <p:sp>
-        <p:nvSpPr>
-          <p:cNvPr id="6" name="CasellaDiTesto 5"/>
-          <p:cNvSpPr txBox="1"/>
-          <p:nvPr/>
-        </p:nvSpPr>
-        <p:spPr>
-          <a:xfrm>
-            <a:off x="3875964" y="232012"/>
-            <a:ext cx="4162567" cy="923330"/>
-          </a:xfrm>
-          <a:prstGeom prst="rect">
-            <a:avLst/>
-          </a:prstGeom>
-          <a:noFill/>
-        </p:spPr>
-        <p:txBody>
-          <a:bodyPr wrap="square" rtlCol="0">
-            <a:spAutoFit/>
-          </a:bodyPr>
-          <a:lstStyle/>
-          <a:p>
-            <a:pPr algn="ctr"/>
-            <a:r>
-              <a:rPr lang="it-IT" sz="5400" dirty="0" smtClean="0">
-                <a:solidFill>
-                  <a:srgbClr val="5FCBEF"/>
-                </a:solidFill>
-                <a:ea typeface="+mj-ea"/>
-                <a:cs typeface="+mj-cs"/>
-              </a:rPr>
-              <a:t>Anticipation</a:t>
-            </a:r>
-            <a:endParaRPr lang="it-IT" dirty="0"/>
-          </a:p>
-        </p:txBody>
-      </p:sp>
-      <p:pic>
-        <p:nvPicPr>
-          <p:cNvPr id="2" name="Immagine 1"/>
-          <p:cNvPicPr>
-            <a:picLocks noChangeAspect="1"/>
-          </p:cNvPicPr>
-          <p:nvPr/>
-        </p:nvPicPr>
-        <p:blipFill>
-          <a:blip r:embed="rId2">
-            <a:extLst>
-              <a:ext uri="{28A0092B-C50C-407E-A947-70E740481C1C}">
-                <a14:useLocalDpi xmlns:a14="http://schemas.microsoft.com/office/drawing/2010/main" val="0"/>
-              </a:ext>
-            </a:extLst>
-          </a:blip>
-          <a:stretch>
-            <a:fillRect/>
-          </a:stretch>
-        </p:blipFill>
-        <p:spPr>
-          <a:xfrm>
-            <a:off x="2218099" y="1155342"/>
-            <a:ext cx="7485459" cy="5592004"/>
-          </a:xfrm>
-          <a:prstGeom prst="rect">
-            <a:avLst/>
-          </a:prstGeom>
-        </p:spPr>
-      </p:pic>
-    </p:spTree>
-    <p:extLst>
-      <p:ext uri="{BB962C8B-B14F-4D97-AF65-F5344CB8AC3E}">
-        <p14:creationId xmlns:p14="http://schemas.microsoft.com/office/powerpoint/2010/main" val="3594345315"/>
-      </p:ext>
-    </p:extLst>
-  </p:cSld>
-  <p:clrMapOvr>
-    <a:masterClrMapping/>
-  </p:clrMapOvr>
-  <p:timing>
-    <p:tnLst>
-      <p:par>
-        <p:cTn id="1" dur="indefinite" restart="never" nodeType="tmRoot"/>
-      </p:par>
-    </p:tnLst>
-  </p:timing>
-</p:sld>
-</file>
-
-<file path=ppt/slides/slide23.xml><?xml version="1.0" encoding="utf-8"?>
-<p:sld xmlns:a="http://schemas.openxmlformats.org/drawingml/2006/main" xmlns:r="http://schemas.openxmlformats.org/officeDocument/2006/relationships" xmlns:p="http://schemas.openxmlformats.org/presentationml/2006/main" showMasterSp="0">
-  <p:cSld>
-    <p:spTree>
-      <p:nvGrpSpPr>
-        <p:cNvPr id="1" name=""/>
-        <p:cNvGrpSpPr/>
-        <p:nvPr/>
-      </p:nvGrpSpPr>
-      <p:grpSpPr>
-        <a:xfrm>
-          <a:off x="0" y="0"/>
-          <a:ext cx="0" cy="0"/>
-          <a:chOff x="0" y="0"/>
-          <a:chExt cx="0" cy="0"/>
-        </a:xfrm>
-      </p:grpSpPr>
-      <p:sp>
-        <p:nvSpPr>
-          <p:cNvPr id="6" name="CasellaDiTesto 5"/>
-          <p:cNvSpPr txBox="1"/>
-          <p:nvPr/>
-        </p:nvSpPr>
-        <p:spPr>
-          <a:xfrm>
-            <a:off x="3875964" y="232012"/>
-            <a:ext cx="4162567" cy="923330"/>
-          </a:xfrm>
-          <a:prstGeom prst="rect">
-            <a:avLst/>
-          </a:prstGeom>
-          <a:noFill/>
-        </p:spPr>
-        <p:txBody>
-          <a:bodyPr wrap="square" rtlCol="0">
-            <a:spAutoFit/>
-          </a:bodyPr>
-          <a:lstStyle/>
-          <a:p>
-            <a:pPr algn="ctr"/>
-            <a:r>
-              <a:rPr lang="it-IT" sz="5400" dirty="0" smtClean="0">
-                <a:solidFill>
-                  <a:srgbClr val="5FCBEF"/>
-                </a:solidFill>
-                <a:ea typeface="+mj-ea"/>
-                <a:cs typeface="+mj-cs"/>
-              </a:rPr>
-              <a:t>Sadness</a:t>
-            </a:r>
-            <a:endParaRPr lang="it-IT" dirty="0"/>
-          </a:p>
-        </p:txBody>
-      </p:sp>
-      <p:pic>
-        <p:nvPicPr>
-          <p:cNvPr id="3" name="Immagine 2"/>
-          <p:cNvPicPr>
-            <a:picLocks noChangeAspect="1"/>
-          </p:cNvPicPr>
-          <p:nvPr/>
-        </p:nvPicPr>
-        <p:blipFill>
-          <a:blip r:embed="rId2">
-            <a:extLst>
-              <a:ext uri="{28A0092B-C50C-407E-A947-70E740481C1C}">
-                <a14:useLocalDpi xmlns:a14="http://schemas.microsoft.com/office/drawing/2010/main" val="0"/>
-              </a:ext>
-            </a:extLst>
-          </a:blip>
-          <a:stretch>
-            <a:fillRect/>
-          </a:stretch>
-        </p:blipFill>
-        <p:spPr>
-          <a:xfrm>
-            <a:off x="2076515" y="1155342"/>
-            <a:ext cx="7761463" cy="5798192"/>
-          </a:xfrm>
-          <a:prstGeom prst="rect">
-            <a:avLst/>
-          </a:prstGeom>
-        </p:spPr>
-      </p:pic>
-    </p:spTree>
-    <p:extLst>
-      <p:ext uri="{BB962C8B-B14F-4D97-AF65-F5344CB8AC3E}">
-        <p14:creationId xmlns:p14="http://schemas.microsoft.com/office/powerpoint/2010/main" val="3442325161"/>
-      </p:ext>
-    </p:extLst>
-  </p:cSld>
-  <p:clrMapOvr>
-    <a:masterClrMapping/>
-  </p:clrMapOvr>
-  <p:timing>
-    <p:tnLst>
-      <p:par>
-        <p:cTn id="1" dur="indefinite" restart="never" nodeType="tmRoot"/>
-      </p:par>
-    </p:tnLst>
-  </p:timing>
-</p:sld>
-</file>
-
-<file path=ppt/slides/slide24.xml><?xml version="1.0" encoding="utf-8"?>
-<p:sld xmlns:a="http://schemas.openxmlformats.org/drawingml/2006/main" xmlns:r="http://schemas.openxmlformats.org/officeDocument/2006/relationships" xmlns:p="http://schemas.openxmlformats.org/presentationml/2006/main" showMasterSp="0">
-  <p:cSld>
-    <p:spTree>
-      <p:nvGrpSpPr>
-        <p:cNvPr id="1" name=""/>
-        <p:cNvGrpSpPr/>
-        <p:nvPr/>
-      </p:nvGrpSpPr>
-      <p:grpSpPr>
-        <a:xfrm>
-          <a:off x="0" y="0"/>
-          <a:ext cx="0" cy="0"/>
-          <a:chOff x="0" y="0"/>
-          <a:chExt cx="0" cy="0"/>
-        </a:xfrm>
-      </p:grpSpPr>
-      <p:sp>
-        <p:nvSpPr>
-          <p:cNvPr id="6" name="CasellaDiTesto 5"/>
-          <p:cNvSpPr txBox="1"/>
-          <p:nvPr/>
-        </p:nvSpPr>
-        <p:spPr>
-          <a:xfrm>
-            <a:off x="3875964" y="232012"/>
-            <a:ext cx="4162567" cy="923330"/>
-          </a:xfrm>
-          <a:prstGeom prst="rect">
-            <a:avLst/>
-          </a:prstGeom>
-          <a:noFill/>
-        </p:spPr>
-        <p:txBody>
-          <a:bodyPr wrap="square" rtlCol="0">
-            <a:spAutoFit/>
-          </a:bodyPr>
-          <a:lstStyle/>
-          <a:p>
-            <a:pPr algn="ctr"/>
-            <a:r>
-              <a:rPr lang="it-IT" sz="5400" dirty="0" smtClean="0">
-                <a:solidFill>
-                  <a:srgbClr val="5FCBEF"/>
-                </a:solidFill>
-                <a:ea typeface="+mj-ea"/>
-                <a:cs typeface="+mj-cs"/>
-              </a:rPr>
-              <a:t>Surprise</a:t>
-            </a:r>
-            <a:endParaRPr lang="it-IT" dirty="0"/>
-          </a:p>
-        </p:txBody>
-      </p:sp>
-      <p:pic>
-        <p:nvPicPr>
-          <p:cNvPr id="2" name="Immagine 1"/>
-          <p:cNvPicPr>
-            <a:picLocks noChangeAspect="1"/>
-          </p:cNvPicPr>
-          <p:nvPr/>
-        </p:nvPicPr>
-        <p:blipFill>
-          <a:blip r:embed="rId2">
-            <a:extLst>
-              <a:ext uri="{28A0092B-C50C-407E-A947-70E740481C1C}">
-                <a14:useLocalDpi xmlns:a14="http://schemas.microsoft.com/office/drawing/2010/main" val="0"/>
-              </a:ext>
-            </a:extLst>
-          </a:blip>
-          <a:stretch>
-            <a:fillRect/>
-          </a:stretch>
-        </p:blipFill>
-        <p:spPr>
-          <a:xfrm>
-            <a:off x="2140456" y="1155342"/>
-            <a:ext cx="7633581" cy="5702658"/>
-          </a:xfrm>
-          <a:prstGeom prst="rect">
-            <a:avLst/>
-          </a:prstGeom>
-        </p:spPr>
-      </p:pic>
-    </p:spTree>
-    <p:extLst>
-      <p:ext uri="{BB962C8B-B14F-4D97-AF65-F5344CB8AC3E}">
-        <p14:creationId xmlns:p14="http://schemas.microsoft.com/office/powerpoint/2010/main" val="2760601342"/>
-      </p:ext>
-    </p:extLst>
-  </p:cSld>
-  <p:clrMapOvr>
-    <a:masterClrMapping/>
-  </p:clrMapOvr>
-  <p:timing>
-    <p:tnLst>
-      <p:par>
-        <p:cTn id="1" dur="indefinite" restart="never" nodeType="tmRoot"/>
-      </p:par>
-    </p:tnLst>
-  </p:timing>
-</p:sld>
-</file>
-
-<file path=ppt/slides/slide25.xml><?xml version="1.0" encoding="utf-8"?>
-<p:sld xmlns:a="http://schemas.openxmlformats.org/drawingml/2006/main" xmlns:r="http://schemas.openxmlformats.org/officeDocument/2006/relationships" xmlns:p="http://schemas.openxmlformats.org/presentationml/2006/main" showMasterSp="0">
-  <p:cSld>
-    <p:spTree>
-      <p:nvGrpSpPr>
-        <p:cNvPr id="1" name=""/>
-        <p:cNvGrpSpPr/>
-        <p:nvPr/>
-      </p:nvGrpSpPr>
-      <p:grpSpPr>
-        <a:xfrm>
-          <a:off x="0" y="0"/>
-          <a:ext cx="0" cy="0"/>
-          <a:chOff x="0" y="0"/>
-          <a:chExt cx="0" cy="0"/>
-        </a:xfrm>
-      </p:grpSpPr>
-      <p:sp>
-        <p:nvSpPr>
-          <p:cNvPr id="6" name="CasellaDiTesto 5"/>
-          <p:cNvSpPr txBox="1"/>
-          <p:nvPr/>
-        </p:nvSpPr>
-        <p:spPr>
-          <a:xfrm>
-            <a:off x="3875964" y="232012"/>
-            <a:ext cx="4162567" cy="923330"/>
-          </a:xfrm>
-          <a:prstGeom prst="rect">
-            <a:avLst/>
-          </a:prstGeom>
-          <a:noFill/>
-        </p:spPr>
-        <p:txBody>
-          <a:bodyPr wrap="square" rtlCol="0">
-            <a:spAutoFit/>
-          </a:bodyPr>
-          <a:lstStyle/>
-          <a:p>
-            <a:pPr algn="ctr"/>
-            <a:r>
-              <a:rPr lang="it-IT" sz="5400" dirty="0" smtClean="0">
-                <a:solidFill>
-                  <a:srgbClr val="5FCBEF"/>
-                </a:solidFill>
-                <a:ea typeface="+mj-ea"/>
-                <a:cs typeface="+mj-cs"/>
-              </a:rPr>
-              <a:t>Trust</a:t>
-            </a:r>
-            <a:endParaRPr lang="it-IT" dirty="0"/>
-          </a:p>
-        </p:txBody>
-      </p:sp>
-      <p:pic>
-        <p:nvPicPr>
-          <p:cNvPr id="3" name="Immagine 2"/>
-          <p:cNvPicPr>
-            <a:picLocks noChangeAspect="1"/>
-          </p:cNvPicPr>
-          <p:nvPr/>
-        </p:nvPicPr>
-        <p:blipFill>
-          <a:blip r:embed="rId2">
-            <a:extLst>
-              <a:ext uri="{28A0092B-C50C-407E-A947-70E740481C1C}">
-                <a14:useLocalDpi xmlns:a14="http://schemas.microsoft.com/office/drawing/2010/main" val="0"/>
-              </a:ext>
-            </a:extLst>
-          </a:blip>
-          <a:stretch>
-            <a:fillRect/>
-          </a:stretch>
-        </p:blipFill>
-        <p:spPr>
-          <a:xfrm>
-            <a:off x="2254637" y="1155342"/>
-            <a:ext cx="7405219" cy="5532061"/>
-          </a:xfrm>
-          <a:prstGeom prst="rect">
-            <a:avLst/>
-          </a:prstGeom>
-        </p:spPr>
-      </p:pic>
-    </p:spTree>
-    <p:extLst>
-      <p:ext uri="{BB962C8B-B14F-4D97-AF65-F5344CB8AC3E}">
-        <p14:creationId xmlns:p14="http://schemas.microsoft.com/office/powerpoint/2010/main" val="2822923756"/>
-      </p:ext>
-    </p:extLst>
-  </p:cSld>
-  <p:clrMapOvr>
-    <a:masterClrMapping/>
-  </p:clrMapOvr>
-  <p:timing>
-    <p:tnLst>
-      <p:par>
-        <p:cTn id="1" dur="indefinite" restart="never" nodeType="tmRoot"/>
-      </p:par>
-    </p:tnLst>
-  </p:timing>
-</p:sld>
-</file>
-
-<file path=ppt/slides/slide26.xml><?xml version="1.0" encoding="utf-8"?>
+<file path=ppt/slides/slide30.xml><?xml version="1.0" encoding="utf-8"?>
 <p:sld xmlns:a="http://schemas.openxmlformats.org/drawingml/2006/main" xmlns:r="http://schemas.openxmlformats.org/officeDocument/2006/relationships" xmlns:p="http://schemas.openxmlformats.org/presentationml/2006/main">
   <p:cSld>
     <p:spTree>
@@ -9415,327 +10084,6 @@
       </p:grpSpPr>
       <p:sp>
         <p:nvSpPr>
-          <p:cNvPr id="2" name="Titolo 1"/>
-          <p:cNvSpPr>
-            <a:spLocks noGrp="1"/>
-          </p:cNvSpPr>
-          <p:nvPr>
-            <p:ph type="title"/>
-          </p:nvPr>
-        </p:nvSpPr>
-        <p:spPr>
-          <a:xfrm>
-            <a:off x="2369658" y="3343703"/>
-            <a:ext cx="5245793" cy="610540"/>
-          </a:xfrm>
-        </p:spPr>
-        <p:txBody>
-          <a:bodyPr>
-            <a:normAutofit fontScale="90000"/>
-          </a:bodyPr>
-          <a:lstStyle/>
-          <a:p>
-            <a:r>
-              <a:rPr lang="it-IT" dirty="0" smtClean="0"/>
-              <a:t>STATISTICHE REALIZZATE</a:t>
-            </a:r>
-            <a:endParaRPr lang="it-IT" dirty="0"/>
-          </a:p>
-        </p:txBody>
-      </p:sp>
-    </p:spTree>
-    <p:extLst>
-      <p:ext uri="{BB962C8B-B14F-4D97-AF65-F5344CB8AC3E}">
-        <p14:creationId xmlns:p14="http://schemas.microsoft.com/office/powerpoint/2010/main" val="1163050008"/>
-      </p:ext>
-    </p:extLst>
-  </p:cSld>
-  <p:clrMapOvr>
-    <a:masterClrMapping/>
-  </p:clrMapOvr>
-  <p:timing>
-    <p:tnLst>
-      <p:par>
-        <p:cTn id="1" dur="indefinite" restart="never" nodeType="tmRoot"/>
-      </p:par>
-    </p:tnLst>
-  </p:timing>
-</p:sld>
-</file>
-
-<file path=ppt/slides/slide27.xml><?xml version="1.0" encoding="utf-8"?>
-<p:sld xmlns:a="http://schemas.openxmlformats.org/drawingml/2006/main" xmlns:r="http://schemas.openxmlformats.org/officeDocument/2006/relationships" xmlns:p="http://schemas.openxmlformats.org/presentationml/2006/main">
-  <p:cSld>
-    <p:spTree>
-      <p:nvGrpSpPr>
-        <p:cNvPr id="1" name=""/>
-        <p:cNvGrpSpPr/>
-        <p:nvPr/>
-      </p:nvGrpSpPr>
-      <p:grpSpPr>
-        <a:xfrm>
-          <a:off x="0" y="0"/>
-          <a:ext cx="0" cy="0"/>
-          <a:chOff x="0" y="0"/>
-          <a:chExt cx="0" cy="0"/>
-        </a:xfrm>
-      </p:grpSpPr>
-      <p:sp>
-        <p:nvSpPr>
-          <p:cNvPr id="6" name="Rettangolo 5"/>
-          <p:cNvSpPr/>
-          <p:nvPr/>
-        </p:nvSpPr>
-        <p:spPr>
-          <a:xfrm>
-            <a:off x="564108" y="269741"/>
-            <a:ext cx="9262280" cy="707886"/>
-          </a:xfrm>
-          <a:prstGeom prst="rect">
-            <a:avLst/>
-          </a:prstGeom>
-        </p:spPr>
-        <p:txBody>
-          <a:bodyPr wrap="square">
-            <a:spAutoFit/>
-          </a:bodyPr>
-          <a:lstStyle/>
-          <a:p>
-            <a:r>
-              <a:rPr lang="it-IT" sz="4000" dirty="0" smtClean="0">
-                <a:solidFill>
-                  <a:srgbClr val="5FCBEF"/>
-                </a:solidFill>
-                <a:ea typeface="+mj-ea"/>
-                <a:cs typeface="+mj-cs"/>
-              </a:rPr>
-              <a:t>FREQUENZA DEI TERMINI CONTEGGIATI </a:t>
-            </a:r>
-            <a:endParaRPr lang="it-IT" dirty="0"/>
-          </a:p>
-        </p:txBody>
-      </p:sp>
-      <p:pic>
-        <p:nvPicPr>
-          <p:cNvPr id="8" name="Immagine 7"/>
-          <p:cNvPicPr>
-            <a:picLocks noChangeAspect="1"/>
-          </p:cNvPicPr>
-          <p:nvPr/>
-        </p:nvPicPr>
-        <p:blipFill>
-          <a:blip r:embed="rId2">
-            <a:extLst>
-              <a:ext uri="{28A0092B-C50C-407E-A947-70E740481C1C}">
-                <a14:useLocalDpi xmlns:a14="http://schemas.microsoft.com/office/drawing/2010/main" val="0"/>
-              </a:ext>
-            </a:extLst>
-          </a:blip>
-          <a:stretch>
-            <a:fillRect/>
-          </a:stretch>
-        </p:blipFill>
-        <p:spPr>
-          <a:xfrm>
-            <a:off x="245659" y="1123322"/>
-            <a:ext cx="8952932" cy="4548796"/>
-          </a:xfrm>
-          <a:prstGeom prst="rect">
-            <a:avLst/>
-          </a:prstGeom>
-        </p:spPr>
-      </p:pic>
-    </p:spTree>
-    <p:extLst>
-      <p:ext uri="{BB962C8B-B14F-4D97-AF65-F5344CB8AC3E}">
-        <p14:creationId xmlns:p14="http://schemas.microsoft.com/office/powerpoint/2010/main" val="1361150822"/>
-      </p:ext>
-    </p:extLst>
-  </p:cSld>
-  <p:clrMapOvr>
-    <a:masterClrMapping/>
-  </p:clrMapOvr>
-  <p:timing>
-    <p:tnLst>
-      <p:par>
-        <p:cTn id="1" dur="indefinite" restart="never" nodeType="tmRoot"/>
-      </p:par>
-    </p:tnLst>
-  </p:timing>
-</p:sld>
-</file>
-
-<file path=ppt/slides/slide28.xml><?xml version="1.0" encoding="utf-8"?>
-<p:sld xmlns:a="http://schemas.openxmlformats.org/drawingml/2006/main" xmlns:r="http://schemas.openxmlformats.org/officeDocument/2006/relationships" xmlns:p="http://schemas.openxmlformats.org/presentationml/2006/main">
-  <p:cSld>
-    <p:spTree>
-      <p:nvGrpSpPr>
-        <p:cNvPr id="1" name=""/>
-        <p:cNvGrpSpPr/>
-        <p:nvPr/>
-      </p:nvGrpSpPr>
-      <p:grpSpPr>
-        <a:xfrm>
-          <a:off x="0" y="0"/>
-          <a:ext cx="0" cy="0"/>
-          <a:chOff x="0" y="0"/>
-          <a:chExt cx="0" cy="0"/>
-        </a:xfrm>
-      </p:grpSpPr>
-      <p:sp>
-        <p:nvSpPr>
-          <p:cNvPr id="2" name="Titolo 1"/>
-          <p:cNvSpPr>
-            <a:spLocks noGrp="1"/>
-          </p:cNvSpPr>
-          <p:nvPr>
-            <p:ph type="title"/>
-          </p:nvPr>
-        </p:nvSpPr>
-        <p:spPr>
-          <a:xfrm>
-            <a:off x="1673621" y="145576"/>
-            <a:ext cx="8596668" cy="1287439"/>
-          </a:xfrm>
-        </p:spPr>
-        <p:txBody>
-          <a:bodyPr>
-            <a:normAutofit/>
-          </a:bodyPr>
-          <a:lstStyle/>
-          <a:p>
-            <a:pPr algn="ctr"/>
-            <a:r>
-              <a:rPr lang="it-IT" b="1" dirty="0" smtClean="0"/>
-              <a:t>USO DELLE RISORSE LESSICALI</a:t>
-            </a:r>
-            <a:endParaRPr lang="it-IT" sz="4800" dirty="0"/>
-          </a:p>
-        </p:txBody>
-      </p:sp>
-      <p:pic>
-        <p:nvPicPr>
-          <p:cNvPr id="4" name="Immagine 3"/>
-          <p:cNvPicPr>
-            <a:picLocks noChangeAspect="1"/>
-          </p:cNvPicPr>
-          <p:nvPr/>
-        </p:nvPicPr>
-        <p:blipFill rotWithShape="1">
-          <a:blip r:embed="rId2">
-            <a:extLst>
-              <a:ext uri="{28A0092B-C50C-407E-A947-70E740481C1C}">
-                <a14:useLocalDpi xmlns:a14="http://schemas.microsoft.com/office/drawing/2010/main" val="0"/>
-              </a:ext>
-            </a:extLst>
-          </a:blip>
-          <a:srcRect l="578" r="161"/>
-          <a:stretch/>
-        </p:blipFill>
-        <p:spPr>
-          <a:xfrm>
-            <a:off x="1345364" y="1156363"/>
-            <a:ext cx="9253181" cy="2552700"/>
-          </a:xfrm>
-          <a:prstGeom prst="rect">
-            <a:avLst/>
-          </a:prstGeom>
-        </p:spPr>
-      </p:pic>
-      <p:sp>
-        <p:nvSpPr>
-          <p:cNvPr id="3" name="CasellaDiTesto 2"/>
-          <p:cNvSpPr txBox="1"/>
-          <p:nvPr/>
-        </p:nvSpPr>
-        <p:spPr>
-          <a:xfrm>
-            <a:off x="1154624" y="4215539"/>
-            <a:ext cx="10066149" cy="1754326"/>
-          </a:xfrm>
-          <a:prstGeom prst="rect">
-            <a:avLst/>
-          </a:prstGeom>
-          <a:noFill/>
-        </p:spPr>
-        <p:txBody>
-          <a:bodyPr wrap="square" rtlCol="0">
-            <a:spAutoFit/>
-          </a:bodyPr>
-          <a:lstStyle/>
-          <a:p>
-            <a:r>
-              <a:rPr lang="it-IT" dirty="0" smtClean="0"/>
-              <a:t>Analizzando grafico precedente, si è deciso di scartare le parole che hanno avuto una occorrenza inferiore a 10.</a:t>
-            </a:r>
-          </a:p>
-          <a:p>
-            <a:r>
-              <a:rPr lang="it-IT" dirty="0" smtClean="0"/>
-              <a:t>Il primo gruppo di colonne indica </a:t>
-            </a:r>
-            <a:r>
-              <a:rPr lang="it-IT" dirty="0" smtClean="0"/>
-              <a:t>quante delle parole conteggiate sono presenti anche nelle risorse. Il secondo gruppo indica quante parole delle risorse sono state trovate anche nei nostri conteggi.</a:t>
-            </a:r>
-            <a:endParaRPr lang="it-IT" dirty="0" smtClean="0"/>
-          </a:p>
-          <a:p>
-            <a:r>
-              <a:rPr lang="it-IT" dirty="0" smtClean="0"/>
-              <a:t>L’ultima colonna indica le nuove parole trovate non appartenenti a </a:t>
-            </a:r>
-            <a:r>
-              <a:rPr lang="it-IT" dirty="0" smtClean="0"/>
-              <a:t>nessuna risorsa</a:t>
-            </a:r>
-            <a:r>
-              <a:rPr lang="it-IT" dirty="0" smtClean="0"/>
-              <a:t>.</a:t>
-            </a:r>
-            <a:endParaRPr lang="it-IT" dirty="0"/>
-          </a:p>
-        </p:txBody>
-      </p:sp>
-    </p:spTree>
-    <p:extLst>
-      <p:ext uri="{BB962C8B-B14F-4D97-AF65-F5344CB8AC3E}">
-        <p14:creationId xmlns:p14="http://schemas.microsoft.com/office/powerpoint/2010/main" val="2810953764"/>
-      </p:ext>
-    </p:extLst>
-  </p:cSld>
-  <p:clrMapOvr>
-    <a:masterClrMapping/>
-  </p:clrMapOvr>
-  <p:timing>
-    <p:tnLst>
-      <p:par>
-        <p:cTn id="1" dur="indefinite" restart="never" nodeType="tmRoot"/>
-      </p:par>
-    </p:tnLst>
-  </p:timing>
-</p:sld>
-</file>
-
-<file path=ppt/slides/slide29.xml><?xml version="1.0" encoding="utf-8"?>
-<p:sld xmlns:a="http://schemas.openxmlformats.org/drawingml/2006/main" xmlns:r="http://schemas.openxmlformats.org/officeDocument/2006/relationships" xmlns:p="http://schemas.openxmlformats.org/presentationml/2006/main">
-  <p:cSld>
-    <p:spTree>
-      <p:nvGrpSpPr>
-        <p:cNvPr id="1" name=""/>
-        <p:cNvGrpSpPr/>
-        <p:nvPr/>
-      </p:nvGrpSpPr>
-      <p:grpSpPr>
-        <a:xfrm>
-          <a:off x="0" y="0"/>
-          <a:ext cx="0" cy="0"/>
-          <a:chOff x="0" y="0"/>
-          <a:chExt cx="0" cy="0"/>
-        </a:xfrm>
-      </p:grpSpPr>
-      <p:sp>
-        <p:nvSpPr>
           <p:cNvPr id="3" name="Segnaposto contenuto 2"/>
           <p:cNvSpPr>
             <a:spLocks noGrp="1"/>
@@ -9800,7 +10148,7 @@
               <a:rPr lang="it-IT" dirty="0"/>
             </a:br>
             <a:r>
-              <a:rPr lang="it-IT" smtClean="0"/>
+              <a:rPr lang="it-IT" dirty="0" smtClean="0"/>
               <a:t>Inoltre </a:t>
             </a:r>
             <a:r>
@@ -9809,11 +10157,19 @@
             </a:r>
             <a:r>
               <a:rPr lang="it-IT" dirty="0" smtClean="0"/>
-              <a:t>cluster in mongodb </a:t>
+              <a:t>cluster in </a:t>
+            </a:r>
+            <a:r>
+              <a:rPr lang="it-IT" dirty="0" err="1" smtClean="0"/>
+              <a:t>MongoDB</a:t>
+            </a:r>
+            <a:r>
+              <a:rPr lang="it-IT" dirty="0" smtClean="0"/>
+              <a:t> è </a:t>
             </a:r>
             <a:r>
               <a:rPr lang="it-IT" dirty="0"/>
-              <a:t>è risultata 4 volte più lenta, a causa </a:t>
+              <a:t>risultata 4 volte più lenta, a causa </a:t>
             </a:r>
             <a:r>
               <a:rPr lang="it-IT" dirty="0" smtClean="0"/>
@@ -10123,11 +10479,7 @@
             <a:pPr algn="ctr"/>
             <a:r>
               <a:rPr lang="it-IT" b="1" dirty="0" smtClean="0"/>
-              <a:t>COMPARAZIONE </a:t>
-            </a:r>
-            <a:r>
-              <a:rPr lang="it-IT" b="1" dirty="0" smtClean="0"/>
-              <a:t>PRESTAZIONI</a:t>
+              <a:t>COMPARAZIONE PRESTAZIONI</a:t>
             </a:r>
             <a:endParaRPr lang="it-IT" sz="4800" dirty="0"/>
           </a:p>
@@ -10184,7 +10536,7 @@
 </p:sld>
 </file>
 
-<file path=ppt/slides/slide3.xml><?xml version="1.0" encoding="utf-8"?>
+<file path=ppt/slides/slide4.xml><?xml version="1.0" encoding="utf-8"?>
 <p:sld xmlns:a="http://schemas.openxmlformats.org/drawingml/2006/main" xmlns:r="http://schemas.openxmlformats.org/officeDocument/2006/relationships" xmlns:p="http://schemas.openxmlformats.org/presentationml/2006/main" showMasterSp="0">
   <p:cSld>
     <p:spTree>
@@ -10280,7 +10632,7 @@
 </p:sld>
 </file>
 
-<file path=ppt/slides/slide4.xml><?xml version="1.0" encoding="utf-8"?>
+<file path=ppt/slides/slide5.xml><?xml version="1.0" encoding="utf-8"?>
 <p:sld xmlns:a="http://schemas.openxmlformats.org/drawingml/2006/main" xmlns:r="http://schemas.openxmlformats.org/officeDocument/2006/relationships" xmlns:p="http://schemas.openxmlformats.org/presentationml/2006/main" showMasterSp="0">
   <p:cSld>
     <p:spTree>
@@ -10374,7 +10726,7 @@
         <p:spPr>
           <a:xfrm>
             <a:off x="396909" y="2814715"/>
-            <a:ext cx="3402072" cy="2031325"/>
+            <a:ext cx="3402072" cy="1200329"/>
           </a:xfrm>
           <a:prstGeom prst="rect">
             <a:avLst/>
@@ -10389,55 +10741,13 @@
           <a:p>
             <a:r>
               <a:rPr lang="it-IT" dirty="0" smtClean="0"/>
-              <a:t>La comunicazione tra i due host è </a:t>
-            </a:r>
-            <a:r>
-              <a:rPr lang="it-IT" dirty="0" smtClean="0"/>
-              <a:t>gestita </a:t>
-            </a:r>
-            <a:r>
-              <a:rPr lang="it-IT" dirty="0" smtClean="0"/>
-              <a:t>mediante richieste HTTP POST con </a:t>
-            </a:r>
-            <a:r>
-              <a:rPr lang="it-IT" dirty="0" smtClean="0"/>
-              <a:t>dati codificati in </a:t>
+              <a:t>La comunicazione tra i due host è gestita mediante richieste HTTP POST con dati codificati in </a:t>
             </a:r>
             <a:r>
               <a:rPr lang="it-IT" dirty="0" smtClean="0"/>
               <a:t>JSON</a:t>
             </a:r>
-            <a:r>
-              <a:rPr lang="it-IT" dirty="0" smtClean="0"/>
-              <a:t>.</a:t>
-            </a:r>
-          </a:p>
-          <a:p>
-            <a:r>
-              <a:rPr lang="it-IT" dirty="0" smtClean="0"/>
-              <a:t>Ogni </a:t>
-            </a:r>
-            <a:r>
-              <a:rPr lang="it-IT" dirty="0" err="1" smtClean="0"/>
-              <a:t>host</a:t>
-            </a:r>
-            <a:r>
-              <a:rPr lang="it-IT" dirty="0" smtClean="0"/>
-              <a:t> comunica direttamente col proprio </a:t>
-            </a:r>
-            <a:r>
-              <a:rPr lang="it-IT" dirty="0" err="1" smtClean="0"/>
-              <a:t>shard</a:t>
-            </a:r>
-            <a:r>
-              <a:rPr lang="it-IT" dirty="0" smtClean="0"/>
-              <a:t> in locale</a:t>
-            </a:r>
-            <a:r>
-              <a:rPr lang="it-IT" dirty="0" smtClean="0"/>
-              <a:t>	</a:t>
-            </a:r>
-            <a:endParaRPr lang="it-IT" dirty="0"/>
+            <a:endParaRPr lang="it-IT" dirty="0" smtClean="0"/>
           </a:p>
         </p:txBody>
       </p:sp>
@@ -10461,7 +10771,7 @@
 </p:sld>
 </file>
 
-<file path=ppt/slides/slide5.xml><?xml version="1.0" encoding="utf-8"?>
+<file path=ppt/slides/slide6.xml><?xml version="1.0" encoding="utf-8"?>
 <p:sld xmlns:a="http://schemas.openxmlformats.org/drawingml/2006/main" xmlns:r="http://schemas.openxmlformats.org/officeDocument/2006/relationships" xmlns:p="http://schemas.openxmlformats.org/presentationml/2006/main">
   <p:cSld>
     <p:spTree>
@@ -10570,7 +10880,7 @@
 </p:sld>
 </file>
 
-<file path=ppt/slides/slide6.xml><?xml version="1.0" encoding="utf-8"?>
+<file path=ppt/slides/slide7.xml><?xml version="1.0" encoding="utf-8"?>
 <p:sld xmlns:a="http://schemas.openxmlformats.org/drawingml/2006/main" xmlns:r="http://schemas.openxmlformats.org/officeDocument/2006/relationships" xmlns:p="http://schemas.openxmlformats.org/presentationml/2006/main">
   <p:cSld>
     <p:spTree>
@@ -10592,7 +10902,7 @@
           <p:cNvPr id="5" name="Titolo 1">
             <a:extLst>
               <a:ext uri="{FF2B5EF4-FFF2-40B4-BE49-F238E27FC236}">
-                <a16:creationId xmlns:a16="http://schemas.microsoft.com/office/drawing/2014/main" xmlns="" id="{7B0C3D97-6237-4821-A89A-70162D11EE48}"/>
+                <a16:creationId xmlns="" xmlns:a16="http://schemas.microsoft.com/office/drawing/2014/main" id="{7B0C3D97-6237-4821-A89A-70162D11EE48}"/>
               </a:ext>
             </a:extLst>
           </p:cNvPr>
@@ -10603,8 +10913,8 @@
         </p:nvSpPr>
         <p:spPr>
           <a:xfrm>
-            <a:off x="457200" y="274638"/>
-            <a:ext cx="8229600" cy="1143000"/>
+            <a:off x="0" y="274638"/>
+            <a:ext cx="12192000" cy="1143000"/>
           </a:xfrm>
           <a:prstGeom prst="rect">
             <a:avLst/>
@@ -10689,24 +10999,10 @@
           <a:p>
             <a:pPr algn="ctr"/>
             <a:r>
-              <a:rPr lang="it-IT" sz="2500" b="1" dirty="0" smtClean="0">
-                <a:solidFill>
-                  <a:prstClr val="black"/>
-                </a:solidFill>
-                <a:latin typeface="+mn-lt"/>
-                <a:ea typeface="+mn-ea"/>
-                <a:cs typeface="Times New Roman" panose="02020603050405020304" pitchFamily="18" charset="0"/>
-              </a:rPr>
+              <a:rPr lang="it-IT" dirty="0"/>
               <a:t>Elenco mappe generate</a:t>
             </a:r>
-            <a:endParaRPr lang="it-IT" sz="2500" b="1" dirty="0">
-              <a:solidFill>
-                <a:prstClr val="black"/>
-              </a:solidFill>
-              <a:latin typeface="+mn-lt"/>
-              <a:ea typeface="+mn-ea"/>
-              <a:cs typeface="Times New Roman" panose="02020603050405020304" pitchFamily="18" charset="0"/>
-            </a:endParaRPr>
+            <a:endParaRPr lang="it-IT" dirty="0"/>
           </a:p>
         </p:txBody>
       </p:sp>
@@ -10715,7 +11011,7 @@
           <p:cNvPr id="6" name="Segnaposto contenuto 2">
             <a:extLst>
               <a:ext uri="{FF2B5EF4-FFF2-40B4-BE49-F238E27FC236}">
-                <a16:creationId xmlns:a16="http://schemas.microsoft.com/office/drawing/2014/main" xmlns="" id="{058AAC17-44C7-46C9-846C-ACC9953C05A1}"/>
+                <a16:creationId xmlns="" xmlns:a16="http://schemas.microsoft.com/office/drawing/2014/main" id="{058AAC17-44C7-46C9-846C-ACC9953C05A1}"/>
               </a:ext>
             </a:extLst>
           </p:cNvPr>
@@ -10726,7 +11022,7 @@
         </p:nvSpPr>
         <p:spPr>
           <a:xfrm>
-            <a:off x="4917831" y="1231741"/>
+            <a:off x="4917831" y="2584023"/>
             <a:ext cx="4038600" cy="1828800"/>
           </a:xfrm>
           <a:prstGeom prst="rect">
@@ -11040,25 +11336,7 @@
                 </a:solidFill>
                 <a:cs typeface="Times New Roman" panose="02020603050405020304" pitchFamily="18" charset="0"/>
               </a:rPr>
-              <a:t> </a:t>
-            </a:r>
-            <a:r>
-              <a:rPr lang="it-IT" sz="1900" dirty="0" smtClean="0">
-                <a:solidFill>
-                  <a:prstClr val="black"/>
-                </a:solidFill>
-                <a:cs typeface="Times New Roman" panose="02020603050405020304" pitchFamily="18" charset="0"/>
-              </a:rPr>
-              <a:t>con le </a:t>
-            </a:r>
-            <a:r>
-              <a:rPr lang="it-IT" sz="1900" dirty="0" smtClean="0">
-                <a:solidFill>
-                  <a:prstClr val="black"/>
-                </a:solidFill>
-                <a:cs typeface="Times New Roman" panose="02020603050405020304" pitchFamily="18" charset="0"/>
-              </a:rPr>
-              <a:t>relative frequenze</a:t>
+              <a:t> con le relative frequenze</a:t>
             </a:r>
             <a:endParaRPr lang="it-IT" sz="1900" dirty="0">
               <a:solidFill>
@@ -11074,7 +11352,7 @@
           <p:cNvPr id="7" name="Segnaposto contenuto 3">
             <a:extLst>
               <a:ext uri="{FF2B5EF4-FFF2-40B4-BE49-F238E27FC236}">
-                <a16:creationId xmlns:a16="http://schemas.microsoft.com/office/drawing/2014/main" xmlns="" id="{68B22042-CC38-489D-A7E5-BCC033D653FC}"/>
+                <a16:creationId xmlns="" xmlns:a16="http://schemas.microsoft.com/office/drawing/2014/main" id="{68B22042-CC38-489D-A7E5-BCC033D653FC}"/>
               </a:ext>
             </a:extLst>
           </p:cNvPr>
@@ -11425,16 +11703,7 @@
                 </a:solidFill>
                 <a:cs typeface="Times New Roman" panose="02020603050405020304" pitchFamily="18" charset="0"/>
               </a:rPr>
-              <a:t> </a:t>
-            </a:r>
-            <a:r>
-              <a:rPr lang="it-IT" sz="1900" dirty="0" smtClean="0">
-                <a:solidFill>
-                  <a:prstClr val="black"/>
-                </a:solidFill>
-                <a:cs typeface="Times New Roman" panose="02020603050405020304" pitchFamily="18" charset="0"/>
-              </a:rPr>
-              <a:t>con le </a:t>
+              <a:t> con le </a:t>
             </a:r>
             <a:r>
               <a:rPr lang="it-IT" sz="1900" dirty="0">
@@ -11460,7 +11729,7 @@
           <p:cNvPr id="9" name="Segnaposto contenuto 2">
             <a:extLst>
               <a:ext uri="{FF2B5EF4-FFF2-40B4-BE49-F238E27FC236}">
-                <a16:creationId xmlns:a16="http://schemas.microsoft.com/office/drawing/2014/main" xmlns="" id="{058AAC17-44C7-46C9-846C-ACC9953C05A1}"/>
+                <a16:creationId xmlns="" xmlns:a16="http://schemas.microsoft.com/office/drawing/2014/main" id="{058AAC17-44C7-46C9-846C-ACC9953C05A1}"/>
               </a:ext>
             </a:extLst>
           </p:cNvPr>
@@ -11578,7 +11847,7 @@
 </p:sld>
 </file>
 
-<file path=ppt/slides/slide7.xml><?xml version="1.0" encoding="utf-8"?>
+<file path=ppt/slides/slide8.xml><?xml version="1.0" encoding="utf-8"?>
 <p:sld xmlns:a="http://schemas.openxmlformats.org/drawingml/2006/main" xmlns:r="http://schemas.openxmlformats.org/officeDocument/2006/relationships" xmlns:p="http://schemas.openxmlformats.org/presentationml/2006/main" showMasterSp="0">
   <p:cSld>
     <p:spTree>
@@ -11637,8 +11906,8 @@
         </p:nvSpPr>
         <p:spPr>
           <a:xfrm>
-            <a:off x="1606062" y="0"/>
-            <a:ext cx="8299938" cy="1320800"/>
+            <a:off x="0" y="0"/>
+            <a:ext cx="12333646" cy="1320800"/>
           </a:xfrm>
         </p:spPr>
         <p:txBody>
@@ -11650,11 +11919,7 @@
             <a:pPr algn="ctr"/>
             <a:r>
               <a:rPr lang="it-IT" dirty="0" smtClean="0"/>
-              <a:t>Schema delle </a:t>
-            </a:r>
-            <a:r>
-              <a:rPr lang="it-IT" dirty="0" smtClean="0"/>
-              <a:t>classi implementate</a:t>
+              <a:t>Schema delle classi implementate</a:t>
             </a:r>
             <a:endParaRPr lang="it-IT" dirty="0"/>
           </a:p>
@@ -11680,7 +11945,7 @@
 </p:sld>
 </file>
 
-<file path=ppt/slides/slide8.xml><?xml version="1.0" encoding="utf-8"?>
+<file path=ppt/slides/slide9.xml><?xml version="1.0" encoding="utf-8"?>
 <p:sld xmlns:a="http://schemas.openxmlformats.org/drawingml/2006/main" xmlns:r="http://schemas.openxmlformats.org/officeDocument/2006/relationships" xmlns:p="http://schemas.openxmlformats.org/presentationml/2006/main" showMasterSp="0">
   <p:cSld>
     <p:spTree>
@@ -11736,7 +12001,7 @@
           <p:nvPr>
             <p:extLst>
               <p:ext uri="{D42A27DB-BD31-4B8C-83A1-F6EECF244321}">
-                <p14:modId xmlns:p14="http://schemas.microsoft.com/office/powerpoint/2010/main" val="2179185739"/>
+                <p14:modId xmlns:p14="http://schemas.microsoft.com/office/powerpoint/2010/main" val="1941142969"/>
               </p:ext>
             </p:extLst>
           </p:nvPr>
@@ -11755,21 +12020,21 @@
                 <a:gridCol w="2230361">
                   <a:extLst>
                     <a:ext uri="{9D8B030D-6E8A-4147-A177-3AD203B41FA5}">
-                      <a16:colId xmlns:a16="http://schemas.microsoft.com/office/drawing/2014/main" xmlns="" val="2877867300"/>
+                      <a16:colId xmlns="" xmlns:a16="http://schemas.microsoft.com/office/drawing/2014/main" val="2877867300"/>
                     </a:ext>
                   </a:extLst>
                 </a:gridCol>
                 <a:gridCol w="2946400">
                   <a:extLst>
                     <a:ext uri="{9D8B030D-6E8A-4147-A177-3AD203B41FA5}">
-                      <a16:colId xmlns:a16="http://schemas.microsoft.com/office/drawing/2014/main" xmlns="" val="674584734"/>
+                      <a16:colId xmlns="" xmlns:a16="http://schemas.microsoft.com/office/drawing/2014/main" val="674584734"/>
                     </a:ext>
                   </a:extLst>
                 </a:gridCol>
                 <a:gridCol w="4151085">
                   <a:extLst>
                     <a:ext uri="{9D8B030D-6E8A-4147-A177-3AD203B41FA5}">
-                      <a16:colId xmlns:a16="http://schemas.microsoft.com/office/drawing/2014/main" xmlns="" val="2074233569"/>
+                      <a16:colId xmlns="" xmlns:a16="http://schemas.microsoft.com/office/drawing/2014/main" val="2074233569"/>
                     </a:ext>
                   </a:extLst>
                 </a:gridCol>
@@ -11822,7 +12087,7 @@
                 </a:tc>
                 <a:extLst>
                   <a:ext uri="{0D108BD9-81ED-4DB2-BD59-A6C34878D82A}">
-                    <a16:rowId xmlns:a16="http://schemas.microsoft.com/office/drawing/2014/main" xmlns="" val="359061708"/>
+                    <a16:rowId xmlns="" xmlns:a16="http://schemas.microsoft.com/office/drawing/2014/main" val="359061708"/>
                   </a:ext>
                 </a:extLst>
               </a:tr>
@@ -11885,7 +12150,7 @@
                 </a:tc>
                 <a:extLst>
                   <a:ext uri="{0D108BD9-81ED-4DB2-BD59-A6C34878D82A}">
-                    <a16:rowId xmlns:a16="http://schemas.microsoft.com/office/drawing/2014/main" xmlns="" val="2152449656"/>
+                    <a16:rowId xmlns="" xmlns:a16="http://schemas.microsoft.com/office/drawing/2014/main" val="2152449656"/>
                   </a:ext>
                 </a:extLst>
               </a:tr>
@@ -11948,7 +12213,7 @@
                 </a:tc>
                 <a:extLst>
                   <a:ext uri="{0D108BD9-81ED-4DB2-BD59-A6C34878D82A}">
-                    <a16:rowId xmlns:a16="http://schemas.microsoft.com/office/drawing/2014/main" xmlns="" val="1860423358"/>
+                    <a16:rowId xmlns="" xmlns:a16="http://schemas.microsoft.com/office/drawing/2014/main" val="1860423358"/>
                   </a:ext>
                 </a:extLst>
               </a:tr>
@@ -12011,7 +12276,7 @@
                 </a:tc>
                 <a:extLst>
                   <a:ext uri="{0D108BD9-81ED-4DB2-BD59-A6C34878D82A}">
-                    <a16:rowId xmlns:a16="http://schemas.microsoft.com/office/drawing/2014/main" xmlns="" val="686662235"/>
+                    <a16:rowId xmlns="" xmlns:a16="http://schemas.microsoft.com/office/drawing/2014/main" val="686662235"/>
                   </a:ext>
                 </a:extLst>
               </a:tr>
@@ -12042,7 +12307,11 @@
                       </a:r>
                       <a:r>
                         <a:rPr lang="it-IT" baseline="0" dirty="0" smtClean="0"/>
-                        <a:t> Pos tagging, Lemmatizzazione, </a:t>
+                        <a:t> Pos tagging, </a:t>
+                      </a:r>
+                      <a:r>
+                        <a:rPr lang="it-IT" baseline="0" dirty="0" smtClean="0"/>
+                        <a:t>Lemmatizzazione </a:t>
                       </a:r>
                       <a:endParaRPr lang="it-IT" dirty="0"/>
                     </a:p>
@@ -12067,7 +12336,7 @@
                 </a:tc>
                 <a:extLst>
                   <a:ext uri="{0D108BD9-81ED-4DB2-BD59-A6C34878D82A}">
-                    <a16:rowId xmlns:a16="http://schemas.microsoft.com/office/drawing/2014/main" xmlns="" val="2723784576"/>
+                    <a16:rowId xmlns="" xmlns:a16="http://schemas.microsoft.com/office/drawing/2014/main" val="2723784576"/>
                   </a:ext>
                 </a:extLst>
               </a:tr>
@@ -12123,7 +12392,7 @@
                 </a:tc>
                 <a:extLst>
                   <a:ext uri="{0D108BD9-81ED-4DB2-BD59-A6C34878D82A}">
-                    <a16:rowId xmlns:a16="http://schemas.microsoft.com/office/drawing/2014/main" xmlns="" val="2943680178"/>
+                    <a16:rowId xmlns="" xmlns:a16="http://schemas.microsoft.com/office/drawing/2014/main" val="2943680178"/>
                   </a:ext>
                 </a:extLst>
               </a:tr>
@@ -12179,7 +12448,7 @@
                 </a:tc>
                 <a:extLst>
                   <a:ext uri="{0D108BD9-81ED-4DB2-BD59-A6C34878D82A}">
-                    <a16:rowId xmlns:a16="http://schemas.microsoft.com/office/drawing/2014/main" xmlns="" val="460836306"/>
+                    <a16:rowId xmlns="" xmlns:a16="http://schemas.microsoft.com/office/drawing/2014/main" val="460836306"/>
                   </a:ext>
                 </a:extLst>
               </a:tr>
@@ -12231,7 +12500,7 @@
                 </a:tc>
                 <a:extLst>
                   <a:ext uri="{0D108BD9-81ED-4DB2-BD59-A6C34878D82A}">
-                    <a16:rowId xmlns:a16="http://schemas.microsoft.com/office/drawing/2014/main" xmlns="" val="2088053448"/>
+                    <a16:rowId xmlns="" xmlns:a16="http://schemas.microsoft.com/office/drawing/2014/main" val="2088053448"/>
                   </a:ext>
                 </a:extLst>
               </a:tr>
@@ -12283,7 +12552,7 @@
                 </a:tc>
                 <a:extLst>
                   <a:ext uri="{0D108BD9-81ED-4DB2-BD59-A6C34878D82A}">
-                    <a16:rowId xmlns:a16="http://schemas.microsoft.com/office/drawing/2014/main" xmlns="" val="4163736797"/>
+                    <a16:rowId xmlns="" xmlns:a16="http://schemas.microsoft.com/office/drawing/2014/main" val="4163736797"/>
                   </a:ext>
                 </a:extLst>
               </a:tr>
@@ -12325,66 +12594,6 @@
     <p:extLst>
       <p:ext uri="{BB962C8B-B14F-4D97-AF65-F5344CB8AC3E}">
         <p14:creationId xmlns:p14="http://schemas.microsoft.com/office/powerpoint/2010/main" val="4193206139"/>
-      </p:ext>
-    </p:extLst>
-  </p:cSld>
-  <p:clrMapOvr>
-    <a:masterClrMapping/>
-  </p:clrMapOvr>
-  <p:timing>
-    <p:tnLst>
-      <p:par>
-        <p:cTn id="1" dur="indefinite" restart="never" nodeType="tmRoot"/>
-      </p:par>
-    </p:tnLst>
-  </p:timing>
-</p:sld>
-</file>
-
-<file path=ppt/slides/slide9.xml><?xml version="1.0" encoding="utf-8"?>
-<p:sld xmlns:a="http://schemas.openxmlformats.org/drawingml/2006/main" xmlns:r="http://schemas.openxmlformats.org/officeDocument/2006/relationships" xmlns:p="http://schemas.openxmlformats.org/presentationml/2006/main">
-  <p:cSld>
-    <p:spTree>
-      <p:nvGrpSpPr>
-        <p:cNvPr id="1" name=""/>
-        <p:cNvGrpSpPr/>
-        <p:nvPr/>
-      </p:nvGrpSpPr>
-      <p:grpSpPr>
-        <a:xfrm>
-          <a:off x="0" y="0"/>
-          <a:ext cx="0" cy="0"/>
-          <a:chOff x="0" y="0"/>
-          <a:chExt cx="0" cy="0"/>
-        </a:xfrm>
-      </p:grpSpPr>
-      <p:sp>
-        <p:nvSpPr>
-          <p:cNvPr id="2" name="Titolo 1"/>
-          <p:cNvSpPr>
-            <a:spLocks noGrp="1"/>
-          </p:cNvSpPr>
-          <p:nvPr>
-            <p:ph type="ctrTitle"/>
-          </p:nvPr>
-        </p:nvSpPr>
-        <p:spPr/>
-        <p:txBody>
-          <a:bodyPr/>
-          <a:lstStyle/>
-          <a:p>
-            <a:r>
-              <a:rPr lang="it-IT" dirty="0" smtClean="0"/>
-              <a:t>Word cloud dei tweet</a:t>
-            </a:r>
-            <a:endParaRPr lang="it-IT" dirty="0"/>
-          </a:p>
-        </p:txBody>
-      </p:sp>
-    </p:spTree>
-    <p:extLst>
-      <p:ext uri="{BB962C8B-B14F-4D97-AF65-F5344CB8AC3E}">
-        <p14:creationId xmlns:p14="http://schemas.microsoft.com/office/powerpoint/2010/main" val="1869857399"/>
       </p:ext>
     </p:extLst>
   </p:cSld>
@@ -12652,7 +12861,7 @@
   <a:extraClrSchemeLst/>
   <a:extLst>
     <a:ext uri="{05A4C25C-085E-4340-85A3-A5531E510DB2}">
-      <thm15:themeFamily xmlns:thm15="http://schemas.microsoft.com/office/thememl/2012/main" xmlns="" name="Facet" id="{C0C680CD-088A-49FC-A102-D699147F32B2}" vid="{0B5AB586-D108-4FC1-8368-649FE654B894}"/>
+      <thm15:themeFamily xmlns="" xmlns:thm15="http://schemas.microsoft.com/office/thememl/2012/main" name="Facet" id="{C0C680CD-088A-49FC-A102-D699147F32B2}" vid="{0B5AB586-D108-4FC1-8368-649FE654B894}"/>
     </a:ext>
   </a:extLst>
 </a:theme>

--- a/Docs/Presentazione.PPTX
+++ b/Docs/Presentazione.PPTX
@@ -10,8 +10,8 @@
     <p:sldId id="259" r:id="rId4"/>
     <p:sldId id="257" r:id="rId5"/>
     <p:sldId id="258" r:id="rId6"/>
-    <p:sldId id="294" r:id="rId7"/>
-    <p:sldId id="293" r:id="rId8"/>
+    <p:sldId id="293" r:id="rId7"/>
+    <p:sldId id="294" r:id="rId8"/>
     <p:sldId id="260" r:id="rId9"/>
     <p:sldId id="289" r:id="rId10"/>
     <p:sldId id="270" r:id="rId11"/>
@@ -135,7 +135,7 @@
   </p:defaultTextStyle>
   <p:extLst>
     <p:ext uri="{EFAFB233-063F-42B5-8137-9DF3F51BA10A}">
-      <p15:sldGuideLst xmlns="" xmlns:p15="http://schemas.microsoft.com/office/powerpoint/2012/main">
+      <p15:sldGuideLst xmlns:p15="http://schemas.microsoft.com/office/powerpoint/2012/main" xmlns="">
         <p15:guide id="1" orient="horz" pos="2160">
           <p15:clr>
             <a:srgbClr val="A4A3A4"/>
@@ -897,7 +897,7 @@
           <a:p>
             <a:fld id="{3F960570-40D4-4251-9C9D-483363F27B24}" type="datetimeFigureOut">
               <a:rPr lang="it-IT" smtClean="0"/>
-              <a:t>16/06/2020</a:t>
+              <a:t>20/06/2020</a:t>
             </a:fld>
             <a:endParaRPr lang="it-IT"/>
           </a:p>
@@ -1148,7 +1148,7 @@
           <a:p>
             <a:fld id="{3F960570-40D4-4251-9C9D-483363F27B24}" type="datetimeFigureOut">
               <a:rPr lang="it-IT" smtClean="0"/>
-              <a:t>16/06/2020</a:t>
+              <a:t>20/06/2020</a:t>
             </a:fld>
             <a:endParaRPr lang="it-IT"/>
           </a:p>
@@ -1462,7 +1462,7 @@
           <a:p>
             <a:fld id="{3F960570-40D4-4251-9C9D-483363F27B24}" type="datetimeFigureOut">
               <a:rPr lang="it-IT" smtClean="0"/>
-              <a:t>16/06/2020</a:t>
+              <a:t>20/06/2020</a:t>
             </a:fld>
             <a:endParaRPr lang="it-IT"/>
           </a:p>
@@ -1795,7 +1795,7 @@
           <a:p>
             <a:fld id="{3F960570-40D4-4251-9C9D-483363F27B24}" type="datetimeFigureOut">
               <a:rPr lang="it-IT" smtClean="0"/>
-              <a:t>16/06/2020</a:t>
+              <a:t>20/06/2020</a:t>
             </a:fld>
             <a:endParaRPr lang="it-IT"/>
           </a:p>
@@ -2109,7 +2109,7 @@
           <a:p>
             <a:fld id="{3F960570-40D4-4251-9C9D-483363F27B24}" type="datetimeFigureOut">
               <a:rPr lang="it-IT" smtClean="0"/>
-              <a:t>16/06/2020</a:t>
+              <a:t>20/06/2020</a:t>
             </a:fld>
             <a:endParaRPr lang="it-IT"/>
           </a:p>
@@ -2502,7 +2502,7 @@
           <a:p>
             <a:fld id="{3F960570-40D4-4251-9C9D-483363F27B24}" type="datetimeFigureOut">
               <a:rPr lang="it-IT" smtClean="0"/>
-              <a:t>16/06/2020</a:t>
+              <a:t>20/06/2020</a:t>
             </a:fld>
             <a:endParaRPr lang="it-IT"/>
           </a:p>
@@ -2672,7 +2672,7 @@
           <a:p>
             <a:fld id="{3F960570-40D4-4251-9C9D-483363F27B24}" type="datetimeFigureOut">
               <a:rPr lang="it-IT" smtClean="0"/>
-              <a:t>16/06/2020</a:t>
+              <a:t>20/06/2020</a:t>
             </a:fld>
             <a:endParaRPr lang="it-IT"/>
           </a:p>
@@ -2852,7 +2852,7 @@
           <a:p>
             <a:fld id="{3F960570-40D4-4251-9C9D-483363F27B24}" type="datetimeFigureOut">
               <a:rPr lang="it-IT" smtClean="0"/>
-              <a:t>16/06/2020</a:t>
+              <a:t>20/06/2020</a:t>
             </a:fld>
             <a:endParaRPr lang="it-IT"/>
           </a:p>
@@ -3022,7 +3022,7 @@
           <a:p>
             <a:fld id="{3F960570-40D4-4251-9C9D-483363F27B24}" type="datetimeFigureOut">
               <a:rPr lang="it-IT" smtClean="0"/>
-              <a:t>16/06/2020</a:t>
+              <a:t>20/06/2020</a:t>
             </a:fld>
             <a:endParaRPr lang="it-IT"/>
           </a:p>
@@ -3269,7 +3269,7 @@
           <a:p>
             <a:fld id="{3F960570-40D4-4251-9C9D-483363F27B24}" type="datetimeFigureOut">
               <a:rPr lang="it-IT" smtClean="0"/>
-              <a:t>16/06/2020</a:t>
+              <a:t>20/06/2020</a:t>
             </a:fld>
             <a:endParaRPr lang="it-IT"/>
           </a:p>
@@ -3501,7 +3501,7 @@
           <a:p>
             <a:fld id="{3F960570-40D4-4251-9C9D-483363F27B24}" type="datetimeFigureOut">
               <a:rPr lang="it-IT" smtClean="0"/>
-              <a:t>16/06/2020</a:t>
+              <a:t>20/06/2020</a:t>
             </a:fld>
             <a:endParaRPr lang="it-IT"/>
           </a:p>
@@ -3875,7 +3875,7 @@
           <a:p>
             <a:fld id="{3F960570-40D4-4251-9C9D-483363F27B24}" type="datetimeFigureOut">
               <a:rPr lang="it-IT" smtClean="0"/>
-              <a:t>16/06/2020</a:t>
+              <a:t>20/06/2020</a:t>
             </a:fld>
             <a:endParaRPr lang="it-IT"/>
           </a:p>
@@ -3998,7 +3998,7 @@
           <a:p>
             <a:fld id="{3F960570-40D4-4251-9C9D-483363F27B24}" type="datetimeFigureOut">
               <a:rPr lang="it-IT" smtClean="0"/>
-              <a:t>16/06/2020</a:t>
+              <a:t>20/06/2020</a:t>
             </a:fld>
             <a:endParaRPr lang="it-IT"/>
           </a:p>
@@ -4093,7 +4093,7 @@
           <a:p>
             <a:fld id="{3F960570-40D4-4251-9C9D-483363F27B24}" type="datetimeFigureOut">
               <a:rPr lang="it-IT" smtClean="0"/>
-              <a:t>16/06/2020</a:t>
+              <a:t>20/06/2020</a:t>
             </a:fld>
             <a:endParaRPr lang="it-IT"/>
           </a:p>
@@ -4348,7 +4348,7 @@
           <a:p>
             <a:fld id="{3F960570-40D4-4251-9C9D-483363F27B24}" type="datetimeFigureOut">
               <a:rPr lang="it-IT" smtClean="0"/>
-              <a:t>16/06/2020</a:t>
+              <a:t>20/06/2020</a:t>
             </a:fld>
             <a:endParaRPr lang="it-IT"/>
           </a:p>
@@ -4653,7 +4653,7 @@
           <a:p>
             <a:fld id="{3F960570-40D4-4251-9C9D-483363F27B24}" type="datetimeFigureOut">
               <a:rPr lang="it-IT" smtClean="0"/>
-              <a:t>16/06/2020</a:t>
+              <a:t>20/06/2020</a:t>
             </a:fld>
             <a:endParaRPr lang="it-IT"/>
           </a:p>
@@ -5355,7 +5355,7 @@
           <a:p>
             <a:fld id="{3F960570-40D4-4251-9C9D-483363F27B24}" type="datetimeFigureOut">
               <a:rPr lang="it-IT" smtClean="0"/>
-              <a:t>16/06/2020</a:t>
+              <a:t>20/06/2020</a:t>
             </a:fld>
             <a:endParaRPr lang="it-IT"/>
           </a:p>
@@ -10741,13 +10741,8 @@
           <a:p>
             <a:r>
               <a:rPr lang="it-IT" dirty="0" smtClean="0"/>
-              <a:t>La comunicazione tra i due host è gestita mediante richieste HTTP POST con dati codificati in </a:t>
-            </a:r>
-            <a:r>
-              <a:rPr lang="it-IT" dirty="0" smtClean="0"/>
-              <a:t>JSON</a:t>
-            </a:r>
-            <a:endParaRPr lang="it-IT" dirty="0" smtClean="0"/>
+              <a:t>La comunicazione tra i due host è gestita mediante richieste HTTP POST con dati codificati in JSON</a:t>
+            </a:r>
           </a:p>
         </p:txBody>
       </p:sp>
@@ -10790,6 +10785,972 @@
       </p:grpSpPr>
       <p:sp>
         <p:nvSpPr>
+          <p:cNvPr id="5" name="Titolo 1">
+            <a:extLst>
+              <a:ext uri="{FF2B5EF4-FFF2-40B4-BE49-F238E27FC236}">
+                <a16:creationId xmlns:a16="http://schemas.microsoft.com/office/drawing/2014/main" xmlns="" id="{7B0C3D97-6237-4821-A89A-70162D11EE48}"/>
+              </a:ext>
+            </a:extLst>
+          </p:cNvPr>
+          <p:cNvSpPr txBox="1">
+            <a:spLocks/>
+          </p:cNvSpPr>
+          <p:nvPr/>
+        </p:nvSpPr>
+        <p:spPr>
+          <a:xfrm>
+            <a:off x="0" y="274638"/>
+            <a:ext cx="12192000" cy="1143000"/>
+          </a:xfrm>
+          <a:prstGeom prst="rect">
+            <a:avLst/>
+          </a:prstGeom>
+        </p:spPr>
+        <p:txBody>
+          <a:bodyPr vert="horz" lIns="91440" tIns="45720" rIns="91440" bIns="45720" rtlCol="0" anchor="t">
+            <a:normAutofit/>
+          </a:bodyPr>
+          <a:lstStyle>
+            <a:lvl1pPr algn="l" defTabSz="457200" rtl="0" eaLnBrk="1" latinLnBrk="0" hangingPunct="1">
+              <a:spcBef>
+                <a:spcPct val="0"/>
+              </a:spcBef>
+              <a:buNone/>
+              <a:defRPr sz="3600" kern="1200">
+                <a:solidFill>
+                  <a:schemeClr val="accent1"/>
+                </a:solidFill>
+                <a:latin typeface="+mj-lt"/>
+                <a:ea typeface="+mj-ea"/>
+                <a:cs typeface="+mj-cs"/>
+              </a:defRPr>
+            </a:lvl1pPr>
+            <a:lvl2pPr eaLnBrk="1" hangingPunct="1">
+              <a:defRPr>
+                <a:solidFill>
+                  <a:schemeClr val="tx2"/>
+                </a:solidFill>
+              </a:defRPr>
+            </a:lvl2pPr>
+            <a:lvl3pPr eaLnBrk="1" hangingPunct="1">
+              <a:defRPr>
+                <a:solidFill>
+                  <a:schemeClr val="tx2"/>
+                </a:solidFill>
+              </a:defRPr>
+            </a:lvl3pPr>
+            <a:lvl4pPr eaLnBrk="1" hangingPunct="1">
+              <a:defRPr>
+                <a:solidFill>
+                  <a:schemeClr val="tx2"/>
+                </a:solidFill>
+              </a:defRPr>
+            </a:lvl4pPr>
+            <a:lvl5pPr eaLnBrk="1" hangingPunct="1">
+              <a:defRPr>
+                <a:solidFill>
+                  <a:schemeClr val="tx2"/>
+                </a:solidFill>
+              </a:defRPr>
+            </a:lvl5pPr>
+            <a:lvl6pPr eaLnBrk="1" hangingPunct="1">
+              <a:defRPr>
+                <a:solidFill>
+                  <a:schemeClr val="tx2"/>
+                </a:solidFill>
+              </a:defRPr>
+            </a:lvl6pPr>
+            <a:lvl7pPr eaLnBrk="1" hangingPunct="1">
+              <a:defRPr>
+                <a:solidFill>
+                  <a:schemeClr val="tx2"/>
+                </a:solidFill>
+              </a:defRPr>
+            </a:lvl7pPr>
+            <a:lvl8pPr eaLnBrk="1" hangingPunct="1">
+              <a:defRPr>
+                <a:solidFill>
+                  <a:schemeClr val="tx2"/>
+                </a:solidFill>
+              </a:defRPr>
+            </a:lvl8pPr>
+            <a:lvl9pPr eaLnBrk="1" hangingPunct="1">
+              <a:defRPr>
+                <a:solidFill>
+                  <a:schemeClr val="tx2"/>
+                </a:solidFill>
+              </a:defRPr>
+            </a:lvl9pPr>
+          </a:lstStyle>
+          <a:p>
+            <a:pPr algn="ctr"/>
+            <a:r>
+              <a:rPr lang="it-IT" dirty="0"/>
+              <a:t>Elenco mappe generate</a:t>
+            </a:r>
+          </a:p>
+        </p:txBody>
+      </p:sp>
+      <p:sp>
+        <p:nvSpPr>
+          <p:cNvPr id="6" name="Segnaposto contenuto 2">
+            <a:extLst>
+              <a:ext uri="{FF2B5EF4-FFF2-40B4-BE49-F238E27FC236}">
+                <a16:creationId xmlns:a16="http://schemas.microsoft.com/office/drawing/2014/main" xmlns="" id="{058AAC17-44C7-46C9-846C-ACC9953C05A1}"/>
+              </a:ext>
+            </a:extLst>
+          </p:cNvPr>
+          <p:cNvSpPr txBox="1">
+            <a:spLocks/>
+          </p:cNvSpPr>
+          <p:nvPr/>
+        </p:nvSpPr>
+        <p:spPr>
+          <a:xfrm>
+            <a:off x="4917831" y="2584023"/>
+            <a:ext cx="4038600" cy="1828800"/>
+          </a:xfrm>
+          <a:prstGeom prst="rect">
+            <a:avLst/>
+          </a:prstGeom>
+        </p:spPr>
+        <p:txBody>
+          <a:bodyPr vert="horz" lIns="91440" tIns="45720" rIns="91440" bIns="45720" rtlCol="0">
+            <a:normAutofit fontScale="92500" lnSpcReduction="10000"/>
+          </a:bodyPr>
+          <a:lstStyle>
+            <a:lvl1pPr marL="342900" indent="-342900" algn="l" defTabSz="457200" rtl="0" eaLnBrk="1" latinLnBrk="0" hangingPunct="1">
+              <a:spcBef>
+                <a:spcPts val="1000"/>
+              </a:spcBef>
+              <a:spcAft>
+                <a:spcPts val="0"/>
+              </a:spcAft>
+              <a:buClr>
+                <a:schemeClr val="accent1"/>
+              </a:buClr>
+              <a:buSzPct val="80000"/>
+              <a:buFont typeface="Wingdings 3" charset="2"/>
+              <a:buChar char=""/>
+              <a:defRPr sz="1800" kern="1200">
+                <a:solidFill>
+                  <a:schemeClr val="tx1">
+                    <a:lumMod val="75000"/>
+                    <a:lumOff val="25000"/>
+                  </a:schemeClr>
+                </a:solidFill>
+                <a:latin typeface="+mn-lt"/>
+                <a:ea typeface="+mn-ea"/>
+                <a:cs typeface="+mn-cs"/>
+              </a:defRPr>
+            </a:lvl1pPr>
+            <a:lvl2pPr marL="742950" indent="-285750" algn="l" defTabSz="457200" rtl="0" eaLnBrk="1" latinLnBrk="0" hangingPunct="1">
+              <a:spcBef>
+                <a:spcPts val="1000"/>
+              </a:spcBef>
+              <a:spcAft>
+                <a:spcPts val="0"/>
+              </a:spcAft>
+              <a:buClr>
+                <a:schemeClr val="accent1"/>
+              </a:buClr>
+              <a:buSzPct val="80000"/>
+              <a:buFont typeface="Wingdings 3" charset="2"/>
+              <a:buChar char=""/>
+              <a:defRPr sz="1600" kern="1200">
+                <a:solidFill>
+                  <a:schemeClr val="tx1">
+                    <a:lumMod val="75000"/>
+                    <a:lumOff val="25000"/>
+                  </a:schemeClr>
+                </a:solidFill>
+                <a:latin typeface="+mn-lt"/>
+                <a:ea typeface="+mn-ea"/>
+                <a:cs typeface="+mn-cs"/>
+              </a:defRPr>
+            </a:lvl2pPr>
+            <a:lvl3pPr marL="1143000" indent="-228600" algn="l" defTabSz="457200" rtl="0" eaLnBrk="1" latinLnBrk="0" hangingPunct="1">
+              <a:spcBef>
+                <a:spcPts val="1000"/>
+              </a:spcBef>
+              <a:spcAft>
+                <a:spcPts val="0"/>
+              </a:spcAft>
+              <a:buClr>
+                <a:schemeClr val="accent1"/>
+              </a:buClr>
+              <a:buSzPct val="80000"/>
+              <a:buFont typeface="Wingdings 3" charset="2"/>
+              <a:buChar char=""/>
+              <a:defRPr sz="1400" kern="1200">
+                <a:solidFill>
+                  <a:schemeClr val="tx1">
+                    <a:lumMod val="75000"/>
+                    <a:lumOff val="25000"/>
+                  </a:schemeClr>
+                </a:solidFill>
+                <a:latin typeface="+mn-lt"/>
+                <a:ea typeface="+mn-ea"/>
+                <a:cs typeface="+mn-cs"/>
+              </a:defRPr>
+            </a:lvl3pPr>
+            <a:lvl4pPr marL="1600200" indent="-228600" algn="l" defTabSz="457200" rtl="0" eaLnBrk="1" latinLnBrk="0" hangingPunct="1">
+              <a:spcBef>
+                <a:spcPts val="1000"/>
+              </a:spcBef>
+              <a:spcAft>
+                <a:spcPts val="0"/>
+              </a:spcAft>
+              <a:buClr>
+                <a:schemeClr val="accent1"/>
+              </a:buClr>
+              <a:buSzPct val="80000"/>
+              <a:buFont typeface="Wingdings 3" charset="2"/>
+              <a:buChar char=""/>
+              <a:defRPr sz="1200" kern="1200">
+                <a:solidFill>
+                  <a:schemeClr val="tx1">
+                    <a:lumMod val="75000"/>
+                    <a:lumOff val="25000"/>
+                  </a:schemeClr>
+                </a:solidFill>
+                <a:latin typeface="+mn-lt"/>
+                <a:ea typeface="+mn-ea"/>
+                <a:cs typeface="+mn-cs"/>
+              </a:defRPr>
+            </a:lvl4pPr>
+            <a:lvl5pPr marL="2057400" indent="-228600" algn="l" defTabSz="457200" rtl="0" eaLnBrk="1" latinLnBrk="0" hangingPunct="1">
+              <a:spcBef>
+                <a:spcPts val="1000"/>
+              </a:spcBef>
+              <a:spcAft>
+                <a:spcPts val="0"/>
+              </a:spcAft>
+              <a:buClr>
+                <a:schemeClr val="accent1"/>
+              </a:buClr>
+              <a:buSzPct val="80000"/>
+              <a:buFont typeface="Wingdings 3" charset="2"/>
+              <a:buChar char=""/>
+              <a:defRPr sz="1200" kern="1200">
+                <a:solidFill>
+                  <a:schemeClr val="tx1">
+                    <a:lumMod val="75000"/>
+                    <a:lumOff val="25000"/>
+                  </a:schemeClr>
+                </a:solidFill>
+                <a:latin typeface="+mn-lt"/>
+                <a:ea typeface="+mn-ea"/>
+                <a:cs typeface="+mn-cs"/>
+              </a:defRPr>
+            </a:lvl5pPr>
+            <a:lvl6pPr marL="2514600" indent="-228600" algn="l" defTabSz="457200" rtl="0" eaLnBrk="1" latinLnBrk="0" hangingPunct="1">
+              <a:spcBef>
+                <a:spcPts val="1000"/>
+              </a:spcBef>
+              <a:spcAft>
+                <a:spcPts val="0"/>
+              </a:spcAft>
+              <a:buClr>
+                <a:schemeClr val="accent1"/>
+              </a:buClr>
+              <a:buSzPct val="80000"/>
+              <a:buFont typeface="Wingdings 3" charset="2"/>
+              <a:buChar char=""/>
+              <a:defRPr sz="1200" kern="1200">
+                <a:solidFill>
+                  <a:schemeClr val="tx1">
+                    <a:lumMod val="75000"/>
+                    <a:lumOff val="25000"/>
+                  </a:schemeClr>
+                </a:solidFill>
+                <a:latin typeface="+mn-lt"/>
+                <a:ea typeface="+mn-ea"/>
+                <a:cs typeface="+mn-cs"/>
+              </a:defRPr>
+            </a:lvl6pPr>
+            <a:lvl7pPr marL="2971800" indent="-228600" algn="l" defTabSz="457200" rtl="0" eaLnBrk="1" latinLnBrk="0" hangingPunct="1">
+              <a:spcBef>
+                <a:spcPts val="1000"/>
+              </a:spcBef>
+              <a:spcAft>
+                <a:spcPts val="0"/>
+              </a:spcAft>
+              <a:buClr>
+                <a:schemeClr val="accent1"/>
+              </a:buClr>
+              <a:buSzPct val="80000"/>
+              <a:buFont typeface="Wingdings 3" charset="2"/>
+              <a:buChar char=""/>
+              <a:defRPr sz="1200" kern="1200">
+                <a:solidFill>
+                  <a:schemeClr val="tx1">
+                    <a:lumMod val="75000"/>
+                    <a:lumOff val="25000"/>
+                  </a:schemeClr>
+                </a:solidFill>
+                <a:latin typeface="+mn-lt"/>
+                <a:ea typeface="+mn-ea"/>
+                <a:cs typeface="+mn-cs"/>
+              </a:defRPr>
+            </a:lvl7pPr>
+            <a:lvl8pPr marL="3429000" indent="-228600" algn="l" defTabSz="457200" rtl="0" eaLnBrk="1" latinLnBrk="0" hangingPunct="1">
+              <a:spcBef>
+                <a:spcPts val="1000"/>
+              </a:spcBef>
+              <a:spcAft>
+                <a:spcPts val="0"/>
+              </a:spcAft>
+              <a:buClr>
+                <a:schemeClr val="accent1"/>
+              </a:buClr>
+              <a:buSzPct val="80000"/>
+              <a:buFont typeface="Wingdings 3" charset="2"/>
+              <a:buChar char=""/>
+              <a:defRPr sz="1200" kern="1200">
+                <a:solidFill>
+                  <a:schemeClr val="tx1">
+                    <a:lumMod val="75000"/>
+                    <a:lumOff val="25000"/>
+                  </a:schemeClr>
+                </a:solidFill>
+                <a:latin typeface="+mn-lt"/>
+                <a:ea typeface="+mn-ea"/>
+                <a:cs typeface="+mn-cs"/>
+              </a:defRPr>
+            </a:lvl8pPr>
+            <a:lvl9pPr marL="3886200" indent="-228600" algn="l" defTabSz="457200" rtl="0" eaLnBrk="1" latinLnBrk="0" hangingPunct="1">
+              <a:spcBef>
+                <a:spcPts val="1000"/>
+              </a:spcBef>
+              <a:spcAft>
+                <a:spcPts val="0"/>
+              </a:spcAft>
+              <a:buClr>
+                <a:schemeClr val="accent1"/>
+              </a:buClr>
+              <a:buSzPct val="80000"/>
+              <a:buFont typeface="Wingdings 3" charset="2"/>
+              <a:buChar char=""/>
+              <a:defRPr sz="1200" kern="1200">
+                <a:solidFill>
+                  <a:schemeClr val="tx1">
+                    <a:lumMod val="75000"/>
+                    <a:lumOff val="25000"/>
+                  </a:schemeClr>
+                </a:solidFill>
+                <a:latin typeface="+mn-lt"/>
+                <a:ea typeface="+mn-ea"/>
+                <a:cs typeface="+mn-cs"/>
+              </a:defRPr>
+            </a:lvl9pPr>
+          </a:lstStyle>
+          <a:p>
+            <a:pPr marL="0" indent="0">
+              <a:buFont typeface="Wingdings 3" charset="2"/>
+              <a:buNone/>
+            </a:pPr>
+            <a:r>
+              <a:rPr lang="it-IT" sz="2900" b="1" i="1" dirty="0" smtClean="0">
+                <a:solidFill>
+                  <a:prstClr val="black"/>
+                </a:solidFill>
+                <a:cs typeface="Times New Roman" panose="02020603050405020304" pitchFamily="18" charset="0"/>
+              </a:rPr>
+              <a:t>Hashtag Map:</a:t>
+            </a:r>
+          </a:p>
+          <a:p>
+            <a:pPr marL="0" indent="0">
+              <a:buFont typeface="Wingdings 3" charset="2"/>
+              <a:buNone/>
+            </a:pPr>
+            <a:r>
+              <a:rPr lang="it-IT" sz="1900" dirty="0" smtClean="0">
+                <a:solidFill>
+                  <a:prstClr val="black"/>
+                </a:solidFill>
+                <a:effectLst>
+                  <a:outerShdw blurRad="38100" dist="38100" dir="2700000" algn="tl">
+                    <a:srgbClr val="000000">
+                      <a:alpha val="43137"/>
+                    </a:srgbClr>
+                  </a:outerShdw>
+                </a:effectLst>
+                <a:cs typeface="Times New Roman" panose="02020603050405020304" pitchFamily="18" charset="0"/>
+              </a:rPr>
+              <a:t/>
+            </a:r>
+            <a:br>
+              <a:rPr lang="it-IT" sz="1900" dirty="0" smtClean="0">
+                <a:solidFill>
+                  <a:prstClr val="black"/>
+                </a:solidFill>
+                <a:effectLst>
+                  <a:outerShdw blurRad="38100" dist="38100" dir="2700000" algn="tl">
+                    <a:srgbClr val="000000">
+                      <a:alpha val="43137"/>
+                    </a:srgbClr>
+                  </a:outerShdw>
+                </a:effectLst>
+                <a:cs typeface="Times New Roman" panose="02020603050405020304" pitchFamily="18" charset="0"/>
+              </a:rPr>
+            </a:br>
+            <a:r>
+              <a:rPr lang="it-IT" sz="1900" dirty="0" smtClean="0">
+                <a:solidFill>
+                  <a:prstClr val="black"/>
+                </a:solidFill>
+                <a:cs typeface="Times New Roman" panose="02020603050405020304" pitchFamily="18" charset="0"/>
+              </a:rPr>
+              <a:t>per ciascun sentimento viene creata una mappa, che a sua volta contiene tante mappe per ciascun </a:t>
+            </a:r>
+            <a:r>
+              <a:rPr lang="it-IT" sz="1900" dirty="0" err="1" smtClean="0">
+                <a:solidFill>
+                  <a:prstClr val="black"/>
+                </a:solidFill>
+                <a:cs typeface="Times New Roman" panose="02020603050405020304" pitchFamily="18" charset="0"/>
+              </a:rPr>
+              <a:t>hashtag</a:t>
+            </a:r>
+            <a:r>
+              <a:rPr lang="it-IT" sz="1900" dirty="0" smtClean="0">
+                <a:solidFill>
+                  <a:prstClr val="black"/>
+                </a:solidFill>
+                <a:cs typeface="Times New Roman" panose="02020603050405020304" pitchFamily="18" charset="0"/>
+              </a:rPr>
+              <a:t> con le relative frequenze</a:t>
+            </a:r>
+            <a:endParaRPr lang="it-IT" sz="1900" dirty="0">
+              <a:solidFill>
+                <a:prstClr val="black"/>
+              </a:solidFill>
+              <a:cs typeface="Times New Roman" panose="02020603050405020304" pitchFamily="18" charset="0"/>
+            </a:endParaRPr>
+          </a:p>
+        </p:txBody>
+      </p:sp>
+      <p:sp>
+        <p:nvSpPr>
+          <p:cNvPr id="7" name="Segnaposto contenuto 3">
+            <a:extLst>
+              <a:ext uri="{FF2B5EF4-FFF2-40B4-BE49-F238E27FC236}">
+                <a16:creationId xmlns:a16="http://schemas.microsoft.com/office/drawing/2014/main" xmlns="" id="{68B22042-CC38-489D-A7E5-BCC033D653FC}"/>
+              </a:ext>
+            </a:extLst>
+          </p:cNvPr>
+          <p:cNvSpPr txBox="1">
+            <a:spLocks/>
+          </p:cNvSpPr>
+          <p:nvPr/>
+        </p:nvSpPr>
+        <p:spPr>
+          <a:xfrm>
+            <a:off x="457200" y="3645882"/>
+            <a:ext cx="4038600" cy="2116832"/>
+          </a:xfrm>
+          <a:prstGeom prst="rect">
+            <a:avLst/>
+          </a:prstGeom>
+        </p:spPr>
+        <p:txBody>
+          <a:bodyPr>
+            <a:normAutofit fontScale="92500"/>
+          </a:bodyPr>
+          <a:lstStyle>
+            <a:lvl1pPr marL="342900" indent="-342900" algn="l" defTabSz="457200" rtl="0" eaLnBrk="1" latinLnBrk="0" hangingPunct="1">
+              <a:spcBef>
+                <a:spcPts val="1000"/>
+              </a:spcBef>
+              <a:spcAft>
+                <a:spcPts val="0"/>
+              </a:spcAft>
+              <a:buClr>
+                <a:schemeClr val="accent1"/>
+              </a:buClr>
+              <a:buSzPct val="80000"/>
+              <a:buFont typeface="Wingdings 3" charset="2"/>
+              <a:buChar char=""/>
+              <a:defRPr sz="1800" kern="1200">
+                <a:solidFill>
+                  <a:schemeClr val="tx1">
+                    <a:lumMod val="75000"/>
+                    <a:lumOff val="25000"/>
+                  </a:schemeClr>
+                </a:solidFill>
+                <a:latin typeface="+mn-lt"/>
+                <a:ea typeface="+mn-ea"/>
+                <a:cs typeface="+mn-cs"/>
+              </a:defRPr>
+            </a:lvl1pPr>
+            <a:lvl2pPr marL="742950" indent="-285750" algn="l" defTabSz="457200" rtl="0" eaLnBrk="1" latinLnBrk="0" hangingPunct="1">
+              <a:spcBef>
+                <a:spcPts val="1000"/>
+              </a:spcBef>
+              <a:spcAft>
+                <a:spcPts val="0"/>
+              </a:spcAft>
+              <a:buClr>
+                <a:schemeClr val="accent1"/>
+              </a:buClr>
+              <a:buSzPct val="80000"/>
+              <a:buFont typeface="Wingdings 3" charset="2"/>
+              <a:buChar char=""/>
+              <a:defRPr sz="1600" kern="1200">
+                <a:solidFill>
+                  <a:schemeClr val="tx1">
+                    <a:lumMod val="75000"/>
+                    <a:lumOff val="25000"/>
+                  </a:schemeClr>
+                </a:solidFill>
+                <a:latin typeface="+mn-lt"/>
+                <a:ea typeface="+mn-ea"/>
+                <a:cs typeface="+mn-cs"/>
+              </a:defRPr>
+            </a:lvl2pPr>
+            <a:lvl3pPr marL="1143000" indent="-228600" algn="l" defTabSz="457200" rtl="0" eaLnBrk="1" latinLnBrk="0" hangingPunct="1">
+              <a:spcBef>
+                <a:spcPts val="1000"/>
+              </a:spcBef>
+              <a:spcAft>
+                <a:spcPts val="0"/>
+              </a:spcAft>
+              <a:buClr>
+                <a:schemeClr val="accent1"/>
+              </a:buClr>
+              <a:buSzPct val="80000"/>
+              <a:buFont typeface="Wingdings 3" charset="2"/>
+              <a:buChar char=""/>
+              <a:defRPr sz="1400" kern="1200">
+                <a:solidFill>
+                  <a:schemeClr val="tx1">
+                    <a:lumMod val="75000"/>
+                    <a:lumOff val="25000"/>
+                  </a:schemeClr>
+                </a:solidFill>
+                <a:latin typeface="+mn-lt"/>
+                <a:ea typeface="+mn-ea"/>
+                <a:cs typeface="+mn-cs"/>
+              </a:defRPr>
+            </a:lvl3pPr>
+            <a:lvl4pPr marL="1600200" indent="-228600" algn="l" defTabSz="457200" rtl="0" eaLnBrk="1" latinLnBrk="0" hangingPunct="1">
+              <a:spcBef>
+                <a:spcPts val="1000"/>
+              </a:spcBef>
+              <a:spcAft>
+                <a:spcPts val="0"/>
+              </a:spcAft>
+              <a:buClr>
+                <a:schemeClr val="accent1"/>
+              </a:buClr>
+              <a:buSzPct val="80000"/>
+              <a:buFont typeface="Wingdings 3" charset="2"/>
+              <a:buChar char=""/>
+              <a:defRPr sz="1200" kern="1200">
+                <a:solidFill>
+                  <a:schemeClr val="tx1">
+                    <a:lumMod val="75000"/>
+                    <a:lumOff val="25000"/>
+                  </a:schemeClr>
+                </a:solidFill>
+                <a:latin typeface="+mn-lt"/>
+                <a:ea typeface="+mn-ea"/>
+                <a:cs typeface="+mn-cs"/>
+              </a:defRPr>
+            </a:lvl4pPr>
+            <a:lvl5pPr marL="2057400" indent="-228600" algn="l" defTabSz="457200" rtl="0" eaLnBrk="1" latinLnBrk="0" hangingPunct="1">
+              <a:spcBef>
+                <a:spcPts val="1000"/>
+              </a:spcBef>
+              <a:spcAft>
+                <a:spcPts val="0"/>
+              </a:spcAft>
+              <a:buClr>
+                <a:schemeClr val="accent1"/>
+              </a:buClr>
+              <a:buSzPct val="80000"/>
+              <a:buFont typeface="Wingdings 3" charset="2"/>
+              <a:buChar char=""/>
+              <a:defRPr sz="1200" kern="1200">
+                <a:solidFill>
+                  <a:schemeClr val="tx1">
+                    <a:lumMod val="75000"/>
+                    <a:lumOff val="25000"/>
+                  </a:schemeClr>
+                </a:solidFill>
+                <a:latin typeface="+mn-lt"/>
+                <a:ea typeface="+mn-ea"/>
+                <a:cs typeface="+mn-cs"/>
+              </a:defRPr>
+            </a:lvl5pPr>
+            <a:lvl6pPr marL="2514600" indent="-228600" algn="l" defTabSz="457200" rtl="0" eaLnBrk="1" latinLnBrk="0" hangingPunct="1">
+              <a:spcBef>
+                <a:spcPts val="1000"/>
+              </a:spcBef>
+              <a:spcAft>
+                <a:spcPts val="0"/>
+              </a:spcAft>
+              <a:buClr>
+                <a:schemeClr val="accent1"/>
+              </a:buClr>
+              <a:buSzPct val="80000"/>
+              <a:buFont typeface="Wingdings 3" charset="2"/>
+              <a:buChar char=""/>
+              <a:defRPr sz="1200" kern="1200">
+                <a:solidFill>
+                  <a:schemeClr val="tx1">
+                    <a:lumMod val="75000"/>
+                    <a:lumOff val="25000"/>
+                  </a:schemeClr>
+                </a:solidFill>
+                <a:latin typeface="+mn-lt"/>
+                <a:ea typeface="+mn-ea"/>
+                <a:cs typeface="+mn-cs"/>
+              </a:defRPr>
+            </a:lvl6pPr>
+            <a:lvl7pPr marL="2971800" indent="-228600" algn="l" defTabSz="457200" rtl="0" eaLnBrk="1" latinLnBrk="0" hangingPunct="1">
+              <a:spcBef>
+                <a:spcPts val="1000"/>
+              </a:spcBef>
+              <a:spcAft>
+                <a:spcPts val="0"/>
+              </a:spcAft>
+              <a:buClr>
+                <a:schemeClr val="accent1"/>
+              </a:buClr>
+              <a:buSzPct val="80000"/>
+              <a:buFont typeface="Wingdings 3" charset="2"/>
+              <a:buChar char=""/>
+              <a:defRPr sz="1200" kern="1200">
+                <a:solidFill>
+                  <a:schemeClr val="tx1">
+                    <a:lumMod val="75000"/>
+                    <a:lumOff val="25000"/>
+                  </a:schemeClr>
+                </a:solidFill>
+                <a:latin typeface="+mn-lt"/>
+                <a:ea typeface="+mn-ea"/>
+                <a:cs typeface="+mn-cs"/>
+              </a:defRPr>
+            </a:lvl7pPr>
+            <a:lvl8pPr marL="3429000" indent="-228600" algn="l" defTabSz="457200" rtl="0" eaLnBrk="1" latinLnBrk="0" hangingPunct="1">
+              <a:spcBef>
+                <a:spcPts val="1000"/>
+              </a:spcBef>
+              <a:spcAft>
+                <a:spcPts val="0"/>
+              </a:spcAft>
+              <a:buClr>
+                <a:schemeClr val="accent1"/>
+              </a:buClr>
+              <a:buSzPct val="80000"/>
+              <a:buFont typeface="Wingdings 3" charset="2"/>
+              <a:buChar char=""/>
+              <a:defRPr sz="1200" kern="1200">
+                <a:solidFill>
+                  <a:schemeClr val="tx1">
+                    <a:lumMod val="75000"/>
+                    <a:lumOff val="25000"/>
+                  </a:schemeClr>
+                </a:solidFill>
+                <a:latin typeface="+mn-lt"/>
+                <a:ea typeface="+mn-ea"/>
+                <a:cs typeface="+mn-cs"/>
+              </a:defRPr>
+            </a:lvl8pPr>
+            <a:lvl9pPr marL="3886200" indent="-228600" algn="l" defTabSz="457200" rtl="0" eaLnBrk="1" latinLnBrk="0" hangingPunct="1">
+              <a:spcBef>
+                <a:spcPts val="1000"/>
+              </a:spcBef>
+              <a:spcAft>
+                <a:spcPts val="0"/>
+              </a:spcAft>
+              <a:buClr>
+                <a:schemeClr val="accent1"/>
+              </a:buClr>
+              <a:buSzPct val="80000"/>
+              <a:buFont typeface="Wingdings 3" charset="2"/>
+              <a:buChar char=""/>
+              <a:defRPr sz="1200" kern="1200">
+                <a:solidFill>
+                  <a:schemeClr val="tx1">
+                    <a:lumMod val="75000"/>
+                    <a:lumOff val="25000"/>
+                  </a:schemeClr>
+                </a:solidFill>
+                <a:latin typeface="+mn-lt"/>
+                <a:ea typeface="+mn-ea"/>
+                <a:cs typeface="+mn-cs"/>
+              </a:defRPr>
+            </a:lvl9pPr>
+          </a:lstStyle>
+          <a:p>
+            <a:pPr marL="0" indent="0">
+              <a:buFont typeface="Wingdings 3" charset="2"/>
+              <a:buNone/>
+            </a:pPr>
+            <a:r>
+              <a:rPr lang="it-IT" sz="2900" b="1" i="1" dirty="0" smtClean="0">
+                <a:solidFill>
+                  <a:prstClr val="black"/>
+                </a:solidFill>
+                <a:cs typeface="Times New Roman" panose="02020603050405020304" pitchFamily="18" charset="0"/>
+              </a:rPr>
+              <a:t>Emoji Map:</a:t>
+            </a:r>
+          </a:p>
+          <a:p>
+            <a:pPr marL="0" indent="0">
+              <a:buNone/>
+            </a:pPr>
+            <a:r>
+              <a:rPr lang="it-IT" sz="1900" dirty="0" smtClean="0">
+                <a:solidFill>
+                  <a:prstClr val="black"/>
+                </a:solidFill>
+                <a:effectLst>
+                  <a:outerShdw blurRad="38100" dist="38100" dir="2700000" algn="tl">
+                    <a:srgbClr val="000000">
+                      <a:alpha val="43137"/>
+                    </a:srgbClr>
+                  </a:outerShdw>
+                </a:effectLst>
+                <a:cs typeface="Times New Roman" panose="02020603050405020304" pitchFamily="18" charset="0"/>
+              </a:rPr>
+              <a:t/>
+            </a:r>
+            <a:br>
+              <a:rPr lang="it-IT" sz="1900" dirty="0" smtClean="0">
+                <a:solidFill>
+                  <a:prstClr val="black"/>
+                </a:solidFill>
+                <a:effectLst>
+                  <a:outerShdw blurRad="38100" dist="38100" dir="2700000" algn="tl">
+                    <a:srgbClr val="000000">
+                      <a:alpha val="43137"/>
+                    </a:srgbClr>
+                  </a:outerShdw>
+                </a:effectLst>
+                <a:cs typeface="Times New Roman" panose="02020603050405020304" pitchFamily="18" charset="0"/>
+              </a:rPr>
+            </a:br>
+            <a:r>
+              <a:rPr lang="it-IT" sz="1900" dirty="0">
+                <a:solidFill>
+                  <a:prstClr val="black"/>
+                </a:solidFill>
+                <a:cs typeface="Times New Roman" panose="02020603050405020304" pitchFamily="18" charset="0"/>
+              </a:rPr>
+              <a:t>per </a:t>
+            </a:r>
+            <a:r>
+              <a:rPr lang="it-IT" sz="1900" dirty="0" smtClean="0">
+                <a:solidFill>
+                  <a:prstClr val="black"/>
+                </a:solidFill>
+                <a:cs typeface="Times New Roman" panose="02020603050405020304" pitchFamily="18" charset="0"/>
+              </a:rPr>
+              <a:t>ciascun sentimento viene </a:t>
+            </a:r>
+            <a:r>
+              <a:rPr lang="it-IT" sz="1900" dirty="0">
+                <a:solidFill>
+                  <a:prstClr val="black"/>
+                </a:solidFill>
+                <a:cs typeface="Times New Roman" panose="02020603050405020304" pitchFamily="18" charset="0"/>
+              </a:rPr>
+              <a:t>creata una mappa, che a sua volta contiene tante mappe per </a:t>
+            </a:r>
+            <a:r>
+              <a:rPr lang="it-IT" sz="1900" dirty="0" smtClean="0">
+                <a:solidFill>
+                  <a:prstClr val="black"/>
+                </a:solidFill>
+                <a:cs typeface="Times New Roman" panose="02020603050405020304" pitchFamily="18" charset="0"/>
+              </a:rPr>
+              <a:t>ciascuna </a:t>
+            </a:r>
+            <a:r>
+              <a:rPr lang="it-IT" sz="1900" dirty="0">
+                <a:solidFill>
+                  <a:prstClr val="black"/>
+                </a:solidFill>
+                <a:cs typeface="Times New Roman" panose="02020603050405020304" pitchFamily="18" charset="0"/>
+              </a:rPr>
+              <a:t>emoji o emoticon</a:t>
+            </a:r>
+            <a:r>
+              <a:rPr lang="it-IT" sz="1900" dirty="0" smtClean="0">
+                <a:solidFill>
+                  <a:prstClr val="black"/>
+                </a:solidFill>
+                <a:cs typeface="Times New Roman" panose="02020603050405020304" pitchFamily="18" charset="0"/>
+              </a:rPr>
+              <a:t> con le </a:t>
+            </a:r>
+            <a:r>
+              <a:rPr lang="it-IT" sz="1900" dirty="0">
+                <a:solidFill>
+                  <a:prstClr val="black"/>
+                </a:solidFill>
+                <a:cs typeface="Times New Roman" panose="02020603050405020304" pitchFamily="18" charset="0"/>
+              </a:rPr>
+              <a:t>relative frequenze</a:t>
+            </a:r>
+          </a:p>
+          <a:p>
+            <a:pPr marL="0" indent="0">
+              <a:buFont typeface="Wingdings 3" charset="2"/>
+              <a:buNone/>
+            </a:pPr>
+            <a:endParaRPr lang="it-IT" dirty="0"/>
+          </a:p>
+        </p:txBody>
+      </p:sp>
+      <p:sp>
+        <p:nvSpPr>
+          <p:cNvPr id="9" name="Segnaposto contenuto 2">
+            <a:extLst>
+              <a:ext uri="{FF2B5EF4-FFF2-40B4-BE49-F238E27FC236}">
+                <a16:creationId xmlns:a16="http://schemas.microsoft.com/office/drawing/2014/main" xmlns="" id="{058AAC17-44C7-46C9-846C-ACC9953C05A1}"/>
+              </a:ext>
+            </a:extLst>
+          </p:cNvPr>
+          <p:cNvSpPr>
+            <a:spLocks noGrp="1"/>
+          </p:cNvSpPr>
+          <p:nvPr>
+            <p:ph sz="half" idx="1"/>
+          </p:nvPr>
+        </p:nvSpPr>
+        <p:spPr>
+          <a:xfrm>
+            <a:off x="457200" y="1231741"/>
+            <a:ext cx="4038600" cy="1828800"/>
+          </a:xfrm>
+        </p:spPr>
+        <p:txBody>
+          <a:bodyPr>
+            <a:normAutofit fontScale="92500" lnSpcReduction="10000"/>
+          </a:bodyPr>
+          <a:lstStyle/>
+          <a:p>
+            <a:pPr marL="0" indent="0">
+              <a:buNone/>
+            </a:pPr>
+            <a:r>
+              <a:rPr lang="it-IT" sz="2900" b="1" i="1" dirty="0" smtClean="0">
+                <a:solidFill>
+                  <a:prstClr val="black"/>
+                </a:solidFill>
+                <a:cs typeface="Times New Roman" panose="02020603050405020304" pitchFamily="18" charset="0"/>
+              </a:rPr>
+              <a:t>Word Map</a:t>
+            </a:r>
+            <a:r>
+              <a:rPr lang="it-IT" sz="2900" b="1" i="1" dirty="0">
+                <a:solidFill>
+                  <a:prstClr val="black"/>
+                </a:solidFill>
+                <a:cs typeface="Times New Roman" panose="02020603050405020304" pitchFamily="18" charset="0"/>
+              </a:rPr>
+              <a:t>:</a:t>
+            </a:r>
+          </a:p>
+          <a:p>
+            <a:pPr marL="0" indent="0">
+              <a:buNone/>
+            </a:pPr>
+            <a:r>
+              <a:rPr lang="it-IT" sz="1900" dirty="0">
+                <a:solidFill>
+                  <a:prstClr val="black"/>
+                </a:solidFill>
+                <a:effectLst>
+                  <a:outerShdw blurRad="38100" dist="38100" dir="2700000" algn="tl">
+                    <a:srgbClr val="000000">
+                      <a:alpha val="43137"/>
+                    </a:srgbClr>
+                  </a:outerShdw>
+                </a:effectLst>
+                <a:cs typeface="Times New Roman" panose="02020603050405020304" pitchFamily="18" charset="0"/>
+              </a:rPr>
+              <a:t/>
+            </a:r>
+            <a:br>
+              <a:rPr lang="it-IT" sz="1900" dirty="0">
+                <a:solidFill>
+                  <a:prstClr val="black"/>
+                </a:solidFill>
+                <a:effectLst>
+                  <a:outerShdw blurRad="38100" dist="38100" dir="2700000" algn="tl">
+                    <a:srgbClr val="000000">
+                      <a:alpha val="43137"/>
+                    </a:srgbClr>
+                  </a:outerShdw>
+                </a:effectLst>
+                <a:cs typeface="Times New Roman" panose="02020603050405020304" pitchFamily="18" charset="0"/>
+              </a:rPr>
+            </a:br>
+            <a:r>
+              <a:rPr lang="it-IT" sz="1900" dirty="0" smtClean="0">
+                <a:solidFill>
+                  <a:prstClr val="black"/>
+                </a:solidFill>
+                <a:cs typeface="Times New Roman" panose="02020603050405020304" pitchFamily="18" charset="0"/>
+              </a:rPr>
+              <a:t>per ciascuna parola relativa ad un sentimento viene generata una mappa relativa alla frequenza nei tweet</a:t>
+            </a:r>
+            <a:endParaRPr lang="it-IT" sz="1900" dirty="0">
+              <a:solidFill>
+                <a:prstClr val="black"/>
+              </a:solidFill>
+              <a:cs typeface="Times New Roman" panose="02020603050405020304" pitchFamily="18" charset="0"/>
+            </a:endParaRPr>
+          </a:p>
+        </p:txBody>
+      </p:sp>
+    </p:spTree>
+    <p:extLst>
+      <p:ext uri="{BB962C8B-B14F-4D97-AF65-F5344CB8AC3E}">
+        <p14:creationId xmlns:p14="http://schemas.microsoft.com/office/powerpoint/2010/main" val="2192762483"/>
+      </p:ext>
+    </p:extLst>
+  </p:cSld>
+  <p:clrMapOvr>
+    <a:masterClrMapping/>
+  </p:clrMapOvr>
+  <p:timing>
+    <p:tnLst>
+      <p:par>
+        <p:cTn id="1" dur="indefinite" restart="never" nodeType="tmRoot"/>
+      </p:par>
+    </p:tnLst>
+  </p:timing>
+</p:sld>
+</file>
+
+<file path=ppt/slides/slide7.xml><?xml version="1.0" encoding="utf-8"?>
+<p:sld xmlns:a="http://schemas.openxmlformats.org/drawingml/2006/main" xmlns:r="http://schemas.openxmlformats.org/officeDocument/2006/relationships" xmlns:p="http://schemas.openxmlformats.org/presentationml/2006/main">
+  <p:cSld>
+    <p:spTree>
+      <p:nvGrpSpPr>
+        <p:cNvPr id="1" name=""/>
+        <p:cNvGrpSpPr/>
+        <p:nvPr/>
+      </p:nvGrpSpPr>
+      <p:grpSpPr>
+        <a:xfrm>
+          <a:off x="0" y="0"/>
+          <a:ext cx="0" cy="0"/>
+          <a:chOff x="0" y="0"/>
+          <a:chExt cx="0" cy="0"/>
+        </a:xfrm>
+      </p:grpSpPr>
+      <p:sp>
+        <p:nvSpPr>
           <p:cNvPr id="4" name="Titolo 1"/>
           <p:cNvSpPr>
             <a:spLocks noGrp="1"/>
@@ -10864,973 +11825,6 @@
     <p:extLst>
       <p:ext uri="{BB962C8B-B14F-4D97-AF65-F5344CB8AC3E}">
         <p14:creationId xmlns:p14="http://schemas.microsoft.com/office/powerpoint/2010/main" val="976066246"/>
-      </p:ext>
-    </p:extLst>
-  </p:cSld>
-  <p:clrMapOvr>
-    <a:masterClrMapping/>
-  </p:clrMapOvr>
-  <p:timing>
-    <p:tnLst>
-      <p:par>
-        <p:cTn id="1" dur="indefinite" restart="never" nodeType="tmRoot"/>
-      </p:par>
-    </p:tnLst>
-  </p:timing>
-</p:sld>
-</file>
-
-<file path=ppt/slides/slide7.xml><?xml version="1.0" encoding="utf-8"?>
-<p:sld xmlns:a="http://schemas.openxmlformats.org/drawingml/2006/main" xmlns:r="http://schemas.openxmlformats.org/officeDocument/2006/relationships" xmlns:p="http://schemas.openxmlformats.org/presentationml/2006/main">
-  <p:cSld>
-    <p:spTree>
-      <p:nvGrpSpPr>
-        <p:cNvPr id="1" name=""/>
-        <p:cNvGrpSpPr/>
-        <p:nvPr/>
-      </p:nvGrpSpPr>
-      <p:grpSpPr>
-        <a:xfrm>
-          <a:off x="0" y="0"/>
-          <a:ext cx="0" cy="0"/>
-          <a:chOff x="0" y="0"/>
-          <a:chExt cx="0" cy="0"/>
-        </a:xfrm>
-      </p:grpSpPr>
-      <p:sp>
-        <p:nvSpPr>
-          <p:cNvPr id="5" name="Titolo 1">
-            <a:extLst>
-              <a:ext uri="{FF2B5EF4-FFF2-40B4-BE49-F238E27FC236}">
-                <a16:creationId xmlns="" xmlns:a16="http://schemas.microsoft.com/office/drawing/2014/main" id="{7B0C3D97-6237-4821-A89A-70162D11EE48}"/>
-              </a:ext>
-            </a:extLst>
-          </p:cNvPr>
-          <p:cNvSpPr txBox="1">
-            <a:spLocks/>
-          </p:cNvSpPr>
-          <p:nvPr/>
-        </p:nvSpPr>
-        <p:spPr>
-          <a:xfrm>
-            <a:off x="0" y="274638"/>
-            <a:ext cx="12192000" cy="1143000"/>
-          </a:xfrm>
-          <a:prstGeom prst="rect">
-            <a:avLst/>
-          </a:prstGeom>
-        </p:spPr>
-        <p:txBody>
-          <a:bodyPr vert="horz" lIns="91440" tIns="45720" rIns="91440" bIns="45720" rtlCol="0" anchor="t">
-            <a:normAutofit/>
-          </a:bodyPr>
-          <a:lstStyle>
-            <a:lvl1pPr algn="l" defTabSz="457200" rtl="0" eaLnBrk="1" latinLnBrk="0" hangingPunct="1">
-              <a:spcBef>
-                <a:spcPct val="0"/>
-              </a:spcBef>
-              <a:buNone/>
-              <a:defRPr sz="3600" kern="1200">
-                <a:solidFill>
-                  <a:schemeClr val="accent1"/>
-                </a:solidFill>
-                <a:latin typeface="+mj-lt"/>
-                <a:ea typeface="+mj-ea"/>
-                <a:cs typeface="+mj-cs"/>
-              </a:defRPr>
-            </a:lvl1pPr>
-            <a:lvl2pPr eaLnBrk="1" hangingPunct="1">
-              <a:defRPr>
-                <a:solidFill>
-                  <a:schemeClr val="tx2"/>
-                </a:solidFill>
-              </a:defRPr>
-            </a:lvl2pPr>
-            <a:lvl3pPr eaLnBrk="1" hangingPunct="1">
-              <a:defRPr>
-                <a:solidFill>
-                  <a:schemeClr val="tx2"/>
-                </a:solidFill>
-              </a:defRPr>
-            </a:lvl3pPr>
-            <a:lvl4pPr eaLnBrk="1" hangingPunct="1">
-              <a:defRPr>
-                <a:solidFill>
-                  <a:schemeClr val="tx2"/>
-                </a:solidFill>
-              </a:defRPr>
-            </a:lvl4pPr>
-            <a:lvl5pPr eaLnBrk="1" hangingPunct="1">
-              <a:defRPr>
-                <a:solidFill>
-                  <a:schemeClr val="tx2"/>
-                </a:solidFill>
-              </a:defRPr>
-            </a:lvl5pPr>
-            <a:lvl6pPr eaLnBrk="1" hangingPunct="1">
-              <a:defRPr>
-                <a:solidFill>
-                  <a:schemeClr val="tx2"/>
-                </a:solidFill>
-              </a:defRPr>
-            </a:lvl6pPr>
-            <a:lvl7pPr eaLnBrk="1" hangingPunct="1">
-              <a:defRPr>
-                <a:solidFill>
-                  <a:schemeClr val="tx2"/>
-                </a:solidFill>
-              </a:defRPr>
-            </a:lvl7pPr>
-            <a:lvl8pPr eaLnBrk="1" hangingPunct="1">
-              <a:defRPr>
-                <a:solidFill>
-                  <a:schemeClr val="tx2"/>
-                </a:solidFill>
-              </a:defRPr>
-            </a:lvl8pPr>
-            <a:lvl9pPr eaLnBrk="1" hangingPunct="1">
-              <a:defRPr>
-                <a:solidFill>
-                  <a:schemeClr val="tx2"/>
-                </a:solidFill>
-              </a:defRPr>
-            </a:lvl9pPr>
-          </a:lstStyle>
-          <a:p>
-            <a:pPr algn="ctr"/>
-            <a:r>
-              <a:rPr lang="it-IT" dirty="0"/>
-              <a:t>Elenco mappe generate</a:t>
-            </a:r>
-            <a:endParaRPr lang="it-IT" dirty="0"/>
-          </a:p>
-        </p:txBody>
-      </p:sp>
-      <p:sp>
-        <p:nvSpPr>
-          <p:cNvPr id="6" name="Segnaposto contenuto 2">
-            <a:extLst>
-              <a:ext uri="{FF2B5EF4-FFF2-40B4-BE49-F238E27FC236}">
-                <a16:creationId xmlns="" xmlns:a16="http://schemas.microsoft.com/office/drawing/2014/main" id="{058AAC17-44C7-46C9-846C-ACC9953C05A1}"/>
-              </a:ext>
-            </a:extLst>
-          </p:cNvPr>
-          <p:cNvSpPr txBox="1">
-            <a:spLocks/>
-          </p:cNvSpPr>
-          <p:nvPr/>
-        </p:nvSpPr>
-        <p:spPr>
-          <a:xfrm>
-            <a:off x="4917831" y="2584023"/>
-            <a:ext cx="4038600" cy="1828800"/>
-          </a:xfrm>
-          <a:prstGeom prst="rect">
-            <a:avLst/>
-          </a:prstGeom>
-        </p:spPr>
-        <p:txBody>
-          <a:bodyPr vert="horz" lIns="91440" tIns="45720" rIns="91440" bIns="45720" rtlCol="0">
-            <a:normAutofit fontScale="92500" lnSpcReduction="10000"/>
-          </a:bodyPr>
-          <a:lstStyle>
-            <a:lvl1pPr marL="342900" indent="-342900" algn="l" defTabSz="457200" rtl="0" eaLnBrk="1" latinLnBrk="0" hangingPunct="1">
-              <a:spcBef>
-                <a:spcPts val="1000"/>
-              </a:spcBef>
-              <a:spcAft>
-                <a:spcPts val="0"/>
-              </a:spcAft>
-              <a:buClr>
-                <a:schemeClr val="accent1"/>
-              </a:buClr>
-              <a:buSzPct val="80000"/>
-              <a:buFont typeface="Wingdings 3" charset="2"/>
-              <a:buChar char=""/>
-              <a:defRPr sz="1800" kern="1200">
-                <a:solidFill>
-                  <a:schemeClr val="tx1">
-                    <a:lumMod val="75000"/>
-                    <a:lumOff val="25000"/>
-                  </a:schemeClr>
-                </a:solidFill>
-                <a:latin typeface="+mn-lt"/>
-                <a:ea typeface="+mn-ea"/>
-                <a:cs typeface="+mn-cs"/>
-              </a:defRPr>
-            </a:lvl1pPr>
-            <a:lvl2pPr marL="742950" indent="-285750" algn="l" defTabSz="457200" rtl="0" eaLnBrk="1" latinLnBrk="0" hangingPunct="1">
-              <a:spcBef>
-                <a:spcPts val="1000"/>
-              </a:spcBef>
-              <a:spcAft>
-                <a:spcPts val="0"/>
-              </a:spcAft>
-              <a:buClr>
-                <a:schemeClr val="accent1"/>
-              </a:buClr>
-              <a:buSzPct val="80000"/>
-              <a:buFont typeface="Wingdings 3" charset="2"/>
-              <a:buChar char=""/>
-              <a:defRPr sz="1600" kern="1200">
-                <a:solidFill>
-                  <a:schemeClr val="tx1">
-                    <a:lumMod val="75000"/>
-                    <a:lumOff val="25000"/>
-                  </a:schemeClr>
-                </a:solidFill>
-                <a:latin typeface="+mn-lt"/>
-                <a:ea typeface="+mn-ea"/>
-                <a:cs typeface="+mn-cs"/>
-              </a:defRPr>
-            </a:lvl2pPr>
-            <a:lvl3pPr marL="1143000" indent="-228600" algn="l" defTabSz="457200" rtl="0" eaLnBrk="1" latinLnBrk="0" hangingPunct="1">
-              <a:spcBef>
-                <a:spcPts val="1000"/>
-              </a:spcBef>
-              <a:spcAft>
-                <a:spcPts val="0"/>
-              </a:spcAft>
-              <a:buClr>
-                <a:schemeClr val="accent1"/>
-              </a:buClr>
-              <a:buSzPct val="80000"/>
-              <a:buFont typeface="Wingdings 3" charset="2"/>
-              <a:buChar char=""/>
-              <a:defRPr sz="1400" kern="1200">
-                <a:solidFill>
-                  <a:schemeClr val="tx1">
-                    <a:lumMod val="75000"/>
-                    <a:lumOff val="25000"/>
-                  </a:schemeClr>
-                </a:solidFill>
-                <a:latin typeface="+mn-lt"/>
-                <a:ea typeface="+mn-ea"/>
-                <a:cs typeface="+mn-cs"/>
-              </a:defRPr>
-            </a:lvl3pPr>
-            <a:lvl4pPr marL="1600200" indent="-228600" algn="l" defTabSz="457200" rtl="0" eaLnBrk="1" latinLnBrk="0" hangingPunct="1">
-              <a:spcBef>
-                <a:spcPts val="1000"/>
-              </a:spcBef>
-              <a:spcAft>
-                <a:spcPts val="0"/>
-              </a:spcAft>
-              <a:buClr>
-                <a:schemeClr val="accent1"/>
-              </a:buClr>
-              <a:buSzPct val="80000"/>
-              <a:buFont typeface="Wingdings 3" charset="2"/>
-              <a:buChar char=""/>
-              <a:defRPr sz="1200" kern="1200">
-                <a:solidFill>
-                  <a:schemeClr val="tx1">
-                    <a:lumMod val="75000"/>
-                    <a:lumOff val="25000"/>
-                  </a:schemeClr>
-                </a:solidFill>
-                <a:latin typeface="+mn-lt"/>
-                <a:ea typeface="+mn-ea"/>
-                <a:cs typeface="+mn-cs"/>
-              </a:defRPr>
-            </a:lvl4pPr>
-            <a:lvl5pPr marL="2057400" indent="-228600" algn="l" defTabSz="457200" rtl="0" eaLnBrk="1" latinLnBrk="0" hangingPunct="1">
-              <a:spcBef>
-                <a:spcPts val="1000"/>
-              </a:spcBef>
-              <a:spcAft>
-                <a:spcPts val="0"/>
-              </a:spcAft>
-              <a:buClr>
-                <a:schemeClr val="accent1"/>
-              </a:buClr>
-              <a:buSzPct val="80000"/>
-              <a:buFont typeface="Wingdings 3" charset="2"/>
-              <a:buChar char=""/>
-              <a:defRPr sz="1200" kern="1200">
-                <a:solidFill>
-                  <a:schemeClr val="tx1">
-                    <a:lumMod val="75000"/>
-                    <a:lumOff val="25000"/>
-                  </a:schemeClr>
-                </a:solidFill>
-                <a:latin typeface="+mn-lt"/>
-                <a:ea typeface="+mn-ea"/>
-                <a:cs typeface="+mn-cs"/>
-              </a:defRPr>
-            </a:lvl5pPr>
-            <a:lvl6pPr marL="2514600" indent="-228600" algn="l" defTabSz="457200" rtl="0" eaLnBrk="1" latinLnBrk="0" hangingPunct="1">
-              <a:spcBef>
-                <a:spcPts val="1000"/>
-              </a:spcBef>
-              <a:spcAft>
-                <a:spcPts val="0"/>
-              </a:spcAft>
-              <a:buClr>
-                <a:schemeClr val="accent1"/>
-              </a:buClr>
-              <a:buSzPct val="80000"/>
-              <a:buFont typeface="Wingdings 3" charset="2"/>
-              <a:buChar char=""/>
-              <a:defRPr sz="1200" kern="1200">
-                <a:solidFill>
-                  <a:schemeClr val="tx1">
-                    <a:lumMod val="75000"/>
-                    <a:lumOff val="25000"/>
-                  </a:schemeClr>
-                </a:solidFill>
-                <a:latin typeface="+mn-lt"/>
-                <a:ea typeface="+mn-ea"/>
-                <a:cs typeface="+mn-cs"/>
-              </a:defRPr>
-            </a:lvl6pPr>
-            <a:lvl7pPr marL="2971800" indent="-228600" algn="l" defTabSz="457200" rtl="0" eaLnBrk="1" latinLnBrk="0" hangingPunct="1">
-              <a:spcBef>
-                <a:spcPts val="1000"/>
-              </a:spcBef>
-              <a:spcAft>
-                <a:spcPts val="0"/>
-              </a:spcAft>
-              <a:buClr>
-                <a:schemeClr val="accent1"/>
-              </a:buClr>
-              <a:buSzPct val="80000"/>
-              <a:buFont typeface="Wingdings 3" charset="2"/>
-              <a:buChar char=""/>
-              <a:defRPr sz="1200" kern="1200">
-                <a:solidFill>
-                  <a:schemeClr val="tx1">
-                    <a:lumMod val="75000"/>
-                    <a:lumOff val="25000"/>
-                  </a:schemeClr>
-                </a:solidFill>
-                <a:latin typeface="+mn-lt"/>
-                <a:ea typeface="+mn-ea"/>
-                <a:cs typeface="+mn-cs"/>
-              </a:defRPr>
-            </a:lvl7pPr>
-            <a:lvl8pPr marL="3429000" indent="-228600" algn="l" defTabSz="457200" rtl="0" eaLnBrk="1" latinLnBrk="0" hangingPunct="1">
-              <a:spcBef>
-                <a:spcPts val="1000"/>
-              </a:spcBef>
-              <a:spcAft>
-                <a:spcPts val="0"/>
-              </a:spcAft>
-              <a:buClr>
-                <a:schemeClr val="accent1"/>
-              </a:buClr>
-              <a:buSzPct val="80000"/>
-              <a:buFont typeface="Wingdings 3" charset="2"/>
-              <a:buChar char=""/>
-              <a:defRPr sz="1200" kern="1200">
-                <a:solidFill>
-                  <a:schemeClr val="tx1">
-                    <a:lumMod val="75000"/>
-                    <a:lumOff val="25000"/>
-                  </a:schemeClr>
-                </a:solidFill>
-                <a:latin typeface="+mn-lt"/>
-                <a:ea typeface="+mn-ea"/>
-                <a:cs typeface="+mn-cs"/>
-              </a:defRPr>
-            </a:lvl8pPr>
-            <a:lvl9pPr marL="3886200" indent="-228600" algn="l" defTabSz="457200" rtl="0" eaLnBrk="1" latinLnBrk="0" hangingPunct="1">
-              <a:spcBef>
-                <a:spcPts val="1000"/>
-              </a:spcBef>
-              <a:spcAft>
-                <a:spcPts val="0"/>
-              </a:spcAft>
-              <a:buClr>
-                <a:schemeClr val="accent1"/>
-              </a:buClr>
-              <a:buSzPct val="80000"/>
-              <a:buFont typeface="Wingdings 3" charset="2"/>
-              <a:buChar char=""/>
-              <a:defRPr sz="1200" kern="1200">
-                <a:solidFill>
-                  <a:schemeClr val="tx1">
-                    <a:lumMod val="75000"/>
-                    <a:lumOff val="25000"/>
-                  </a:schemeClr>
-                </a:solidFill>
-                <a:latin typeface="+mn-lt"/>
-                <a:ea typeface="+mn-ea"/>
-                <a:cs typeface="+mn-cs"/>
-              </a:defRPr>
-            </a:lvl9pPr>
-          </a:lstStyle>
-          <a:p>
-            <a:pPr marL="0" indent="0">
-              <a:buFont typeface="Wingdings 3" charset="2"/>
-              <a:buNone/>
-            </a:pPr>
-            <a:r>
-              <a:rPr lang="it-IT" sz="2900" b="1" i="1" dirty="0" smtClean="0">
-                <a:solidFill>
-                  <a:prstClr val="black"/>
-                </a:solidFill>
-                <a:cs typeface="Times New Roman" panose="02020603050405020304" pitchFamily="18" charset="0"/>
-              </a:rPr>
-              <a:t>Hashtag Map:</a:t>
-            </a:r>
-          </a:p>
-          <a:p>
-            <a:pPr marL="0" indent="0">
-              <a:buFont typeface="Wingdings 3" charset="2"/>
-              <a:buNone/>
-            </a:pPr>
-            <a:r>
-              <a:rPr lang="it-IT" sz="1900" dirty="0" smtClean="0">
-                <a:solidFill>
-                  <a:prstClr val="black"/>
-                </a:solidFill>
-                <a:effectLst>
-                  <a:outerShdw blurRad="38100" dist="38100" dir="2700000" algn="tl">
-                    <a:srgbClr val="000000">
-                      <a:alpha val="43137"/>
-                    </a:srgbClr>
-                  </a:outerShdw>
-                </a:effectLst>
-                <a:cs typeface="Times New Roman" panose="02020603050405020304" pitchFamily="18" charset="0"/>
-              </a:rPr>
-              <a:t/>
-            </a:r>
-            <a:br>
-              <a:rPr lang="it-IT" sz="1900" dirty="0" smtClean="0">
-                <a:solidFill>
-                  <a:prstClr val="black"/>
-                </a:solidFill>
-                <a:effectLst>
-                  <a:outerShdw blurRad="38100" dist="38100" dir="2700000" algn="tl">
-                    <a:srgbClr val="000000">
-                      <a:alpha val="43137"/>
-                    </a:srgbClr>
-                  </a:outerShdw>
-                </a:effectLst>
-                <a:cs typeface="Times New Roman" panose="02020603050405020304" pitchFamily="18" charset="0"/>
-              </a:rPr>
-            </a:br>
-            <a:r>
-              <a:rPr lang="it-IT" sz="1900" dirty="0" smtClean="0">
-                <a:solidFill>
-                  <a:prstClr val="black"/>
-                </a:solidFill>
-                <a:cs typeface="Times New Roman" panose="02020603050405020304" pitchFamily="18" charset="0"/>
-              </a:rPr>
-              <a:t>per ciascun sentimento viene creata una mappa, che a sua volta contiene tante mappe per ciascun </a:t>
-            </a:r>
-            <a:r>
-              <a:rPr lang="it-IT" sz="1900" dirty="0" err="1" smtClean="0">
-                <a:solidFill>
-                  <a:prstClr val="black"/>
-                </a:solidFill>
-                <a:cs typeface="Times New Roman" panose="02020603050405020304" pitchFamily="18" charset="0"/>
-              </a:rPr>
-              <a:t>hashtag</a:t>
-            </a:r>
-            <a:r>
-              <a:rPr lang="it-IT" sz="1900" dirty="0" smtClean="0">
-                <a:solidFill>
-                  <a:prstClr val="black"/>
-                </a:solidFill>
-                <a:cs typeface="Times New Roman" panose="02020603050405020304" pitchFamily="18" charset="0"/>
-              </a:rPr>
-              <a:t> con le relative frequenze</a:t>
-            </a:r>
-            <a:endParaRPr lang="it-IT" sz="1900" dirty="0">
-              <a:solidFill>
-                <a:prstClr val="black"/>
-              </a:solidFill>
-              <a:cs typeface="Times New Roman" panose="02020603050405020304" pitchFamily="18" charset="0"/>
-            </a:endParaRPr>
-          </a:p>
-        </p:txBody>
-      </p:sp>
-      <p:sp>
-        <p:nvSpPr>
-          <p:cNvPr id="7" name="Segnaposto contenuto 3">
-            <a:extLst>
-              <a:ext uri="{FF2B5EF4-FFF2-40B4-BE49-F238E27FC236}">
-                <a16:creationId xmlns="" xmlns:a16="http://schemas.microsoft.com/office/drawing/2014/main" id="{68B22042-CC38-489D-A7E5-BCC033D653FC}"/>
-              </a:ext>
-            </a:extLst>
-          </p:cNvPr>
-          <p:cNvSpPr txBox="1">
-            <a:spLocks/>
-          </p:cNvSpPr>
-          <p:nvPr/>
-        </p:nvSpPr>
-        <p:spPr>
-          <a:xfrm>
-            <a:off x="457200" y="3645882"/>
-            <a:ext cx="4038600" cy="2116832"/>
-          </a:xfrm>
-          <a:prstGeom prst="rect">
-            <a:avLst/>
-          </a:prstGeom>
-        </p:spPr>
-        <p:txBody>
-          <a:bodyPr>
-            <a:normAutofit fontScale="92500"/>
-          </a:bodyPr>
-          <a:lstStyle>
-            <a:lvl1pPr marL="342900" indent="-342900" algn="l" defTabSz="457200" rtl="0" eaLnBrk="1" latinLnBrk="0" hangingPunct="1">
-              <a:spcBef>
-                <a:spcPts val="1000"/>
-              </a:spcBef>
-              <a:spcAft>
-                <a:spcPts val="0"/>
-              </a:spcAft>
-              <a:buClr>
-                <a:schemeClr val="accent1"/>
-              </a:buClr>
-              <a:buSzPct val="80000"/>
-              <a:buFont typeface="Wingdings 3" charset="2"/>
-              <a:buChar char=""/>
-              <a:defRPr sz="1800" kern="1200">
-                <a:solidFill>
-                  <a:schemeClr val="tx1">
-                    <a:lumMod val="75000"/>
-                    <a:lumOff val="25000"/>
-                  </a:schemeClr>
-                </a:solidFill>
-                <a:latin typeface="+mn-lt"/>
-                <a:ea typeface="+mn-ea"/>
-                <a:cs typeface="+mn-cs"/>
-              </a:defRPr>
-            </a:lvl1pPr>
-            <a:lvl2pPr marL="742950" indent="-285750" algn="l" defTabSz="457200" rtl="0" eaLnBrk="1" latinLnBrk="0" hangingPunct="1">
-              <a:spcBef>
-                <a:spcPts val="1000"/>
-              </a:spcBef>
-              <a:spcAft>
-                <a:spcPts val="0"/>
-              </a:spcAft>
-              <a:buClr>
-                <a:schemeClr val="accent1"/>
-              </a:buClr>
-              <a:buSzPct val="80000"/>
-              <a:buFont typeface="Wingdings 3" charset="2"/>
-              <a:buChar char=""/>
-              <a:defRPr sz="1600" kern="1200">
-                <a:solidFill>
-                  <a:schemeClr val="tx1">
-                    <a:lumMod val="75000"/>
-                    <a:lumOff val="25000"/>
-                  </a:schemeClr>
-                </a:solidFill>
-                <a:latin typeface="+mn-lt"/>
-                <a:ea typeface="+mn-ea"/>
-                <a:cs typeface="+mn-cs"/>
-              </a:defRPr>
-            </a:lvl2pPr>
-            <a:lvl3pPr marL="1143000" indent="-228600" algn="l" defTabSz="457200" rtl="0" eaLnBrk="1" latinLnBrk="0" hangingPunct="1">
-              <a:spcBef>
-                <a:spcPts val="1000"/>
-              </a:spcBef>
-              <a:spcAft>
-                <a:spcPts val="0"/>
-              </a:spcAft>
-              <a:buClr>
-                <a:schemeClr val="accent1"/>
-              </a:buClr>
-              <a:buSzPct val="80000"/>
-              <a:buFont typeface="Wingdings 3" charset="2"/>
-              <a:buChar char=""/>
-              <a:defRPr sz="1400" kern="1200">
-                <a:solidFill>
-                  <a:schemeClr val="tx1">
-                    <a:lumMod val="75000"/>
-                    <a:lumOff val="25000"/>
-                  </a:schemeClr>
-                </a:solidFill>
-                <a:latin typeface="+mn-lt"/>
-                <a:ea typeface="+mn-ea"/>
-                <a:cs typeface="+mn-cs"/>
-              </a:defRPr>
-            </a:lvl3pPr>
-            <a:lvl4pPr marL="1600200" indent="-228600" algn="l" defTabSz="457200" rtl="0" eaLnBrk="1" latinLnBrk="0" hangingPunct="1">
-              <a:spcBef>
-                <a:spcPts val="1000"/>
-              </a:spcBef>
-              <a:spcAft>
-                <a:spcPts val="0"/>
-              </a:spcAft>
-              <a:buClr>
-                <a:schemeClr val="accent1"/>
-              </a:buClr>
-              <a:buSzPct val="80000"/>
-              <a:buFont typeface="Wingdings 3" charset="2"/>
-              <a:buChar char=""/>
-              <a:defRPr sz="1200" kern="1200">
-                <a:solidFill>
-                  <a:schemeClr val="tx1">
-                    <a:lumMod val="75000"/>
-                    <a:lumOff val="25000"/>
-                  </a:schemeClr>
-                </a:solidFill>
-                <a:latin typeface="+mn-lt"/>
-                <a:ea typeface="+mn-ea"/>
-                <a:cs typeface="+mn-cs"/>
-              </a:defRPr>
-            </a:lvl4pPr>
-            <a:lvl5pPr marL="2057400" indent="-228600" algn="l" defTabSz="457200" rtl="0" eaLnBrk="1" latinLnBrk="0" hangingPunct="1">
-              <a:spcBef>
-                <a:spcPts val="1000"/>
-              </a:spcBef>
-              <a:spcAft>
-                <a:spcPts val="0"/>
-              </a:spcAft>
-              <a:buClr>
-                <a:schemeClr val="accent1"/>
-              </a:buClr>
-              <a:buSzPct val="80000"/>
-              <a:buFont typeface="Wingdings 3" charset="2"/>
-              <a:buChar char=""/>
-              <a:defRPr sz="1200" kern="1200">
-                <a:solidFill>
-                  <a:schemeClr val="tx1">
-                    <a:lumMod val="75000"/>
-                    <a:lumOff val="25000"/>
-                  </a:schemeClr>
-                </a:solidFill>
-                <a:latin typeface="+mn-lt"/>
-                <a:ea typeface="+mn-ea"/>
-                <a:cs typeface="+mn-cs"/>
-              </a:defRPr>
-            </a:lvl5pPr>
-            <a:lvl6pPr marL="2514600" indent="-228600" algn="l" defTabSz="457200" rtl="0" eaLnBrk="1" latinLnBrk="0" hangingPunct="1">
-              <a:spcBef>
-                <a:spcPts val="1000"/>
-              </a:spcBef>
-              <a:spcAft>
-                <a:spcPts val="0"/>
-              </a:spcAft>
-              <a:buClr>
-                <a:schemeClr val="accent1"/>
-              </a:buClr>
-              <a:buSzPct val="80000"/>
-              <a:buFont typeface="Wingdings 3" charset="2"/>
-              <a:buChar char=""/>
-              <a:defRPr sz="1200" kern="1200">
-                <a:solidFill>
-                  <a:schemeClr val="tx1">
-                    <a:lumMod val="75000"/>
-                    <a:lumOff val="25000"/>
-                  </a:schemeClr>
-                </a:solidFill>
-                <a:latin typeface="+mn-lt"/>
-                <a:ea typeface="+mn-ea"/>
-                <a:cs typeface="+mn-cs"/>
-              </a:defRPr>
-            </a:lvl6pPr>
-            <a:lvl7pPr marL="2971800" indent="-228600" algn="l" defTabSz="457200" rtl="0" eaLnBrk="1" latinLnBrk="0" hangingPunct="1">
-              <a:spcBef>
-                <a:spcPts val="1000"/>
-              </a:spcBef>
-              <a:spcAft>
-                <a:spcPts val="0"/>
-              </a:spcAft>
-              <a:buClr>
-                <a:schemeClr val="accent1"/>
-              </a:buClr>
-              <a:buSzPct val="80000"/>
-              <a:buFont typeface="Wingdings 3" charset="2"/>
-              <a:buChar char=""/>
-              <a:defRPr sz="1200" kern="1200">
-                <a:solidFill>
-                  <a:schemeClr val="tx1">
-                    <a:lumMod val="75000"/>
-                    <a:lumOff val="25000"/>
-                  </a:schemeClr>
-                </a:solidFill>
-                <a:latin typeface="+mn-lt"/>
-                <a:ea typeface="+mn-ea"/>
-                <a:cs typeface="+mn-cs"/>
-              </a:defRPr>
-            </a:lvl7pPr>
-            <a:lvl8pPr marL="3429000" indent="-228600" algn="l" defTabSz="457200" rtl="0" eaLnBrk="1" latinLnBrk="0" hangingPunct="1">
-              <a:spcBef>
-                <a:spcPts val="1000"/>
-              </a:spcBef>
-              <a:spcAft>
-                <a:spcPts val="0"/>
-              </a:spcAft>
-              <a:buClr>
-                <a:schemeClr val="accent1"/>
-              </a:buClr>
-              <a:buSzPct val="80000"/>
-              <a:buFont typeface="Wingdings 3" charset="2"/>
-              <a:buChar char=""/>
-              <a:defRPr sz="1200" kern="1200">
-                <a:solidFill>
-                  <a:schemeClr val="tx1">
-                    <a:lumMod val="75000"/>
-                    <a:lumOff val="25000"/>
-                  </a:schemeClr>
-                </a:solidFill>
-                <a:latin typeface="+mn-lt"/>
-                <a:ea typeface="+mn-ea"/>
-                <a:cs typeface="+mn-cs"/>
-              </a:defRPr>
-            </a:lvl8pPr>
-            <a:lvl9pPr marL="3886200" indent="-228600" algn="l" defTabSz="457200" rtl="0" eaLnBrk="1" latinLnBrk="0" hangingPunct="1">
-              <a:spcBef>
-                <a:spcPts val="1000"/>
-              </a:spcBef>
-              <a:spcAft>
-                <a:spcPts val="0"/>
-              </a:spcAft>
-              <a:buClr>
-                <a:schemeClr val="accent1"/>
-              </a:buClr>
-              <a:buSzPct val="80000"/>
-              <a:buFont typeface="Wingdings 3" charset="2"/>
-              <a:buChar char=""/>
-              <a:defRPr sz="1200" kern="1200">
-                <a:solidFill>
-                  <a:schemeClr val="tx1">
-                    <a:lumMod val="75000"/>
-                    <a:lumOff val="25000"/>
-                  </a:schemeClr>
-                </a:solidFill>
-                <a:latin typeface="+mn-lt"/>
-                <a:ea typeface="+mn-ea"/>
-                <a:cs typeface="+mn-cs"/>
-              </a:defRPr>
-            </a:lvl9pPr>
-          </a:lstStyle>
-          <a:p>
-            <a:pPr marL="0" indent="0">
-              <a:buFont typeface="Wingdings 3" charset="2"/>
-              <a:buNone/>
-            </a:pPr>
-            <a:r>
-              <a:rPr lang="it-IT" sz="2900" b="1" i="1" dirty="0" smtClean="0">
-                <a:solidFill>
-                  <a:prstClr val="black"/>
-                </a:solidFill>
-                <a:cs typeface="Times New Roman" panose="02020603050405020304" pitchFamily="18" charset="0"/>
-              </a:rPr>
-              <a:t>Emoji Map:</a:t>
-            </a:r>
-          </a:p>
-          <a:p>
-            <a:pPr marL="0" indent="0">
-              <a:buNone/>
-            </a:pPr>
-            <a:r>
-              <a:rPr lang="it-IT" sz="1900" dirty="0" smtClean="0">
-                <a:solidFill>
-                  <a:prstClr val="black"/>
-                </a:solidFill>
-                <a:effectLst>
-                  <a:outerShdw blurRad="38100" dist="38100" dir="2700000" algn="tl">
-                    <a:srgbClr val="000000">
-                      <a:alpha val="43137"/>
-                    </a:srgbClr>
-                  </a:outerShdw>
-                </a:effectLst>
-                <a:cs typeface="Times New Roman" panose="02020603050405020304" pitchFamily="18" charset="0"/>
-              </a:rPr>
-              <a:t/>
-            </a:r>
-            <a:br>
-              <a:rPr lang="it-IT" sz="1900" dirty="0" smtClean="0">
-                <a:solidFill>
-                  <a:prstClr val="black"/>
-                </a:solidFill>
-                <a:effectLst>
-                  <a:outerShdw blurRad="38100" dist="38100" dir="2700000" algn="tl">
-                    <a:srgbClr val="000000">
-                      <a:alpha val="43137"/>
-                    </a:srgbClr>
-                  </a:outerShdw>
-                </a:effectLst>
-                <a:cs typeface="Times New Roman" panose="02020603050405020304" pitchFamily="18" charset="0"/>
-              </a:rPr>
-            </a:br>
-            <a:r>
-              <a:rPr lang="it-IT" sz="1900" dirty="0">
-                <a:solidFill>
-                  <a:prstClr val="black"/>
-                </a:solidFill>
-                <a:cs typeface="Times New Roman" panose="02020603050405020304" pitchFamily="18" charset="0"/>
-              </a:rPr>
-              <a:t>per </a:t>
-            </a:r>
-            <a:r>
-              <a:rPr lang="it-IT" sz="1900" dirty="0" smtClean="0">
-                <a:solidFill>
-                  <a:prstClr val="black"/>
-                </a:solidFill>
-                <a:cs typeface="Times New Roman" panose="02020603050405020304" pitchFamily="18" charset="0"/>
-              </a:rPr>
-              <a:t>ciascun sentimento viene </a:t>
-            </a:r>
-            <a:r>
-              <a:rPr lang="it-IT" sz="1900" dirty="0">
-                <a:solidFill>
-                  <a:prstClr val="black"/>
-                </a:solidFill>
-                <a:cs typeface="Times New Roman" panose="02020603050405020304" pitchFamily="18" charset="0"/>
-              </a:rPr>
-              <a:t>creata una mappa, che a sua volta contiene tante mappe per </a:t>
-            </a:r>
-            <a:r>
-              <a:rPr lang="it-IT" sz="1900" dirty="0" smtClean="0">
-                <a:solidFill>
-                  <a:prstClr val="black"/>
-                </a:solidFill>
-                <a:cs typeface="Times New Roman" panose="02020603050405020304" pitchFamily="18" charset="0"/>
-              </a:rPr>
-              <a:t>ciascuna </a:t>
-            </a:r>
-            <a:r>
-              <a:rPr lang="it-IT" sz="1900" dirty="0">
-                <a:solidFill>
-                  <a:prstClr val="black"/>
-                </a:solidFill>
-                <a:cs typeface="Times New Roman" panose="02020603050405020304" pitchFamily="18" charset="0"/>
-              </a:rPr>
-              <a:t>emoji o emoticon</a:t>
-            </a:r>
-            <a:r>
-              <a:rPr lang="it-IT" sz="1900" dirty="0" smtClean="0">
-                <a:solidFill>
-                  <a:prstClr val="black"/>
-                </a:solidFill>
-                <a:cs typeface="Times New Roman" panose="02020603050405020304" pitchFamily="18" charset="0"/>
-              </a:rPr>
-              <a:t> con le </a:t>
-            </a:r>
-            <a:r>
-              <a:rPr lang="it-IT" sz="1900" dirty="0">
-                <a:solidFill>
-                  <a:prstClr val="black"/>
-                </a:solidFill>
-                <a:cs typeface="Times New Roman" panose="02020603050405020304" pitchFamily="18" charset="0"/>
-              </a:rPr>
-              <a:t>relative frequenze</a:t>
-            </a:r>
-          </a:p>
-          <a:p>
-            <a:pPr marL="0" indent="0">
-              <a:buFont typeface="Wingdings 3" charset="2"/>
-              <a:buNone/>
-            </a:pPr>
-            <a:endParaRPr lang="it-IT" dirty="0"/>
-          </a:p>
-        </p:txBody>
-      </p:sp>
-      <p:sp>
-        <p:nvSpPr>
-          <p:cNvPr id="9" name="Segnaposto contenuto 2">
-            <a:extLst>
-              <a:ext uri="{FF2B5EF4-FFF2-40B4-BE49-F238E27FC236}">
-                <a16:creationId xmlns="" xmlns:a16="http://schemas.microsoft.com/office/drawing/2014/main" id="{058AAC17-44C7-46C9-846C-ACC9953C05A1}"/>
-              </a:ext>
-            </a:extLst>
-          </p:cNvPr>
-          <p:cNvSpPr>
-            <a:spLocks noGrp="1"/>
-          </p:cNvSpPr>
-          <p:nvPr>
-            <p:ph sz="half" idx="1"/>
-          </p:nvPr>
-        </p:nvSpPr>
-        <p:spPr>
-          <a:xfrm>
-            <a:off x="457200" y="1231741"/>
-            <a:ext cx="4038600" cy="1828800"/>
-          </a:xfrm>
-        </p:spPr>
-        <p:txBody>
-          <a:bodyPr>
-            <a:normAutofit fontScale="92500" lnSpcReduction="10000"/>
-          </a:bodyPr>
-          <a:lstStyle/>
-          <a:p>
-            <a:pPr marL="0" indent="0">
-              <a:buNone/>
-            </a:pPr>
-            <a:r>
-              <a:rPr lang="it-IT" sz="2900" b="1" i="1" dirty="0" smtClean="0">
-                <a:solidFill>
-                  <a:prstClr val="black"/>
-                </a:solidFill>
-                <a:cs typeface="Times New Roman" panose="02020603050405020304" pitchFamily="18" charset="0"/>
-              </a:rPr>
-              <a:t>Word Map</a:t>
-            </a:r>
-            <a:r>
-              <a:rPr lang="it-IT" sz="2900" b="1" i="1" dirty="0">
-                <a:solidFill>
-                  <a:prstClr val="black"/>
-                </a:solidFill>
-                <a:cs typeface="Times New Roman" panose="02020603050405020304" pitchFamily="18" charset="0"/>
-              </a:rPr>
-              <a:t>:</a:t>
-            </a:r>
-          </a:p>
-          <a:p>
-            <a:pPr marL="0" indent="0">
-              <a:buNone/>
-            </a:pPr>
-            <a:r>
-              <a:rPr lang="it-IT" sz="1900" dirty="0">
-                <a:solidFill>
-                  <a:prstClr val="black"/>
-                </a:solidFill>
-                <a:effectLst>
-                  <a:outerShdw blurRad="38100" dist="38100" dir="2700000" algn="tl">
-                    <a:srgbClr val="000000">
-                      <a:alpha val="43137"/>
-                    </a:srgbClr>
-                  </a:outerShdw>
-                </a:effectLst>
-                <a:cs typeface="Times New Roman" panose="02020603050405020304" pitchFamily="18" charset="0"/>
-              </a:rPr>
-              <a:t/>
-            </a:r>
-            <a:br>
-              <a:rPr lang="it-IT" sz="1900" dirty="0">
-                <a:solidFill>
-                  <a:prstClr val="black"/>
-                </a:solidFill>
-                <a:effectLst>
-                  <a:outerShdw blurRad="38100" dist="38100" dir="2700000" algn="tl">
-                    <a:srgbClr val="000000">
-                      <a:alpha val="43137"/>
-                    </a:srgbClr>
-                  </a:outerShdw>
-                </a:effectLst>
-                <a:cs typeface="Times New Roman" panose="02020603050405020304" pitchFamily="18" charset="0"/>
-              </a:rPr>
-            </a:br>
-            <a:r>
-              <a:rPr lang="it-IT" sz="1900" dirty="0" smtClean="0">
-                <a:solidFill>
-                  <a:prstClr val="black"/>
-                </a:solidFill>
-                <a:cs typeface="Times New Roman" panose="02020603050405020304" pitchFamily="18" charset="0"/>
-              </a:rPr>
-              <a:t>per ciascuna parola relativa ad un sentimento viene generata una mappa relativa alla frequenza nei tweet</a:t>
-            </a:r>
-            <a:endParaRPr lang="it-IT" sz="1900" dirty="0">
-              <a:solidFill>
-                <a:prstClr val="black"/>
-              </a:solidFill>
-              <a:cs typeface="Times New Roman" panose="02020603050405020304" pitchFamily="18" charset="0"/>
-            </a:endParaRPr>
-          </a:p>
-        </p:txBody>
-      </p:sp>
-    </p:spTree>
-    <p:extLst>
-      <p:ext uri="{BB962C8B-B14F-4D97-AF65-F5344CB8AC3E}">
-        <p14:creationId xmlns:p14="http://schemas.microsoft.com/office/powerpoint/2010/main" val="2192762483"/>
       </p:ext>
     </p:extLst>
   </p:cSld>
@@ -12020,21 +12014,21 @@
                 <a:gridCol w="2230361">
                   <a:extLst>
                     <a:ext uri="{9D8B030D-6E8A-4147-A177-3AD203B41FA5}">
-                      <a16:colId xmlns="" xmlns:a16="http://schemas.microsoft.com/office/drawing/2014/main" val="2877867300"/>
+                      <a16:colId xmlns:a16="http://schemas.microsoft.com/office/drawing/2014/main" xmlns="" val="2877867300"/>
                     </a:ext>
                   </a:extLst>
                 </a:gridCol>
                 <a:gridCol w="2946400">
                   <a:extLst>
                     <a:ext uri="{9D8B030D-6E8A-4147-A177-3AD203B41FA5}">
-                      <a16:colId xmlns="" xmlns:a16="http://schemas.microsoft.com/office/drawing/2014/main" val="674584734"/>
+                      <a16:colId xmlns:a16="http://schemas.microsoft.com/office/drawing/2014/main" xmlns="" val="674584734"/>
                     </a:ext>
                   </a:extLst>
                 </a:gridCol>
                 <a:gridCol w="4151085">
                   <a:extLst>
                     <a:ext uri="{9D8B030D-6E8A-4147-A177-3AD203B41FA5}">
-                      <a16:colId xmlns="" xmlns:a16="http://schemas.microsoft.com/office/drawing/2014/main" val="2074233569"/>
+                      <a16:colId xmlns:a16="http://schemas.microsoft.com/office/drawing/2014/main" xmlns="" val="2074233569"/>
                     </a:ext>
                   </a:extLst>
                 </a:gridCol>
@@ -12087,7 +12081,7 @@
                 </a:tc>
                 <a:extLst>
                   <a:ext uri="{0D108BD9-81ED-4DB2-BD59-A6C34878D82A}">
-                    <a16:rowId xmlns="" xmlns:a16="http://schemas.microsoft.com/office/drawing/2014/main" val="359061708"/>
+                    <a16:rowId xmlns:a16="http://schemas.microsoft.com/office/drawing/2014/main" xmlns="" val="359061708"/>
                   </a:ext>
                 </a:extLst>
               </a:tr>
@@ -12150,7 +12144,7 @@
                 </a:tc>
                 <a:extLst>
                   <a:ext uri="{0D108BD9-81ED-4DB2-BD59-A6C34878D82A}">
-                    <a16:rowId xmlns="" xmlns:a16="http://schemas.microsoft.com/office/drawing/2014/main" val="2152449656"/>
+                    <a16:rowId xmlns:a16="http://schemas.microsoft.com/office/drawing/2014/main" xmlns="" val="2152449656"/>
                   </a:ext>
                 </a:extLst>
               </a:tr>
@@ -12213,7 +12207,7 @@
                 </a:tc>
                 <a:extLst>
                   <a:ext uri="{0D108BD9-81ED-4DB2-BD59-A6C34878D82A}">
-                    <a16:rowId xmlns="" xmlns:a16="http://schemas.microsoft.com/office/drawing/2014/main" val="1860423358"/>
+                    <a16:rowId xmlns:a16="http://schemas.microsoft.com/office/drawing/2014/main" xmlns="" val="1860423358"/>
                   </a:ext>
                 </a:extLst>
               </a:tr>
@@ -12276,7 +12270,7 @@
                 </a:tc>
                 <a:extLst>
                   <a:ext uri="{0D108BD9-81ED-4DB2-BD59-A6C34878D82A}">
-                    <a16:rowId xmlns="" xmlns:a16="http://schemas.microsoft.com/office/drawing/2014/main" val="686662235"/>
+                    <a16:rowId xmlns:a16="http://schemas.microsoft.com/office/drawing/2014/main" xmlns="" val="686662235"/>
                   </a:ext>
                 </a:extLst>
               </a:tr>
@@ -12307,11 +12301,7 @@
                       </a:r>
                       <a:r>
                         <a:rPr lang="it-IT" baseline="0" dirty="0" smtClean="0"/>
-                        <a:t> Pos tagging, </a:t>
-                      </a:r>
-                      <a:r>
-                        <a:rPr lang="it-IT" baseline="0" dirty="0" smtClean="0"/>
-                        <a:t>Lemmatizzazione </a:t>
+                        <a:t> Pos tagging, Lemmatizzazione </a:t>
                       </a:r>
                       <a:endParaRPr lang="it-IT" dirty="0"/>
                     </a:p>
@@ -12336,7 +12326,7 @@
                 </a:tc>
                 <a:extLst>
                   <a:ext uri="{0D108BD9-81ED-4DB2-BD59-A6C34878D82A}">
-                    <a16:rowId xmlns="" xmlns:a16="http://schemas.microsoft.com/office/drawing/2014/main" val="2723784576"/>
+                    <a16:rowId xmlns:a16="http://schemas.microsoft.com/office/drawing/2014/main" xmlns="" val="2723784576"/>
                   </a:ext>
                 </a:extLst>
               </a:tr>
@@ -12392,7 +12382,7 @@
                 </a:tc>
                 <a:extLst>
                   <a:ext uri="{0D108BD9-81ED-4DB2-BD59-A6C34878D82A}">
-                    <a16:rowId xmlns="" xmlns:a16="http://schemas.microsoft.com/office/drawing/2014/main" val="2943680178"/>
+                    <a16:rowId xmlns:a16="http://schemas.microsoft.com/office/drawing/2014/main" xmlns="" val="2943680178"/>
                   </a:ext>
                 </a:extLst>
               </a:tr>
@@ -12448,7 +12438,7 @@
                 </a:tc>
                 <a:extLst>
                   <a:ext uri="{0D108BD9-81ED-4DB2-BD59-A6C34878D82A}">
-                    <a16:rowId xmlns="" xmlns:a16="http://schemas.microsoft.com/office/drawing/2014/main" val="460836306"/>
+                    <a16:rowId xmlns:a16="http://schemas.microsoft.com/office/drawing/2014/main" xmlns="" val="460836306"/>
                   </a:ext>
                 </a:extLst>
               </a:tr>
@@ -12500,7 +12490,7 @@
                 </a:tc>
                 <a:extLst>
                   <a:ext uri="{0D108BD9-81ED-4DB2-BD59-A6C34878D82A}">
-                    <a16:rowId xmlns="" xmlns:a16="http://schemas.microsoft.com/office/drawing/2014/main" val="2088053448"/>
+                    <a16:rowId xmlns:a16="http://schemas.microsoft.com/office/drawing/2014/main" xmlns="" val="2088053448"/>
                   </a:ext>
                 </a:extLst>
               </a:tr>
@@ -12552,7 +12542,7 @@
                 </a:tc>
                 <a:extLst>
                   <a:ext uri="{0D108BD9-81ED-4DB2-BD59-A6C34878D82A}">
-                    <a16:rowId xmlns="" xmlns:a16="http://schemas.microsoft.com/office/drawing/2014/main" val="4163736797"/>
+                    <a16:rowId xmlns:a16="http://schemas.microsoft.com/office/drawing/2014/main" xmlns="" val="4163736797"/>
                   </a:ext>
                 </a:extLst>
               </a:tr>
@@ -12861,7 +12851,7 @@
   <a:extraClrSchemeLst/>
   <a:extLst>
     <a:ext uri="{05A4C25C-085E-4340-85A3-A5531E510DB2}">
-      <thm15:themeFamily xmlns="" xmlns:thm15="http://schemas.microsoft.com/office/thememl/2012/main" name="Facet" id="{C0C680CD-088A-49FC-A102-D699147F32B2}" vid="{0B5AB586-D108-4FC1-8368-649FE654B894}"/>
+      <thm15:themeFamily xmlns:thm15="http://schemas.microsoft.com/office/thememl/2012/main" xmlns="" name="Facet" id="{C0C680CD-088A-49FC-A102-D699147F32B2}" vid="{0B5AB586-D108-4FC1-8368-649FE654B894}"/>
     </a:ext>
   </a:extLst>
 </a:theme>
